--- a/3-DNN/Presentation.pptx
+++ b/3-DNN/Presentation.pptx
@@ -116,6 +116,11 @@
       </a:defRPr>
     </a:lvl9pPr>
   </p:defaultTextStyle>
+  <p:extLst>
+    <p:ext uri="{EFAFB233-063F-42B5-8137-9DF3F51BA10A}">
+      <p15:sldGuideLst xmlns:p15="http://schemas.microsoft.com/office/powerpoint/2012/main"/>
+    </p:ext>
+  </p:extLst>
 </p:presentation>
 </file>
 
@@ -201,7 +206,7 @@
           <a:p>
             <a:fld id="{A91962FC-5538-A049-8645-148C35380F82}" type="datetimeFigureOut">
               <a:rPr lang="en-US" smtClean="0"/>
-              <a:t>10/8/19</a:t>
+              <a:t>10/9/19</a:t>
             </a:fld>
             <a:endParaRPr lang="en-US"/>
           </a:p>
@@ -1087,7 +1092,7 @@
           <a:p>
             <a:fld id="{205D61FF-2E3D-F343-B064-D40ECC8DD5E4}" type="datetimeFigureOut">
               <a:rPr lang="en-US" smtClean="0"/>
-              <a:t>10/8/19</a:t>
+              <a:t>10/9/19</a:t>
             </a:fld>
             <a:endParaRPr lang="en-US"/>
           </a:p>
@@ -1285,7 +1290,7 @@
           <a:p>
             <a:fld id="{205D61FF-2E3D-F343-B064-D40ECC8DD5E4}" type="datetimeFigureOut">
               <a:rPr lang="en-US" smtClean="0"/>
-              <a:t>10/8/19</a:t>
+              <a:t>10/9/19</a:t>
             </a:fld>
             <a:endParaRPr lang="en-US"/>
           </a:p>
@@ -1493,7 +1498,7 @@
           <a:p>
             <a:fld id="{205D61FF-2E3D-F343-B064-D40ECC8DD5E4}" type="datetimeFigureOut">
               <a:rPr lang="en-US" smtClean="0"/>
-              <a:t>10/8/19</a:t>
+              <a:t>10/9/19</a:t>
             </a:fld>
             <a:endParaRPr lang="en-US"/>
           </a:p>
@@ -2799,7 +2804,7 @@
           <a:p>
             <a:fld id="{205D61FF-2E3D-F343-B064-D40ECC8DD5E4}" type="datetimeFigureOut">
               <a:rPr lang="en-US" smtClean="0"/>
-              <a:t>10/8/19</a:t>
+              <a:t>10/9/19</a:t>
             </a:fld>
             <a:endParaRPr lang="en-US"/>
           </a:p>
@@ -2969,7 +2974,7 @@
           <a:p>
             <a:fld id="{205D61FF-2E3D-F343-B064-D40ECC8DD5E4}" type="datetimeFigureOut">
               <a:rPr lang="en-US" smtClean="0"/>
-              <a:t>10/8/19</a:t>
+              <a:t>10/9/19</a:t>
             </a:fld>
             <a:endParaRPr lang="en-US"/>
           </a:p>
@@ -3215,7 +3220,7 @@
           <a:p>
             <a:fld id="{205D61FF-2E3D-F343-B064-D40ECC8DD5E4}" type="datetimeFigureOut">
               <a:rPr lang="en-US" smtClean="0"/>
-              <a:t>10/8/19</a:t>
+              <a:t>10/9/19</a:t>
             </a:fld>
             <a:endParaRPr lang="en-US"/>
           </a:p>
@@ -3447,7 +3452,7 @@
           <a:p>
             <a:fld id="{205D61FF-2E3D-F343-B064-D40ECC8DD5E4}" type="datetimeFigureOut">
               <a:rPr lang="en-US" smtClean="0"/>
-              <a:t>10/8/19</a:t>
+              <a:t>10/9/19</a:t>
             </a:fld>
             <a:endParaRPr lang="en-US"/>
           </a:p>
@@ -3814,7 +3819,7 @@
           <a:p>
             <a:fld id="{205D61FF-2E3D-F343-B064-D40ECC8DD5E4}" type="datetimeFigureOut">
               <a:rPr lang="en-US" smtClean="0"/>
-              <a:t>10/8/19</a:t>
+              <a:t>10/9/19</a:t>
             </a:fld>
             <a:endParaRPr lang="en-US"/>
           </a:p>
@@ -3932,7 +3937,7 @@
           <a:p>
             <a:fld id="{205D61FF-2E3D-F343-B064-D40ECC8DD5E4}" type="datetimeFigureOut">
               <a:rPr lang="en-US" smtClean="0"/>
-              <a:t>10/8/19</a:t>
+              <a:t>10/9/19</a:t>
             </a:fld>
             <a:endParaRPr lang="en-US"/>
           </a:p>
@@ -4027,7 +4032,7 @@
           <a:p>
             <a:fld id="{205D61FF-2E3D-F343-B064-D40ECC8DD5E4}" type="datetimeFigureOut">
               <a:rPr lang="en-US" smtClean="0"/>
-              <a:t>10/8/19</a:t>
+              <a:t>10/9/19</a:t>
             </a:fld>
             <a:endParaRPr lang="en-US"/>
           </a:p>
@@ -4213,7 +4218,7 @@
           <a:p>
             <a:fld id="{205D61FF-2E3D-F343-B064-D40ECC8DD5E4}" type="datetimeFigureOut">
               <a:rPr lang="en-US" smtClean="0"/>
-              <a:t>10/8/19</a:t>
+              <a:t>10/9/19</a:t>
             </a:fld>
             <a:endParaRPr lang="en-US"/>
           </a:p>
@@ -4502,7 +4507,7 @@
           <a:p>
             <a:fld id="{205D61FF-2E3D-F343-B064-D40ECC8DD5E4}" type="datetimeFigureOut">
               <a:rPr lang="en-US" smtClean="0"/>
-              <a:t>10/8/19</a:t>
+              <a:t>10/9/19</a:t>
             </a:fld>
             <a:endParaRPr lang="en-US"/>
           </a:p>
@@ -4759,7 +4764,7 @@
           <a:p>
             <a:fld id="{205D61FF-2E3D-F343-B064-D40ECC8DD5E4}" type="datetimeFigureOut">
               <a:rPr lang="en-US" smtClean="0"/>
-              <a:t>10/8/19</a:t>
+              <a:t>10/9/19</a:t>
             </a:fld>
             <a:endParaRPr lang="en-US"/>
           </a:p>
@@ -4929,7 +4934,7 @@
           <a:p>
             <a:fld id="{205D61FF-2E3D-F343-B064-D40ECC8DD5E4}" type="datetimeFigureOut">
               <a:rPr lang="en-US" smtClean="0"/>
-              <a:t>10/8/19</a:t>
+              <a:t>10/9/19</a:t>
             </a:fld>
             <a:endParaRPr lang="en-US"/>
           </a:p>
@@ -5109,7 +5114,7 @@
           <a:p>
             <a:fld id="{205D61FF-2E3D-F343-B064-D40ECC8DD5E4}" type="datetimeFigureOut">
               <a:rPr lang="en-US" smtClean="0"/>
-              <a:t>10/8/19</a:t>
+              <a:t>10/9/19</a:t>
             </a:fld>
             <a:endParaRPr lang="en-US"/>
           </a:p>
@@ -6211,7 +6216,7 @@
           <a:p>
             <a:fld id="{205D61FF-2E3D-F343-B064-D40ECC8DD5E4}" type="datetimeFigureOut">
               <a:rPr lang="en-US" smtClean="0"/>
-              <a:t>10/8/19</a:t>
+              <a:t>10/9/19</a:t>
             </a:fld>
             <a:endParaRPr lang="en-US"/>
           </a:p>
@@ -6476,7 +6481,7 @@
           <a:p>
             <a:fld id="{205D61FF-2E3D-F343-B064-D40ECC8DD5E4}" type="datetimeFigureOut">
               <a:rPr lang="en-US" smtClean="0"/>
-              <a:t>10/8/19</a:t>
+              <a:t>10/9/19</a:t>
             </a:fld>
             <a:endParaRPr lang="en-US"/>
           </a:p>
@@ -6888,7 +6893,7 @@
           <a:p>
             <a:fld id="{205D61FF-2E3D-F343-B064-D40ECC8DD5E4}" type="datetimeFigureOut">
               <a:rPr lang="en-US" smtClean="0"/>
-              <a:t>10/8/19</a:t>
+              <a:t>10/9/19</a:t>
             </a:fld>
             <a:endParaRPr lang="en-US"/>
           </a:p>
@@ -7029,7 +7034,7 @@
           <a:p>
             <a:fld id="{205D61FF-2E3D-F343-B064-D40ECC8DD5E4}" type="datetimeFigureOut">
               <a:rPr lang="en-US" smtClean="0"/>
-              <a:t>10/8/19</a:t>
+              <a:t>10/9/19</a:t>
             </a:fld>
             <a:endParaRPr lang="en-US"/>
           </a:p>
@@ -7142,7 +7147,7 @@
           <a:p>
             <a:fld id="{205D61FF-2E3D-F343-B064-D40ECC8DD5E4}" type="datetimeFigureOut">
               <a:rPr lang="en-US" smtClean="0"/>
-              <a:t>10/8/19</a:t>
+              <a:t>10/9/19</a:t>
             </a:fld>
             <a:endParaRPr lang="en-US"/>
           </a:p>
@@ -7453,7 +7458,7 @@
           <a:p>
             <a:fld id="{205D61FF-2E3D-F343-B064-D40ECC8DD5E4}" type="datetimeFigureOut">
               <a:rPr lang="en-US" smtClean="0"/>
-              <a:t>10/8/19</a:t>
+              <a:t>10/9/19</a:t>
             </a:fld>
             <a:endParaRPr lang="en-US"/>
           </a:p>
@@ -7741,7 +7746,7 @@
           <a:p>
             <a:fld id="{205D61FF-2E3D-F343-B064-D40ECC8DD5E4}" type="datetimeFigureOut">
               <a:rPr lang="en-US" smtClean="0"/>
-              <a:t>10/8/19</a:t>
+              <a:t>10/9/19</a:t>
             </a:fld>
             <a:endParaRPr lang="en-US"/>
           </a:p>
@@ -7982,7 +7987,7 @@
           <a:p>
             <a:fld id="{205D61FF-2E3D-F343-B064-D40ECC8DD5E4}" type="datetimeFigureOut">
               <a:rPr lang="en-US" smtClean="0"/>
-              <a:t>10/8/19</a:t>
+              <a:t>10/9/19</a:t>
             </a:fld>
             <a:endParaRPr lang="en-US"/>
           </a:p>
@@ -8535,7 +8540,7 @@
           <a:p>
             <a:fld id="{205D61FF-2E3D-F343-B064-D40ECC8DD5E4}" type="datetimeFigureOut">
               <a:rPr lang="en-US" smtClean="0"/>
-              <a:t>10/8/19</a:t>
+              <a:t>10/9/19</a:t>
             </a:fld>
             <a:endParaRPr lang="en-US"/>
           </a:p>
@@ -8959,7 +8964,7 @@
         </p:nvSpPr>
         <p:spPr>
           <a:xfrm>
-            <a:off x="1524000" y="372350"/>
+            <a:off x="1524000" y="232496"/>
             <a:ext cx="9144000" cy="2387600"/>
           </a:xfrm>
         </p:spPr>
@@ -9006,7 +9011,7 @@
         </p:nvSpPr>
         <p:spPr>
           <a:xfrm>
-            <a:off x="1524000" y="2852025"/>
+            <a:off x="1524000" y="2712171"/>
             <a:ext cx="9144000" cy="1655762"/>
           </a:xfrm>
         </p:spPr>
@@ -9064,7 +9069,7 @@
         </p:blipFill>
         <p:spPr>
           <a:xfrm>
-            <a:off x="3921484" y="3560942"/>
+            <a:off x="3921484" y="3421088"/>
             <a:ext cx="4349032" cy="2643099"/>
           </a:xfrm>
           <a:prstGeom prst="rect">
@@ -9282,7 +9287,7 @@
                 <a:latin typeface="PingFang TC" panose="020B0400000000000000" pitchFamily="34" charset="-120"/>
                 <a:ea typeface="PingFang TC" panose="020B0400000000000000" pitchFamily="34" charset="-120"/>
               </a:rPr>
-              <a:t>來建立網路</a:t>
+              <a:t>方法來建立網路</a:t>
             </a:r>
             <a:r>
               <a:rPr lang="en-US" altLang="zh-CN" sz="2000" dirty="0">
@@ -9379,6 +9384,16 @@
                 <a:ea typeface="PingFang TC" panose="020B0400000000000000" pitchFamily="34" charset="-120"/>
               </a:rPr>
               <a:t> </a:t>
+            </a:r>
+            <a:r>
+              <a:rPr lang="zh-TW" altLang="en-US" sz="2000" dirty="0">
+                <a:solidFill>
+                  <a:srgbClr val="1A1A1A"/>
+                </a:solidFill>
+                <a:latin typeface="PingFang TC" panose="020B0400000000000000" pitchFamily="34" charset="-120"/>
+                <a:ea typeface="PingFang TC" panose="020B0400000000000000" pitchFamily="34" charset="-120"/>
+              </a:rPr>
+              <a:t>方法</a:t>
             </a:r>
             <a:r>
               <a:rPr lang="zh-CN" altLang="en-US" sz="2000" dirty="0">
@@ -9791,7 +9806,7 @@
         </p:nvSpPr>
         <p:spPr>
           <a:xfrm>
-            <a:off x="471488" y="214313"/>
+            <a:off x="826490" y="644619"/>
             <a:ext cx="5853300" cy="566700"/>
           </a:xfrm>
           <a:prstGeom prst="rect">
@@ -9830,8 +9845,8 @@
                 <a:solidFill>
                   <a:srgbClr val="1A1A1A"/>
                 </a:solidFill>
-                <a:latin typeface="Arial"/>
-                <a:ea typeface="Arial"/>
+                <a:latin typeface="PingFang TC" panose="020B0400000000000000" pitchFamily="34" charset="-120"/>
+                <a:ea typeface="PingFang TC" panose="020B0400000000000000" pitchFamily="34" charset="-120"/>
                 <a:cs typeface="Arial"/>
                 <a:sym typeface="Arial"/>
               </a:rPr>
@@ -9841,8 +9856,8 @@
               <a:solidFill>
                 <a:srgbClr val="1A1A1A"/>
               </a:solidFill>
-              <a:latin typeface="Arial"/>
-              <a:ea typeface="Arial"/>
+              <a:latin typeface="PingFang TC" panose="020B0400000000000000" pitchFamily="34" charset="-120"/>
+              <a:ea typeface="PingFang TC" panose="020B0400000000000000" pitchFamily="34" charset="-120"/>
               <a:cs typeface="Arial"/>
               <a:sym typeface="Arial"/>
             </a:endParaRPr>
@@ -9851,101 +9866,2106 @@
       </p:sp>
       <p:sp>
         <p:nvSpPr>
-          <p:cNvPr id="5" name="Google Shape;543;p88">
-            <a:extLst>
-              <a:ext uri="{FF2B5EF4-FFF2-40B4-BE49-F238E27FC236}">
-                <a16:creationId xmlns:a16="http://schemas.microsoft.com/office/drawing/2014/main" id="{CC8A812C-7977-3349-8021-B3569C7AF16C}"/>
-              </a:ext>
-            </a:extLst>
-          </p:cNvPr>
-          <p:cNvSpPr txBox="1"/>
+          <p:cNvPr id="2" name="Rectangle 1">
+            <a:extLst>
+              <a:ext uri="{FF2B5EF4-FFF2-40B4-BE49-F238E27FC236}">
+                <a16:creationId xmlns:a16="http://schemas.microsoft.com/office/drawing/2014/main" id="{0F6F4A14-316E-054A-937B-6F20D70DDACF}"/>
+              </a:ext>
+            </a:extLst>
+          </p:cNvPr>
+          <p:cNvSpPr/>
           <p:nvPr/>
         </p:nvSpPr>
         <p:spPr>
           <a:xfrm>
-            <a:off x="483600" y="1064100"/>
-            <a:ext cx="8176800" cy="566700"/>
+            <a:off x="826490" y="1310365"/>
+            <a:ext cx="6160661" cy="471219"/>
           </a:xfrm>
           <a:prstGeom prst="rect">
             <a:avLst/>
           </a:prstGeom>
-          <a:noFill/>
-          <a:ln>
-            <a:noFill/>
-          </a:ln>
-        </p:spPr>
-        <p:txBody>
-          <a:bodyPr spcFirstLastPara="1" wrap="square" lIns="91425" tIns="91425" rIns="91425" bIns="91425" anchor="t" anchorCtr="0">
-            <a:noAutofit/>
+        </p:spPr>
+        <p:txBody>
+          <a:bodyPr wrap="none">
+            <a:spAutoFit/>
           </a:bodyPr>
           <a:lstStyle/>
           <a:p>
-            <a:pPr marL="457200" lvl="0" indent="-342900" algn="l" rtl="0">
+            <a:pPr marL="400050" lvl="0" indent="-285750">
               <a:lnSpc>
                 <a:spcPct val="150000"/>
               </a:lnSpc>
-              <a:spcBef>
-                <a:spcPts val="0"/>
-              </a:spcBef>
-              <a:spcAft>
-                <a:spcPts val="0"/>
-              </a:spcAft>
               <a:buClr>
                 <a:srgbClr val="1A1A1A"/>
               </a:buClr>
               <a:buSzPts val="1800"/>
-              <a:buChar char="●"/>
+              <a:buFont typeface="Arial" panose="020B0604020202020204" pitchFamily="34" charset="0"/>
+              <a:buChar char="•"/>
             </a:pPr>
             <a:r>
-              <a:rPr lang="zh-TW" sz="1800" dirty="0">
+              <a:rPr lang="en-US" altLang="zh-TW" dirty="0">
                 <a:solidFill>
                   <a:srgbClr val="1A1A1A"/>
                 </a:solidFill>
+                <a:latin typeface="PingFang TC" panose="020B0400000000000000" pitchFamily="34" charset="-120"/>
+                <a:ea typeface="PingFang TC" panose="020B0400000000000000" pitchFamily="34" charset="-120"/>
               </a:rPr>
-              <a:t>64（圖片維度） -&gt; 25（隱藏層） -&gt; 10（分類類別）</a:t>
-            </a:r>
-            <a:endParaRPr sz="1800" dirty="0">
-              <a:solidFill>
-                <a:srgbClr val="1A1A1A"/>
-              </a:solidFill>
-            </a:endParaRPr>
-          </a:p>
-        </p:txBody>
-      </p:sp>
-      <p:pic>
-        <p:nvPicPr>
-          <p:cNvPr id="6" name="Google Shape;544;p88">
-            <a:extLst>
-              <a:ext uri="{FF2B5EF4-FFF2-40B4-BE49-F238E27FC236}">
-                <a16:creationId xmlns:a16="http://schemas.microsoft.com/office/drawing/2014/main" id="{6BFCFCD7-8B0F-F540-BBD1-F127097E1440}"/>
-              </a:ext>
-            </a:extLst>
-          </p:cNvPr>
-          <p:cNvPicPr preferRelativeResize="0"/>
+              <a:t>64</a:t>
+            </a:r>
+            <a:r>
+              <a:rPr lang="zh-TW" altLang="en-US" dirty="0">
+                <a:solidFill>
+                  <a:srgbClr val="1A1A1A"/>
+                </a:solidFill>
+                <a:latin typeface="PingFang TC" panose="020B0400000000000000" pitchFamily="34" charset="-120"/>
+                <a:ea typeface="PingFang TC" panose="020B0400000000000000" pitchFamily="34" charset="-120"/>
+              </a:rPr>
+              <a:t>（圖片維度） </a:t>
+            </a:r>
+            <a:r>
+              <a:rPr lang="en-US" altLang="zh-TW" dirty="0">
+                <a:solidFill>
+                  <a:srgbClr val="1A1A1A"/>
+                </a:solidFill>
+                <a:latin typeface="PingFang TC" panose="020B0400000000000000" pitchFamily="34" charset="-120"/>
+                <a:ea typeface="PingFang TC" panose="020B0400000000000000" pitchFamily="34" charset="-120"/>
+              </a:rPr>
+              <a:t>-&gt; 25</a:t>
+            </a:r>
+            <a:r>
+              <a:rPr lang="zh-TW" altLang="en-US" dirty="0">
+                <a:solidFill>
+                  <a:srgbClr val="1A1A1A"/>
+                </a:solidFill>
+                <a:latin typeface="PingFang TC" panose="020B0400000000000000" pitchFamily="34" charset="-120"/>
+                <a:ea typeface="PingFang TC" panose="020B0400000000000000" pitchFamily="34" charset="-120"/>
+              </a:rPr>
+              <a:t>（隱藏層） </a:t>
+            </a:r>
+            <a:r>
+              <a:rPr lang="en-US" altLang="zh-TW" dirty="0">
+                <a:solidFill>
+                  <a:srgbClr val="1A1A1A"/>
+                </a:solidFill>
+                <a:latin typeface="PingFang TC" panose="020B0400000000000000" pitchFamily="34" charset="-120"/>
+                <a:ea typeface="PingFang TC" panose="020B0400000000000000" pitchFamily="34" charset="-120"/>
+              </a:rPr>
+              <a:t>-&gt; 10</a:t>
+            </a:r>
+            <a:r>
+              <a:rPr lang="zh-TW" altLang="en-US" dirty="0">
+                <a:solidFill>
+                  <a:srgbClr val="1A1A1A"/>
+                </a:solidFill>
+                <a:latin typeface="PingFang TC" panose="020B0400000000000000" pitchFamily="34" charset="-120"/>
+                <a:ea typeface="PingFang TC" panose="020B0400000000000000" pitchFamily="34" charset="-120"/>
+              </a:rPr>
+              <a:t>（分類類別）</a:t>
+            </a:r>
+          </a:p>
+        </p:txBody>
+      </p:sp>
+      <p:sp>
+        <p:nvSpPr>
+          <p:cNvPr id="3" name="Rectangle 2">
+            <a:extLst>
+              <a:ext uri="{FF2B5EF4-FFF2-40B4-BE49-F238E27FC236}">
+                <a16:creationId xmlns:a16="http://schemas.microsoft.com/office/drawing/2014/main" id="{36E9CA13-A187-704A-9769-168739ADFF59}"/>
+              </a:ext>
+            </a:extLst>
+          </p:cNvPr>
+          <p:cNvSpPr/>
           <p:nvPr/>
-        </p:nvPicPr>
-        <p:blipFill>
-          <a:blip r:embed="rId2">
-            <a:alphaModFix/>
-          </a:blip>
-          <a:stretch>
-            <a:fillRect/>
-          </a:stretch>
-        </p:blipFill>
-        <p:spPr>
-          <a:xfrm>
-            <a:off x="2098778" y="1913887"/>
-            <a:ext cx="5269175" cy="3207900"/>
+        </p:nvSpPr>
+        <p:spPr>
+          <a:xfrm>
+            <a:off x="3288252" y="3082939"/>
+            <a:ext cx="645458" cy="3022898"/>
           </a:xfrm>
           <a:prstGeom prst="rect">
             <a:avLst/>
           </a:prstGeom>
-          <a:noFill/>
+          <a:solidFill>
+            <a:schemeClr val="accent5">
+              <a:lumMod val="20000"/>
+              <a:lumOff val="80000"/>
+            </a:schemeClr>
+          </a:solidFill>
           <a:ln>
             <a:noFill/>
           </a:ln>
         </p:spPr>
-      </p:pic>
+        <p:style>
+          <a:lnRef idx="2">
+            <a:schemeClr val="accent3">
+              <a:shade val="50000"/>
+            </a:schemeClr>
+          </a:lnRef>
+          <a:fillRef idx="1">
+            <a:schemeClr val="accent3"/>
+          </a:fillRef>
+          <a:effectRef idx="0">
+            <a:schemeClr val="accent3"/>
+          </a:effectRef>
+          <a:fontRef idx="minor">
+            <a:schemeClr val="lt1"/>
+          </a:fontRef>
+        </p:style>
+        <p:txBody>
+          <a:bodyPr rtlCol="0" anchor="ctr"/>
+          <a:lstStyle/>
+          <a:p>
+            <a:pPr algn="ctr"/>
+            <a:endParaRPr lang="en-US"/>
+          </a:p>
+        </p:txBody>
+      </p:sp>
+      <p:sp>
+        <p:nvSpPr>
+          <p:cNvPr id="7" name="Rectangle 6">
+            <a:extLst>
+              <a:ext uri="{FF2B5EF4-FFF2-40B4-BE49-F238E27FC236}">
+                <a16:creationId xmlns:a16="http://schemas.microsoft.com/office/drawing/2014/main" id="{49FEE571-E5F1-C54B-8587-D94D810F4396}"/>
+              </a:ext>
+            </a:extLst>
+          </p:cNvPr>
+          <p:cNvSpPr/>
+          <p:nvPr/>
+        </p:nvSpPr>
+        <p:spPr>
+          <a:xfrm>
+            <a:off x="5441576" y="3082939"/>
+            <a:ext cx="645458" cy="3022898"/>
+          </a:xfrm>
+          <a:prstGeom prst="rect">
+            <a:avLst/>
+          </a:prstGeom>
+          <a:solidFill>
+            <a:schemeClr val="accent6">
+              <a:lumMod val="20000"/>
+              <a:lumOff val="80000"/>
+            </a:schemeClr>
+          </a:solidFill>
+          <a:ln>
+            <a:noFill/>
+          </a:ln>
+        </p:spPr>
+        <p:style>
+          <a:lnRef idx="2">
+            <a:schemeClr val="accent3">
+              <a:shade val="50000"/>
+            </a:schemeClr>
+          </a:lnRef>
+          <a:fillRef idx="1">
+            <a:schemeClr val="accent3"/>
+          </a:fillRef>
+          <a:effectRef idx="0">
+            <a:schemeClr val="accent3"/>
+          </a:effectRef>
+          <a:fontRef idx="minor">
+            <a:schemeClr val="lt1"/>
+          </a:fontRef>
+        </p:style>
+        <p:txBody>
+          <a:bodyPr rtlCol="0" anchor="ctr"/>
+          <a:lstStyle/>
+          <a:p>
+            <a:pPr algn="ctr"/>
+            <a:endParaRPr lang="en-US"/>
+          </a:p>
+        </p:txBody>
+      </p:sp>
+      <p:sp>
+        <p:nvSpPr>
+          <p:cNvPr id="8" name="Rectangle 7">
+            <a:extLst>
+              <a:ext uri="{FF2B5EF4-FFF2-40B4-BE49-F238E27FC236}">
+                <a16:creationId xmlns:a16="http://schemas.microsoft.com/office/drawing/2014/main" id="{C03C4FE3-9D6F-5D4B-825E-ECE50A403715}"/>
+              </a:ext>
+            </a:extLst>
+          </p:cNvPr>
+          <p:cNvSpPr/>
+          <p:nvPr/>
+        </p:nvSpPr>
+        <p:spPr>
+          <a:xfrm>
+            <a:off x="7594900" y="3082939"/>
+            <a:ext cx="645458" cy="3022898"/>
+          </a:xfrm>
+          <a:prstGeom prst="rect">
+            <a:avLst/>
+          </a:prstGeom>
+          <a:solidFill>
+            <a:schemeClr val="accent2">
+              <a:lumMod val="20000"/>
+              <a:lumOff val="80000"/>
+            </a:schemeClr>
+          </a:solidFill>
+          <a:ln>
+            <a:noFill/>
+          </a:ln>
+        </p:spPr>
+        <p:style>
+          <a:lnRef idx="2">
+            <a:schemeClr val="accent3">
+              <a:shade val="50000"/>
+            </a:schemeClr>
+          </a:lnRef>
+          <a:fillRef idx="1">
+            <a:schemeClr val="accent3"/>
+          </a:fillRef>
+          <a:effectRef idx="0">
+            <a:schemeClr val="accent3"/>
+          </a:effectRef>
+          <a:fontRef idx="minor">
+            <a:schemeClr val="lt1"/>
+          </a:fontRef>
+        </p:style>
+        <p:txBody>
+          <a:bodyPr rtlCol="0" anchor="ctr"/>
+          <a:lstStyle/>
+          <a:p>
+            <a:pPr algn="ctr"/>
+            <a:endParaRPr lang="en-US"/>
+          </a:p>
+        </p:txBody>
+      </p:sp>
+      <p:sp>
+        <p:nvSpPr>
+          <p:cNvPr id="9" name="Oval 8">
+            <a:extLst>
+              <a:ext uri="{FF2B5EF4-FFF2-40B4-BE49-F238E27FC236}">
+                <a16:creationId xmlns:a16="http://schemas.microsoft.com/office/drawing/2014/main" id="{B9BAA777-9C99-2646-96BA-E477702BB189}"/>
+              </a:ext>
+            </a:extLst>
+          </p:cNvPr>
+          <p:cNvSpPr/>
+          <p:nvPr/>
+        </p:nvSpPr>
+        <p:spPr>
+          <a:xfrm>
+            <a:off x="3376981" y="3274541"/>
+            <a:ext cx="468000" cy="468000"/>
+          </a:xfrm>
+          <a:prstGeom prst="ellipse">
+            <a:avLst/>
+          </a:prstGeom>
+          <a:solidFill>
+            <a:schemeClr val="bg1"/>
+          </a:solidFill>
+          <a:ln>
+            <a:solidFill>
+              <a:schemeClr val="tx1"/>
+            </a:solidFill>
+          </a:ln>
+        </p:spPr>
+        <p:style>
+          <a:lnRef idx="2">
+            <a:schemeClr val="accent1">
+              <a:shade val="50000"/>
+            </a:schemeClr>
+          </a:lnRef>
+          <a:fillRef idx="1">
+            <a:schemeClr val="accent1"/>
+          </a:fillRef>
+          <a:effectRef idx="0">
+            <a:schemeClr val="accent1"/>
+          </a:effectRef>
+          <a:fontRef idx="minor">
+            <a:schemeClr val="lt1"/>
+          </a:fontRef>
+        </p:style>
+        <p:txBody>
+          <a:bodyPr rtlCol="0" anchor="ctr"/>
+          <a:lstStyle/>
+          <a:p>
+            <a:pPr algn="ctr"/>
+            <a:endParaRPr lang="en-US"/>
+          </a:p>
+        </p:txBody>
+      </p:sp>
+      <p:sp>
+        <p:nvSpPr>
+          <p:cNvPr id="10" name="Oval 9">
+            <a:extLst>
+              <a:ext uri="{FF2B5EF4-FFF2-40B4-BE49-F238E27FC236}">
+                <a16:creationId xmlns:a16="http://schemas.microsoft.com/office/drawing/2014/main" id="{8574D620-9218-2148-9E29-3259B45B4D94}"/>
+              </a:ext>
+            </a:extLst>
+          </p:cNvPr>
+          <p:cNvSpPr/>
+          <p:nvPr/>
+        </p:nvSpPr>
+        <p:spPr>
+          <a:xfrm>
+            <a:off x="3376981" y="3825195"/>
+            <a:ext cx="468000" cy="468000"/>
+          </a:xfrm>
+          <a:prstGeom prst="ellipse">
+            <a:avLst/>
+          </a:prstGeom>
+          <a:solidFill>
+            <a:schemeClr val="bg1"/>
+          </a:solidFill>
+          <a:ln>
+            <a:solidFill>
+              <a:schemeClr val="tx1"/>
+            </a:solidFill>
+          </a:ln>
+        </p:spPr>
+        <p:style>
+          <a:lnRef idx="2">
+            <a:schemeClr val="accent1">
+              <a:shade val="50000"/>
+            </a:schemeClr>
+          </a:lnRef>
+          <a:fillRef idx="1">
+            <a:schemeClr val="accent1"/>
+          </a:fillRef>
+          <a:effectRef idx="0">
+            <a:schemeClr val="accent1"/>
+          </a:effectRef>
+          <a:fontRef idx="minor">
+            <a:schemeClr val="lt1"/>
+          </a:fontRef>
+        </p:style>
+        <p:txBody>
+          <a:bodyPr rtlCol="0" anchor="ctr"/>
+          <a:lstStyle/>
+          <a:p>
+            <a:pPr algn="ctr"/>
+            <a:endParaRPr lang="en-US"/>
+          </a:p>
+        </p:txBody>
+      </p:sp>
+      <p:sp>
+        <p:nvSpPr>
+          <p:cNvPr id="11" name="Oval 10">
+            <a:extLst>
+              <a:ext uri="{FF2B5EF4-FFF2-40B4-BE49-F238E27FC236}">
+                <a16:creationId xmlns:a16="http://schemas.microsoft.com/office/drawing/2014/main" id="{E494D352-BF27-4343-AB2C-F5ACDFC1D623}"/>
+              </a:ext>
+            </a:extLst>
+          </p:cNvPr>
+          <p:cNvSpPr/>
+          <p:nvPr/>
+        </p:nvSpPr>
+        <p:spPr>
+          <a:xfrm>
+            <a:off x="3376981" y="5445164"/>
+            <a:ext cx="468000" cy="468000"/>
+          </a:xfrm>
+          <a:prstGeom prst="ellipse">
+            <a:avLst/>
+          </a:prstGeom>
+          <a:solidFill>
+            <a:schemeClr val="bg1"/>
+          </a:solidFill>
+          <a:ln>
+            <a:solidFill>
+              <a:schemeClr val="tx1"/>
+            </a:solidFill>
+          </a:ln>
+        </p:spPr>
+        <p:style>
+          <a:lnRef idx="2">
+            <a:schemeClr val="accent1">
+              <a:shade val="50000"/>
+            </a:schemeClr>
+          </a:lnRef>
+          <a:fillRef idx="1">
+            <a:schemeClr val="accent1"/>
+          </a:fillRef>
+          <a:effectRef idx="0">
+            <a:schemeClr val="accent1"/>
+          </a:effectRef>
+          <a:fontRef idx="minor">
+            <a:schemeClr val="lt1"/>
+          </a:fontRef>
+        </p:style>
+        <p:txBody>
+          <a:bodyPr rtlCol="0" anchor="ctr"/>
+          <a:lstStyle/>
+          <a:p>
+            <a:pPr algn="ctr"/>
+            <a:endParaRPr lang="en-US"/>
+          </a:p>
+        </p:txBody>
+      </p:sp>
+      <p:sp>
+        <p:nvSpPr>
+          <p:cNvPr id="12" name="Rectangle 11">
+            <a:extLst>
+              <a:ext uri="{FF2B5EF4-FFF2-40B4-BE49-F238E27FC236}">
+                <a16:creationId xmlns:a16="http://schemas.microsoft.com/office/drawing/2014/main" id="{7AFCED96-2968-1441-B484-EC908935614D}"/>
+              </a:ext>
+            </a:extLst>
+          </p:cNvPr>
+          <p:cNvSpPr/>
+          <p:nvPr/>
+        </p:nvSpPr>
+        <p:spPr>
+          <a:xfrm>
+            <a:off x="3488191" y="4209007"/>
+            <a:ext cx="245580" cy="1200329"/>
+          </a:xfrm>
+          <a:prstGeom prst="rect">
+            <a:avLst/>
+          </a:prstGeom>
+        </p:spPr>
+        <p:txBody>
+          <a:bodyPr wrap="none">
+            <a:spAutoFit/>
+          </a:bodyPr>
+          <a:lstStyle/>
+          <a:p>
+            <a:r>
+              <a:rPr lang="en-US" altLang="zh-TW" dirty="0">
+                <a:solidFill>
+                  <a:srgbClr val="1A1A1A"/>
+                </a:solidFill>
+                <a:latin typeface="PingFang TC" panose="020B0400000000000000" pitchFamily="34" charset="-120"/>
+                <a:ea typeface="PingFang TC" panose="020B0400000000000000" pitchFamily="34" charset="-120"/>
+              </a:rPr>
+              <a:t>.</a:t>
+            </a:r>
+          </a:p>
+          <a:p>
+            <a:r>
+              <a:rPr lang="en-US" dirty="0">
+                <a:solidFill>
+                  <a:srgbClr val="1A1A1A"/>
+                </a:solidFill>
+                <a:latin typeface="PingFang TC" panose="020B0400000000000000" pitchFamily="34" charset="-120"/>
+                <a:ea typeface="PingFang TC" panose="020B0400000000000000" pitchFamily="34" charset="-120"/>
+              </a:rPr>
+              <a:t>.</a:t>
+            </a:r>
+          </a:p>
+          <a:p>
+            <a:r>
+              <a:rPr lang="en-US" dirty="0">
+                <a:solidFill>
+                  <a:srgbClr val="1A1A1A"/>
+                </a:solidFill>
+                <a:latin typeface="PingFang TC" panose="020B0400000000000000" pitchFamily="34" charset="-120"/>
+                <a:ea typeface="PingFang TC" panose="020B0400000000000000" pitchFamily="34" charset="-120"/>
+              </a:rPr>
+              <a:t>.</a:t>
+            </a:r>
+          </a:p>
+          <a:p>
+            <a:r>
+              <a:rPr lang="en-US" dirty="0">
+                <a:solidFill>
+                  <a:srgbClr val="1A1A1A"/>
+                </a:solidFill>
+                <a:latin typeface="PingFang TC" panose="020B0400000000000000" pitchFamily="34" charset="-120"/>
+                <a:ea typeface="PingFang TC" panose="020B0400000000000000" pitchFamily="34" charset="-120"/>
+              </a:rPr>
+              <a:t>.</a:t>
+            </a:r>
+            <a:endParaRPr lang="en-US" dirty="0"/>
+          </a:p>
+        </p:txBody>
+      </p:sp>
+      <p:sp>
+        <p:nvSpPr>
+          <p:cNvPr id="13" name="Oval 12">
+            <a:extLst>
+              <a:ext uri="{FF2B5EF4-FFF2-40B4-BE49-F238E27FC236}">
+                <a16:creationId xmlns:a16="http://schemas.microsoft.com/office/drawing/2014/main" id="{6325E579-D161-384F-AB37-BE9888279E52}"/>
+              </a:ext>
+            </a:extLst>
+          </p:cNvPr>
+          <p:cNvSpPr/>
+          <p:nvPr/>
+        </p:nvSpPr>
+        <p:spPr>
+          <a:xfrm>
+            <a:off x="5528073" y="3274541"/>
+            <a:ext cx="468000" cy="468000"/>
+          </a:xfrm>
+          <a:prstGeom prst="ellipse">
+            <a:avLst/>
+          </a:prstGeom>
+          <a:solidFill>
+            <a:schemeClr val="bg1"/>
+          </a:solidFill>
+          <a:ln>
+            <a:solidFill>
+              <a:schemeClr val="tx1"/>
+            </a:solidFill>
+          </a:ln>
+        </p:spPr>
+        <p:style>
+          <a:lnRef idx="2">
+            <a:schemeClr val="accent1">
+              <a:shade val="50000"/>
+            </a:schemeClr>
+          </a:lnRef>
+          <a:fillRef idx="1">
+            <a:schemeClr val="accent1"/>
+          </a:fillRef>
+          <a:effectRef idx="0">
+            <a:schemeClr val="accent1"/>
+          </a:effectRef>
+          <a:fontRef idx="minor">
+            <a:schemeClr val="lt1"/>
+          </a:fontRef>
+        </p:style>
+        <p:txBody>
+          <a:bodyPr rtlCol="0" anchor="ctr"/>
+          <a:lstStyle/>
+          <a:p>
+            <a:pPr algn="ctr"/>
+            <a:endParaRPr lang="en-US"/>
+          </a:p>
+        </p:txBody>
+      </p:sp>
+      <p:sp>
+        <p:nvSpPr>
+          <p:cNvPr id="14" name="Oval 13">
+            <a:extLst>
+              <a:ext uri="{FF2B5EF4-FFF2-40B4-BE49-F238E27FC236}">
+                <a16:creationId xmlns:a16="http://schemas.microsoft.com/office/drawing/2014/main" id="{4A540CBB-052D-3040-B447-914863141D82}"/>
+              </a:ext>
+            </a:extLst>
+          </p:cNvPr>
+          <p:cNvSpPr/>
+          <p:nvPr/>
+        </p:nvSpPr>
+        <p:spPr>
+          <a:xfrm>
+            <a:off x="5528073" y="3825195"/>
+            <a:ext cx="468000" cy="468000"/>
+          </a:xfrm>
+          <a:prstGeom prst="ellipse">
+            <a:avLst/>
+          </a:prstGeom>
+          <a:solidFill>
+            <a:schemeClr val="bg1"/>
+          </a:solidFill>
+          <a:ln>
+            <a:solidFill>
+              <a:schemeClr val="tx1"/>
+            </a:solidFill>
+          </a:ln>
+        </p:spPr>
+        <p:style>
+          <a:lnRef idx="2">
+            <a:schemeClr val="accent1">
+              <a:shade val="50000"/>
+            </a:schemeClr>
+          </a:lnRef>
+          <a:fillRef idx="1">
+            <a:schemeClr val="accent1"/>
+          </a:fillRef>
+          <a:effectRef idx="0">
+            <a:schemeClr val="accent1"/>
+          </a:effectRef>
+          <a:fontRef idx="minor">
+            <a:schemeClr val="lt1"/>
+          </a:fontRef>
+        </p:style>
+        <p:txBody>
+          <a:bodyPr rtlCol="0" anchor="ctr"/>
+          <a:lstStyle/>
+          <a:p>
+            <a:pPr algn="ctr"/>
+            <a:endParaRPr lang="en-US"/>
+          </a:p>
+        </p:txBody>
+      </p:sp>
+      <p:sp>
+        <p:nvSpPr>
+          <p:cNvPr id="15" name="Oval 14">
+            <a:extLst>
+              <a:ext uri="{FF2B5EF4-FFF2-40B4-BE49-F238E27FC236}">
+                <a16:creationId xmlns:a16="http://schemas.microsoft.com/office/drawing/2014/main" id="{B56134A2-D545-1C4E-8FAE-CDA602E56328}"/>
+              </a:ext>
+            </a:extLst>
+          </p:cNvPr>
+          <p:cNvSpPr/>
+          <p:nvPr/>
+        </p:nvSpPr>
+        <p:spPr>
+          <a:xfrm>
+            <a:off x="5528073" y="5445164"/>
+            <a:ext cx="468000" cy="468000"/>
+          </a:xfrm>
+          <a:prstGeom prst="ellipse">
+            <a:avLst/>
+          </a:prstGeom>
+          <a:solidFill>
+            <a:schemeClr val="bg1"/>
+          </a:solidFill>
+          <a:ln>
+            <a:solidFill>
+              <a:schemeClr val="tx1"/>
+            </a:solidFill>
+          </a:ln>
+        </p:spPr>
+        <p:style>
+          <a:lnRef idx="2">
+            <a:schemeClr val="accent1">
+              <a:shade val="50000"/>
+            </a:schemeClr>
+          </a:lnRef>
+          <a:fillRef idx="1">
+            <a:schemeClr val="accent1"/>
+          </a:fillRef>
+          <a:effectRef idx="0">
+            <a:schemeClr val="accent1"/>
+          </a:effectRef>
+          <a:fontRef idx="minor">
+            <a:schemeClr val="lt1"/>
+          </a:fontRef>
+        </p:style>
+        <p:txBody>
+          <a:bodyPr rtlCol="0" anchor="ctr"/>
+          <a:lstStyle/>
+          <a:p>
+            <a:pPr algn="ctr"/>
+            <a:endParaRPr lang="en-US"/>
+          </a:p>
+        </p:txBody>
+      </p:sp>
+      <p:sp>
+        <p:nvSpPr>
+          <p:cNvPr id="16" name="Rectangle 15">
+            <a:extLst>
+              <a:ext uri="{FF2B5EF4-FFF2-40B4-BE49-F238E27FC236}">
+                <a16:creationId xmlns:a16="http://schemas.microsoft.com/office/drawing/2014/main" id="{6691F03E-9C90-CD46-9C89-09D6790A0ED5}"/>
+              </a:ext>
+            </a:extLst>
+          </p:cNvPr>
+          <p:cNvSpPr/>
+          <p:nvPr/>
+        </p:nvSpPr>
+        <p:spPr>
+          <a:xfrm>
+            <a:off x="5639283" y="4209007"/>
+            <a:ext cx="245580" cy="1200329"/>
+          </a:xfrm>
+          <a:prstGeom prst="rect">
+            <a:avLst/>
+          </a:prstGeom>
+        </p:spPr>
+        <p:txBody>
+          <a:bodyPr wrap="none">
+            <a:spAutoFit/>
+          </a:bodyPr>
+          <a:lstStyle/>
+          <a:p>
+            <a:r>
+              <a:rPr lang="en-US" altLang="zh-TW" dirty="0">
+                <a:solidFill>
+                  <a:srgbClr val="1A1A1A"/>
+                </a:solidFill>
+                <a:latin typeface="PingFang TC" panose="020B0400000000000000" pitchFamily="34" charset="-120"/>
+                <a:ea typeface="PingFang TC" panose="020B0400000000000000" pitchFamily="34" charset="-120"/>
+              </a:rPr>
+              <a:t>.</a:t>
+            </a:r>
+          </a:p>
+          <a:p>
+            <a:r>
+              <a:rPr lang="en-US" dirty="0">
+                <a:solidFill>
+                  <a:srgbClr val="1A1A1A"/>
+                </a:solidFill>
+                <a:latin typeface="PingFang TC" panose="020B0400000000000000" pitchFamily="34" charset="-120"/>
+                <a:ea typeface="PingFang TC" panose="020B0400000000000000" pitchFamily="34" charset="-120"/>
+              </a:rPr>
+              <a:t>.</a:t>
+            </a:r>
+          </a:p>
+          <a:p>
+            <a:r>
+              <a:rPr lang="en-US" dirty="0">
+                <a:solidFill>
+                  <a:srgbClr val="1A1A1A"/>
+                </a:solidFill>
+                <a:latin typeface="PingFang TC" panose="020B0400000000000000" pitchFamily="34" charset="-120"/>
+                <a:ea typeface="PingFang TC" panose="020B0400000000000000" pitchFamily="34" charset="-120"/>
+              </a:rPr>
+              <a:t>.</a:t>
+            </a:r>
+          </a:p>
+          <a:p>
+            <a:r>
+              <a:rPr lang="en-US" dirty="0">
+                <a:solidFill>
+                  <a:srgbClr val="1A1A1A"/>
+                </a:solidFill>
+                <a:latin typeface="PingFang TC" panose="020B0400000000000000" pitchFamily="34" charset="-120"/>
+                <a:ea typeface="PingFang TC" panose="020B0400000000000000" pitchFamily="34" charset="-120"/>
+              </a:rPr>
+              <a:t>.</a:t>
+            </a:r>
+            <a:endParaRPr lang="en-US" dirty="0"/>
+          </a:p>
+        </p:txBody>
+      </p:sp>
+      <p:sp>
+        <p:nvSpPr>
+          <p:cNvPr id="17" name="Oval 16">
+            <a:extLst>
+              <a:ext uri="{FF2B5EF4-FFF2-40B4-BE49-F238E27FC236}">
+                <a16:creationId xmlns:a16="http://schemas.microsoft.com/office/drawing/2014/main" id="{4FB44F52-80F7-9847-8F93-4CB1AC609B05}"/>
+              </a:ext>
+            </a:extLst>
+          </p:cNvPr>
+          <p:cNvSpPr/>
+          <p:nvPr/>
+        </p:nvSpPr>
+        <p:spPr>
+          <a:xfrm>
+            <a:off x="7681399" y="3274541"/>
+            <a:ext cx="468000" cy="468000"/>
+          </a:xfrm>
+          <a:prstGeom prst="ellipse">
+            <a:avLst/>
+          </a:prstGeom>
+          <a:solidFill>
+            <a:schemeClr val="bg1"/>
+          </a:solidFill>
+          <a:ln>
+            <a:solidFill>
+              <a:schemeClr val="tx1"/>
+            </a:solidFill>
+          </a:ln>
+        </p:spPr>
+        <p:style>
+          <a:lnRef idx="2">
+            <a:schemeClr val="accent1">
+              <a:shade val="50000"/>
+            </a:schemeClr>
+          </a:lnRef>
+          <a:fillRef idx="1">
+            <a:schemeClr val="accent1"/>
+          </a:fillRef>
+          <a:effectRef idx="0">
+            <a:schemeClr val="accent1"/>
+          </a:effectRef>
+          <a:fontRef idx="minor">
+            <a:schemeClr val="lt1"/>
+          </a:fontRef>
+        </p:style>
+        <p:txBody>
+          <a:bodyPr rtlCol="0" anchor="ctr"/>
+          <a:lstStyle/>
+          <a:p>
+            <a:pPr algn="ctr"/>
+            <a:endParaRPr lang="en-US"/>
+          </a:p>
+        </p:txBody>
+      </p:sp>
+      <p:sp>
+        <p:nvSpPr>
+          <p:cNvPr id="18" name="Oval 17">
+            <a:extLst>
+              <a:ext uri="{FF2B5EF4-FFF2-40B4-BE49-F238E27FC236}">
+                <a16:creationId xmlns:a16="http://schemas.microsoft.com/office/drawing/2014/main" id="{0138E83D-C747-8C47-BCD0-DB35602CE0BE}"/>
+              </a:ext>
+            </a:extLst>
+          </p:cNvPr>
+          <p:cNvSpPr/>
+          <p:nvPr/>
+        </p:nvSpPr>
+        <p:spPr>
+          <a:xfrm>
+            <a:off x="7681399" y="3825195"/>
+            <a:ext cx="468000" cy="468000"/>
+          </a:xfrm>
+          <a:prstGeom prst="ellipse">
+            <a:avLst/>
+          </a:prstGeom>
+          <a:solidFill>
+            <a:schemeClr val="bg1"/>
+          </a:solidFill>
+          <a:ln>
+            <a:solidFill>
+              <a:schemeClr val="tx1"/>
+            </a:solidFill>
+          </a:ln>
+        </p:spPr>
+        <p:style>
+          <a:lnRef idx="2">
+            <a:schemeClr val="accent1">
+              <a:shade val="50000"/>
+            </a:schemeClr>
+          </a:lnRef>
+          <a:fillRef idx="1">
+            <a:schemeClr val="accent1"/>
+          </a:fillRef>
+          <a:effectRef idx="0">
+            <a:schemeClr val="accent1"/>
+          </a:effectRef>
+          <a:fontRef idx="minor">
+            <a:schemeClr val="lt1"/>
+          </a:fontRef>
+        </p:style>
+        <p:txBody>
+          <a:bodyPr rtlCol="0" anchor="ctr"/>
+          <a:lstStyle/>
+          <a:p>
+            <a:pPr algn="ctr"/>
+            <a:endParaRPr lang="en-US"/>
+          </a:p>
+        </p:txBody>
+      </p:sp>
+      <p:sp>
+        <p:nvSpPr>
+          <p:cNvPr id="19" name="Oval 18">
+            <a:extLst>
+              <a:ext uri="{FF2B5EF4-FFF2-40B4-BE49-F238E27FC236}">
+                <a16:creationId xmlns:a16="http://schemas.microsoft.com/office/drawing/2014/main" id="{47D79055-C38A-4047-833E-460CE60DC679}"/>
+              </a:ext>
+            </a:extLst>
+          </p:cNvPr>
+          <p:cNvSpPr/>
+          <p:nvPr/>
+        </p:nvSpPr>
+        <p:spPr>
+          <a:xfrm>
+            <a:off x="7681399" y="5445164"/>
+            <a:ext cx="468000" cy="468000"/>
+          </a:xfrm>
+          <a:prstGeom prst="ellipse">
+            <a:avLst/>
+          </a:prstGeom>
+          <a:solidFill>
+            <a:schemeClr val="bg1"/>
+          </a:solidFill>
+          <a:ln>
+            <a:solidFill>
+              <a:schemeClr val="tx1"/>
+            </a:solidFill>
+          </a:ln>
+        </p:spPr>
+        <p:style>
+          <a:lnRef idx="2">
+            <a:schemeClr val="accent1">
+              <a:shade val="50000"/>
+            </a:schemeClr>
+          </a:lnRef>
+          <a:fillRef idx="1">
+            <a:schemeClr val="accent1"/>
+          </a:fillRef>
+          <a:effectRef idx="0">
+            <a:schemeClr val="accent1"/>
+          </a:effectRef>
+          <a:fontRef idx="minor">
+            <a:schemeClr val="lt1"/>
+          </a:fontRef>
+        </p:style>
+        <p:txBody>
+          <a:bodyPr rtlCol="0" anchor="ctr"/>
+          <a:lstStyle/>
+          <a:p>
+            <a:pPr algn="ctr"/>
+            <a:endParaRPr lang="en-US"/>
+          </a:p>
+        </p:txBody>
+      </p:sp>
+      <p:sp>
+        <p:nvSpPr>
+          <p:cNvPr id="20" name="Rectangle 19">
+            <a:extLst>
+              <a:ext uri="{FF2B5EF4-FFF2-40B4-BE49-F238E27FC236}">
+                <a16:creationId xmlns:a16="http://schemas.microsoft.com/office/drawing/2014/main" id="{BF468446-B800-1442-AE5F-937B90C0CB80}"/>
+              </a:ext>
+            </a:extLst>
+          </p:cNvPr>
+          <p:cNvSpPr/>
+          <p:nvPr/>
+        </p:nvSpPr>
+        <p:spPr>
+          <a:xfrm>
+            <a:off x="7792609" y="4209007"/>
+            <a:ext cx="245580" cy="1200329"/>
+          </a:xfrm>
+          <a:prstGeom prst="rect">
+            <a:avLst/>
+          </a:prstGeom>
+        </p:spPr>
+        <p:txBody>
+          <a:bodyPr wrap="none">
+            <a:spAutoFit/>
+          </a:bodyPr>
+          <a:lstStyle/>
+          <a:p>
+            <a:r>
+              <a:rPr lang="en-US" altLang="zh-TW" dirty="0">
+                <a:solidFill>
+                  <a:srgbClr val="1A1A1A"/>
+                </a:solidFill>
+                <a:latin typeface="PingFang TC" panose="020B0400000000000000" pitchFamily="34" charset="-120"/>
+                <a:ea typeface="PingFang TC" panose="020B0400000000000000" pitchFamily="34" charset="-120"/>
+              </a:rPr>
+              <a:t>.</a:t>
+            </a:r>
+          </a:p>
+          <a:p>
+            <a:r>
+              <a:rPr lang="en-US" dirty="0">
+                <a:solidFill>
+                  <a:srgbClr val="1A1A1A"/>
+                </a:solidFill>
+                <a:latin typeface="PingFang TC" panose="020B0400000000000000" pitchFamily="34" charset="-120"/>
+                <a:ea typeface="PingFang TC" panose="020B0400000000000000" pitchFamily="34" charset="-120"/>
+              </a:rPr>
+              <a:t>.</a:t>
+            </a:r>
+          </a:p>
+          <a:p>
+            <a:r>
+              <a:rPr lang="en-US" dirty="0">
+                <a:solidFill>
+                  <a:srgbClr val="1A1A1A"/>
+                </a:solidFill>
+                <a:latin typeface="PingFang TC" panose="020B0400000000000000" pitchFamily="34" charset="-120"/>
+                <a:ea typeface="PingFang TC" panose="020B0400000000000000" pitchFamily="34" charset="-120"/>
+              </a:rPr>
+              <a:t>.</a:t>
+            </a:r>
+          </a:p>
+          <a:p>
+            <a:r>
+              <a:rPr lang="en-US" dirty="0">
+                <a:solidFill>
+                  <a:srgbClr val="1A1A1A"/>
+                </a:solidFill>
+                <a:latin typeface="PingFang TC" panose="020B0400000000000000" pitchFamily="34" charset="-120"/>
+                <a:ea typeface="PingFang TC" panose="020B0400000000000000" pitchFamily="34" charset="-120"/>
+              </a:rPr>
+              <a:t>.</a:t>
+            </a:r>
+            <a:endParaRPr lang="en-US" dirty="0"/>
+          </a:p>
+        </p:txBody>
+      </p:sp>
+      <p:cxnSp>
+        <p:nvCxnSpPr>
+          <p:cNvPr id="22" name="Straight Connector 21">
+            <a:extLst>
+              <a:ext uri="{FF2B5EF4-FFF2-40B4-BE49-F238E27FC236}">
+                <a16:creationId xmlns:a16="http://schemas.microsoft.com/office/drawing/2014/main" id="{307F6D82-1FCE-C345-BC28-ABC497326AED}"/>
+              </a:ext>
+            </a:extLst>
+          </p:cNvPr>
+          <p:cNvCxnSpPr>
+            <a:cxnSpLocks/>
+            <a:stCxn id="9" idx="6"/>
+            <a:endCxn id="13" idx="2"/>
+          </p:cNvCxnSpPr>
+          <p:nvPr/>
+        </p:nvCxnSpPr>
+        <p:spPr>
+          <a:xfrm>
+            <a:off x="3844981" y="3508541"/>
+            <a:ext cx="1683092" cy="0"/>
+          </a:xfrm>
+          <a:prstGeom prst="line">
+            <a:avLst/>
+          </a:prstGeom>
+          <a:ln>
+            <a:solidFill>
+              <a:schemeClr val="tx1"/>
+            </a:solidFill>
+          </a:ln>
+        </p:spPr>
+        <p:style>
+          <a:lnRef idx="1">
+            <a:schemeClr val="accent1"/>
+          </a:lnRef>
+          <a:fillRef idx="0">
+            <a:schemeClr val="accent1"/>
+          </a:fillRef>
+          <a:effectRef idx="0">
+            <a:schemeClr val="accent1"/>
+          </a:effectRef>
+          <a:fontRef idx="minor">
+            <a:schemeClr val="tx1"/>
+          </a:fontRef>
+        </p:style>
+      </p:cxnSp>
+      <p:cxnSp>
+        <p:nvCxnSpPr>
+          <p:cNvPr id="24" name="Straight Connector 23">
+            <a:extLst>
+              <a:ext uri="{FF2B5EF4-FFF2-40B4-BE49-F238E27FC236}">
+                <a16:creationId xmlns:a16="http://schemas.microsoft.com/office/drawing/2014/main" id="{D755086C-21E3-264E-9CD4-9407174C9BC3}"/>
+              </a:ext>
+            </a:extLst>
+          </p:cNvPr>
+          <p:cNvCxnSpPr>
+            <a:cxnSpLocks/>
+            <a:endCxn id="14" idx="2"/>
+          </p:cNvCxnSpPr>
+          <p:nvPr/>
+        </p:nvCxnSpPr>
+        <p:spPr>
+          <a:xfrm>
+            <a:off x="3844981" y="3508541"/>
+            <a:ext cx="1683092" cy="550654"/>
+          </a:xfrm>
+          <a:prstGeom prst="line">
+            <a:avLst/>
+          </a:prstGeom>
+          <a:ln>
+            <a:solidFill>
+              <a:schemeClr val="tx1"/>
+            </a:solidFill>
+          </a:ln>
+        </p:spPr>
+        <p:style>
+          <a:lnRef idx="1">
+            <a:schemeClr val="accent1"/>
+          </a:lnRef>
+          <a:fillRef idx="0">
+            <a:schemeClr val="accent1"/>
+          </a:fillRef>
+          <a:effectRef idx="0">
+            <a:schemeClr val="accent1"/>
+          </a:effectRef>
+          <a:fontRef idx="minor">
+            <a:schemeClr val="tx1"/>
+          </a:fontRef>
+        </p:style>
+      </p:cxnSp>
+      <p:cxnSp>
+        <p:nvCxnSpPr>
+          <p:cNvPr id="27" name="Straight Connector 26">
+            <a:extLst>
+              <a:ext uri="{FF2B5EF4-FFF2-40B4-BE49-F238E27FC236}">
+                <a16:creationId xmlns:a16="http://schemas.microsoft.com/office/drawing/2014/main" id="{10CDB839-D56F-4C47-9029-EE24B5D7BC4F}"/>
+              </a:ext>
+            </a:extLst>
+          </p:cNvPr>
+          <p:cNvCxnSpPr>
+            <a:cxnSpLocks/>
+            <a:stCxn id="9" idx="6"/>
+            <a:endCxn id="15" idx="2"/>
+          </p:cNvCxnSpPr>
+          <p:nvPr/>
+        </p:nvCxnSpPr>
+        <p:spPr>
+          <a:xfrm>
+            <a:off x="3844981" y="3508541"/>
+            <a:ext cx="1683092" cy="2170623"/>
+          </a:xfrm>
+          <a:prstGeom prst="line">
+            <a:avLst/>
+          </a:prstGeom>
+          <a:ln>
+            <a:solidFill>
+              <a:schemeClr val="tx1"/>
+            </a:solidFill>
+          </a:ln>
+        </p:spPr>
+        <p:style>
+          <a:lnRef idx="1">
+            <a:schemeClr val="accent1"/>
+          </a:lnRef>
+          <a:fillRef idx="0">
+            <a:schemeClr val="accent1"/>
+          </a:fillRef>
+          <a:effectRef idx="0">
+            <a:schemeClr val="accent1"/>
+          </a:effectRef>
+          <a:fontRef idx="minor">
+            <a:schemeClr val="tx1"/>
+          </a:fontRef>
+        </p:style>
+      </p:cxnSp>
+      <p:cxnSp>
+        <p:nvCxnSpPr>
+          <p:cNvPr id="30" name="Straight Connector 29">
+            <a:extLst>
+              <a:ext uri="{FF2B5EF4-FFF2-40B4-BE49-F238E27FC236}">
+                <a16:creationId xmlns:a16="http://schemas.microsoft.com/office/drawing/2014/main" id="{C16BA7A4-3984-A944-A57A-9119A64F4EE7}"/>
+              </a:ext>
+            </a:extLst>
+          </p:cNvPr>
+          <p:cNvCxnSpPr>
+            <a:cxnSpLocks/>
+            <a:stCxn id="10" idx="6"/>
+            <a:endCxn id="13" idx="2"/>
+          </p:cNvCxnSpPr>
+          <p:nvPr/>
+        </p:nvCxnSpPr>
+        <p:spPr>
+          <a:xfrm flipV="1">
+            <a:off x="3844981" y="3508541"/>
+            <a:ext cx="1683092" cy="550654"/>
+          </a:xfrm>
+          <a:prstGeom prst="line">
+            <a:avLst/>
+          </a:prstGeom>
+          <a:ln>
+            <a:solidFill>
+              <a:schemeClr val="tx1"/>
+            </a:solidFill>
+          </a:ln>
+        </p:spPr>
+        <p:style>
+          <a:lnRef idx="1">
+            <a:schemeClr val="accent1"/>
+          </a:lnRef>
+          <a:fillRef idx="0">
+            <a:schemeClr val="accent1"/>
+          </a:fillRef>
+          <a:effectRef idx="0">
+            <a:schemeClr val="accent1"/>
+          </a:effectRef>
+          <a:fontRef idx="minor">
+            <a:schemeClr val="tx1"/>
+          </a:fontRef>
+        </p:style>
+      </p:cxnSp>
+      <p:cxnSp>
+        <p:nvCxnSpPr>
+          <p:cNvPr id="31" name="Straight Connector 30">
+            <a:extLst>
+              <a:ext uri="{FF2B5EF4-FFF2-40B4-BE49-F238E27FC236}">
+                <a16:creationId xmlns:a16="http://schemas.microsoft.com/office/drawing/2014/main" id="{B07C51A8-A1A2-064E-95F1-8A47D711E9E5}"/>
+              </a:ext>
+            </a:extLst>
+          </p:cNvPr>
+          <p:cNvCxnSpPr>
+            <a:cxnSpLocks/>
+            <a:stCxn id="10" idx="6"/>
+            <a:endCxn id="14" idx="2"/>
+          </p:cNvCxnSpPr>
+          <p:nvPr/>
+        </p:nvCxnSpPr>
+        <p:spPr>
+          <a:xfrm>
+            <a:off x="3844981" y="4059195"/>
+            <a:ext cx="1683092" cy="0"/>
+          </a:xfrm>
+          <a:prstGeom prst="line">
+            <a:avLst/>
+          </a:prstGeom>
+          <a:ln>
+            <a:solidFill>
+              <a:schemeClr val="tx1"/>
+            </a:solidFill>
+          </a:ln>
+        </p:spPr>
+        <p:style>
+          <a:lnRef idx="1">
+            <a:schemeClr val="accent1"/>
+          </a:lnRef>
+          <a:fillRef idx="0">
+            <a:schemeClr val="accent1"/>
+          </a:fillRef>
+          <a:effectRef idx="0">
+            <a:schemeClr val="accent1"/>
+          </a:effectRef>
+          <a:fontRef idx="minor">
+            <a:schemeClr val="tx1"/>
+          </a:fontRef>
+        </p:style>
+      </p:cxnSp>
+      <p:cxnSp>
+        <p:nvCxnSpPr>
+          <p:cNvPr id="32" name="Straight Connector 31">
+            <a:extLst>
+              <a:ext uri="{FF2B5EF4-FFF2-40B4-BE49-F238E27FC236}">
+                <a16:creationId xmlns:a16="http://schemas.microsoft.com/office/drawing/2014/main" id="{003BC23B-2FE2-A242-A9EB-AABF208CE8AE}"/>
+              </a:ext>
+            </a:extLst>
+          </p:cNvPr>
+          <p:cNvCxnSpPr>
+            <a:cxnSpLocks/>
+            <a:stCxn id="10" idx="6"/>
+            <a:endCxn id="15" idx="2"/>
+          </p:cNvCxnSpPr>
+          <p:nvPr/>
+        </p:nvCxnSpPr>
+        <p:spPr>
+          <a:xfrm>
+            <a:off x="3844981" y="4059195"/>
+            <a:ext cx="1683092" cy="1619969"/>
+          </a:xfrm>
+          <a:prstGeom prst="line">
+            <a:avLst/>
+          </a:prstGeom>
+          <a:ln>
+            <a:solidFill>
+              <a:schemeClr val="tx1"/>
+            </a:solidFill>
+          </a:ln>
+        </p:spPr>
+        <p:style>
+          <a:lnRef idx="1">
+            <a:schemeClr val="accent1"/>
+          </a:lnRef>
+          <a:fillRef idx="0">
+            <a:schemeClr val="accent1"/>
+          </a:fillRef>
+          <a:effectRef idx="0">
+            <a:schemeClr val="accent1"/>
+          </a:effectRef>
+          <a:fontRef idx="minor">
+            <a:schemeClr val="tx1"/>
+          </a:fontRef>
+        </p:style>
+      </p:cxnSp>
+      <p:cxnSp>
+        <p:nvCxnSpPr>
+          <p:cNvPr id="39" name="Straight Connector 38">
+            <a:extLst>
+              <a:ext uri="{FF2B5EF4-FFF2-40B4-BE49-F238E27FC236}">
+                <a16:creationId xmlns:a16="http://schemas.microsoft.com/office/drawing/2014/main" id="{7BAEC0DE-08E7-D24B-8B77-92FA84F54C93}"/>
+              </a:ext>
+            </a:extLst>
+          </p:cNvPr>
+          <p:cNvCxnSpPr>
+            <a:cxnSpLocks/>
+            <a:stCxn id="11" idx="6"/>
+            <a:endCxn id="13" idx="2"/>
+          </p:cNvCxnSpPr>
+          <p:nvPr/>
+        </p:nvCxnSpPr>
+        <p:spPr>
+          <a:xfrm flipV="1">
+            <a:off x="3844981" y="3508541"/>
+            <a:ext cx="1683092" cy="2170623"/>
+          </a:xfrm>
+          <a:prstGeom prst="line">
+            <a:avLst/>
+          </a:prstGeom>
+          <a:ln>
+            <a:solidFill>
+              <a:schemeClr val="tx1"/>
+            </a:solidFill>
+          </a:ln>
+        </p:spPr>
+        <p:style>
+          <a:lnRef idx="1">
+            <a:schemeClr val="accent1"/>
+          </a:lnRef>
+          <a:fillRef idx="0">
+            <a:schemeClr val="accent1"/>
+          </a:fillRef>
+          <a:effectRef idx="0">
+            <a:schemeClr val="accent1"/>
+          </a:effectRef>
+          <a:fontRef idx="minor">
+            <a:schemeClr val="tx1"/>
+          </a:fontRef>
+        </p:style>
+      </p:cxnSp>
+      <p:cxnSp>
+        <p:nvCxnSpPr>
+          <p:cNvPr id="40" name="Straight Connector 39">
+            <a:extLst>
+              <a:ext uri="{FF2B5EF4-FFF2-40B4-BE49-F238E27FC236}">
+                <a16:creationId xmlns:a16="http://schemas.microsoft.com/office/drawing/2014/main" id="{1818FEC4-BCA9-C24A-A7AE-D216DB45621F}"/>
+              </a:ext>
+            </a:extLst>
+          </p:cNvPr>
+          <p:cNvCxnSpPr>
+            <a:cxnSpLocks/>
+            <a:stCxn id="11" idx="6"/>
+            <a:endCxn id="14" idx="2"/>
+          </p:cNvCxnSpPr>
+          <p:nvPr/>
+        </p:nvCxnSpPr>
+        <p:spPr>
+          <a:xfrm flipV="1">
+            <a:off x="3844981" y="4059195"/>
+            <a:ext cx="1683092" cy="1619969"/>
+          </a:xfrm>
+          <a:prstGeom prst="line">
+            <a:avLst/>
+          </a:prstGeom>
+          <a:ln>
+            <a:solidFill>
+              <a:schemeClr val="tx1"/>
+            </a:solidFill>
+          </a:ln>
+        </p:spPr>
+        <p:style>
+          <a:lnRef idx="1">
+            <a:schemeClr val="accent1"/>
+          </a:lnRef>
+          <a:fillRef idx="0">
+            <a:schemeClr val="accent1"/>
+          </a:fillRef>
+          <a:effectRef idx="0">
+            <a:schemeClr val="accent1"/>
+          </a:effectRef>
+          <a:fontRef idx="minor">
+            <a:schemeClr val="tx1"/>
+          </a:fontRef>
+        </p:style>
+      </p:cxnSp>
+      <p:cxnSp>
+        <p:nvCxnSpPr>
+          <p:cNvPr id="41" name="Straight Connector 40">
+            <a:extLst>
+              <a:ext uri="{FF2B5EF4-FFF2-40B4-BE49-F238E27FC236}">
+                <a16:creationId xmlns:a16="http://schemas.microsoft.com/office/drawing/2014/main" id="{1EF94A1A-F260-544E-B42E-2328C7810BE3}"/>
+              </a:ext>
+            </a:extLst>
+          </p:cNvPr>
+          <p:cNvCxnSpPr>
+            <a:cxnSpLocks/>
+            <a:stCxn id="11" idx="6"/>
+            <a:endCxn id="15" idx="2"/>
+          </p:cNvCxnSpPr>
+          <p:nvPr/>
+        </p:nvCxnSpPr>
+        <p:spPr>
+          <a:xfrm>
+            <a:off x="3844981" y="5679164"/>
+            <a:ext cx="1683092" cy="0"/>
+          </a:xfrm>
+          <a:prstGeom prst="line">
+            <a:avLst/>
+          </a:prstGeom>
+          <a:ln>
+            <a:solidFill>
+              <a:schemeClr val="tx1"/>
+            </a:solidFill>
+          </a:ln>
+        </p:spPr>
+        <p:style>
+          <a:lnRef idx="1">
+            <a:schemeClr val="accent1"/>
+          </a:lnRef>
+          <a:fillRef idx="0">
+            <a:schemeClr val="accent1"/>
+          </a:fillRef>
+          <a:effectRef idx="0">
+            <a:schemeClr val="accent1"/>
+          </a:effectRef>
+          <a:fontRef idx="minor">
+            <a:schemeClr val="tx1"/>
+          </a:fontRef>
+        </p:style>
+      </p:cxnSp>
+      <p:cxnSp>
+        <p:nvCxnSpPr>
+          <p:cNvPr id="48" name="Straight Connector 47">
+            <a:extLst>
+              <a:ext uri="{FF2B5EF4-FFF2-40B4-BE49-F238E27FC236}">
+                <a16:creationId xmlns:a16="http://schemas.microsoft.com/office/drawing/2014/main" id="{2CE9A26F-165E-5F45-9574-DFB62CB772D0}"/>
+              </a:ext>
+            </a:extLst>
+          </p:cNvPr>
+          <p:cNvCxnSpPr>
+            <a:cxnSpLocks/>
+          </p:cNvCxnSpPr>
+          <p:nvPr/>
+        </p:nvCxnSpPr>
+        <p:spPr>
+          <a:xfrm>
+            <a:off x="5998307" y="3528607"/>
+            <a:ext cx="1683092" cy="0"/>
+          </a:xfrm>
+          <a:prstGeom prst="line">
+            <a:avLst/>
+          </a:prstGeom>
+          <a:ln>
+            <a:solidFill>
+              <a:schemeClr val="tx1"/>
+            </a:solidFill>
+          </a:ln>
+        </p:spPr>
+        <p:style>
+          <a:lnRef idx="1">
+            <a:schemeClr val="accent1"/>
+          </a:lnRef>
+          <a:fillRef idx="0">
+            <a:schemeClr val="accent1"/>
+          </a:fillRef>
+          <a:effectRef idx="0">
+            <a:schemeClr val="accent1"/>
+          </a:effectRef>
+          <a:fontRef idx="minor">
+            <a:schemeClr val="tx1"/>
+          </a:fontRef>
+        </p:style>
+      </p:cxnSp>
+      <p:cxnSp>
+        <p:nvCxnSpPr>
+          <p:cNvPr id="49" name="Straight Connector 48">
+            <a:extLst>
+              <a:ext uri="{FF2B5EF4-FFF2-40B4-BE49-F238E27FC236}">
+                <a16:creationId xmlns:a16="http://schemas.microsoft.com/office/drawing/2014/main" id="{E05700E2-6EE0-F042-8114-A276B20EE148}"/>
+              </a:ext>
+            </a:extLst>
+          </p:cNvPr>
+          <p:cNvCxnSpPr>
+            <a:cxnSpLocks/>
+          </p:cNvCxnSpPr>
+          <p:nvPr/>
+        </p:nvCxnSpPr>
+        <p:spPr>
+          <a:xfrm>
+            <a:off x="5998307" y="3528607"/>
+            <a:ext cx="1683092" cy="550654"/>
+          </a:xfrm>
+          <a:prstGeom prst="line">
+            <a:avLst/>
+          </a:prstGeom>
+          <a:ln>
+            <a:solidFill>
+              <a:schemeClr val="tx1"/>
+            </a:solidFill>
+          </a:ln>
+        </p:spPr>
+        <p:style>
+          <a:lnRef idx="1">
+            <a:schemeClr val="accent1"/>
+          </a:lnRef>
+          <a:fillRef idx="0">
+            <a:schemeClr val="accent1"/>
+          </a:fillRef>
+          <a:effectRef idx="0">
+            <a:schemeClr val="accent1"/>
+          </a:effectRef>
+          <a:fontRef idx="minor">
+            <a:schemeClr val="tx1"/>
+          </a:fontRef>
+        </p:style>
+      </p:cxnSp>
+      <p:cxnSp>
+        <p:nvCxnSpPr>
+          <p:cNvPr id="50" name="Straight Connector 49">
+            <a:extLst>
+              <a:ext uri="{FF2B5EF4-FFF2-40B4-BE49-F238E27FC236}">
+                <a16:creationId xmlns:a16="http://schemas.microsoft.com/office/drawing/2014/main" id="{176BE9FA-3F52-9E4F-B579-AD14F938CC48}"/>
+              </a:ext>
+            </a:extLst>
+          </p:cNvPr>
+          <p:cNvCxnSpPr>
+            <a:cxnSpLocks/>
+          </p:cNvCxnSpPr>
+          <p:nvPr/>
+        </p:nvCxnSpPr>
+        <p:spPr>
+          <a:xfrm>
+            <a:off x="5998307" y="3528607"/>
+            <a:ext cx="1683092" cy="2170623"/>
+          </a:xfrm>
+          <a:prstGeom prst="line">
+            <a:avLst/>
+          </a:prstGeom>
+          <a:ln>
+            <a:solidFill>
+              <a:schemeClr val="tx1"/>
+            </a:solidFill>
+          </a:ln>
+        </p:spPr>
+        <p:style>
+          <a:lnRef idx="1">
+            <a:schemeClr val="accent1"/>
+          </a:lnRef>
+          <a:fillRef idx="0">
+            <a:schemeClr val="accent1"/>
+          </a:fillRef>
+          <a:effectRef idx="0">
+            <a:schemeClr val="accent1"/>
+          </a:effectRef>
+          <a:fontRef idx="minor">
+            <a:schemeClr val="tx1"/>
+          </a:fontRef>
+        </p:style>
+      </p:cxnSp>
+      <p:cxnSp>
+        <p:nvCxnSpPr>
+          <p:cNvPr id="51" name="Straight Connector 50">
+            <a:extLst>
+              <a:ext uri="{FF2B5EF4-FFF2-40B4-BE49-F238E27FC236}">
+                <a16:creationId xmlns:a16="http://schemas.microsoft.com/office/drawing/2014/main" id="{5D26309B-7874-3E40-8E9A-3A734DC5BB4A}"/>
+              </a:ext>
+            </a:extLst>
+          </p:cNvPr>
+          <p:cNvCxnSpPr>
+            <a:cxnSpLocks/>
+          </p:cNvCxnSpPr>
+          <p:nvPr/>
+        </p:nvCxnSpPr>
+        <p:spPr>
+          <a:xfrm flipV="1">
+            <a:off x="5998307" y="3528607"/>
+            <a:ext cx="1683092" cy="550654"/>
+          </a:xfrm>
+          <a:prstGeom prst="line">
+            <a:avLst/>
+          </a:prstGeom>
+          <a:ln>
+            <a:solidFill>
+              <a:schemeClr val="tx1"/>
+            </a:solidFill>
+          </a:ln>
+        </p:spPr>
+        <p:style>
+          <a:lnRef idx="1">
+            <a:schemeClr val="accent1"/>
+          </a:lnRef>
+          <a:fillRef idx="0">
+            <a:schemeClr val="accent1"/>
+          </a:fillRef>
+          <a:effectRef idx="0">
+            <a:schemeClr val="accent1"/>
+          </a:effectRef>
+          <a:fontRef idx="minor">
+            <a:schemeClr val="tx1"/>
+          </a:fontRef>
+        </p:style>
+      </p:cxnSp>
+      <p:cxnSp>
+        <p:nvCxnSpPr>
+          <p:cNvPr id="52" name="Straight Connector 51">
+            <a:extLst>
+              <a:ext uri="{FF2B5EF4-FFF2-40B4-BE49-F238E27FC236}">
+                <a16:creationId xmlns:a16="http://schemas.microsoft.com/office/drawing/2014/main" id="{1C7C8B1A-CD6B-844B-9F60-4F09A130C523}"/>
+              </a:ext>
+            </a:extLst>
+          </p:cNvPr>
+          <p:cNvCxnSpPr>
+            <a:cxnSpLocks/>
+          </p:cNvCxnSpPr>
+          <p:nvPr/>
+        </p:nvCxnSpPr>
+        <p:spPr>
+          <a:xfrm>
+            <a:off x="5998307" y="4079261"/>
+            <a:ext cx="1683092" cy="0"/>
+          </a:xfrm>
+          <a:prstGeom prst="line">
+            <a:avLst/>
+          </a:prstGeom>
+          <a:ln>
+            <a:solidFill>
+              <a:schemeClr val="tx1"/>
+            </a:solidFill>
+          </a:ln>
+        </p:spPr>
+        <p:style>
+          <a:lnRef idx="1">
+            <a:schemeClr val="accent1"/>
+          </a:lnRef>
+          <a:fillRef idx="0">
+            <a:schemeClr val="accent1"/>
+          </a:fillRef>
+          <a:effectRef idx="0">
+            <a:schemeClr val="accent1"/>
+          </a:effectRef>
+          <a:fontRef idx="minor">
+            <a:schemeClr val="tx1"/>
+          </a:fontRef>
+        </p:style>
+      </p:cxnSp>
+      <p:cxnSp>
+        <p:nvCxnSpPr>
+          <p:cNvPr id="53" name="Straight Connector 52">
+            <a:extLst>
+              <a:ext uri="{FF2B5EF4-FFF2-40B4-BE49-F238E27FC236}">
+                <a16:creationId xmlns:a16="http://schemas.microsoft.com/office/drawing/2014/main" id="{F1CA0A5F-6042-6742-ACF7-1902C2B79810}"/>
+              </a:ext>
+            </a:extLst>
+          </p:cNvPr>
+          <p:cNvCxnSpPr>
+            <a:cxnSpLocks/>
+          </p:cNvCxnSpPr>
+          <p:nvPr/>
+        </p:nvCxnSpPr>
+        <p:spPr>
+          <a:xfrm>
+            <a:off x="5998307" y="4079261"/>
+            <a:ext cx="1683092" cy="1619969"/>
+          </a:xfrm>
+          <a:prstGeom prst="line">
+            <a:avLst/>
+          </a:prstGeom>
+          <a:ln>
+            <a:solidFill>
+              <a:schemeClr val="tx1"/>
+            </a:solidFill>
+          </a:ln>
+        </p:spPr>
+        <p:style>
+          <a:lnRef idx="1">
+            <a:schemeClr val="accent1"/>
+          </a:lnRef>
+          <a:fillRef idx="0">
+            <a:schemeClr val="accent1"/>
+          </a:fillRef>
+          <a:effectRef idx="0">
+            <a:schemeClr val="accent1"/>
+          </a:effectRef>
+          <a:fontRef idx="minor">
+            <a:schemeClr val="tx1"/>
+          </a:fontRef>
+        </p:style>
+      </p:cxnSp>
+      <p:cxnSp>
+        <p:nvCxnSpPr>
+          <p:cNvPr id="54" name="Straight Connector 53">
+            <a:extLst>
+              <a:ext uri="{FF2B5EF4-FFF2-40B4-BE49-F238E27FC236}">
+                <a16:creationId xmlns:a16="http://schemas.microsoft.com/office/drawing/2014/main" id="{8FB9AF65-8C5C-EF4B-A359-906A8D2C2372}"/>
+              </a:ext>
+            </a:extLst>
+          </p:cNvPr>
+          <p:cNvCxnSpPr>
+            <a:cxnSpLocks/>
+          </p:cNvCxnSpPr>
+          <p:nvPr/>
+        </p:nvCxnSpPr>
+        <p:spPr>
+          <a:xfrm flipV="1">
+            <a:off x="5998307" y="3528607"/>
+            <a:ext cx="1683092" cy="2170623"/>
+          </a:xfrm>
+          <a:prstGeom prst="line">
+            <a:avLst/>
+          </a:prstGeom>
+          <a:ln>
+            <a:solidFill>
+              <a:schemeClr val="tx1"/>
+            </a:solidFill>
+          </a:ln>
+        </p:spPr>
+        <p:style>
+          <a:lnRef idx="1">
+            <a:schemeClr val="accent1"/>
+          </a:lnRef>
+          <a:fillRef idx="0">
+            <a:schemeClr val="accent1"/>
+          </a:fillRef>
+          <a:effectRef idx="0">
+            <a:schemeClr val="accent1"/>
+          </a:effectRef>
+          <a:fontRef idx="minor">
+            <a:schemeClr val="tx1"/>
+          </a:fontRef>
+        </p:style>
+      </p:cxnSp>
+      <p:cxnSp>
+        <p:nvCxnSpPr>
+          <p:cNvPr id="55" name="Straight Connector 54">
+            <a:extLst>
+              <a:ext uri="{FF2B5EF4-FFF2-40B4-BE49-F238E27FC236}">
+                <a16:creationId xmlns:a16="http://schemas.microsoft.com/office/drawing/2014/main" id="{28DA178F-33EB-FD47-8ECF-DF53DE8AE571}"/>
+              </a:ext>
+            </a:extLst>
+          </p:cNvPr>
+          <p:cNvCxnSpPr>
+            <a:cxnSpLocks/>
+          </p:cNvCxnSpPr>
+          <p:nvPr/>
+        </p:nvCxnSpPr>
+        <p:spPr>
+          <a:xfrm flipV="1">
+            <a:off x="5998307" y="4079261"/>
+            <a:ext cx="1683092" cy="1619969"/>
+          </a:xfrm>
+          <a:prstGeom prst="line">
+            <a:avLst/>
+          </a:prstGeom>
+          <a:ln>
+            <a:solidFill>
+              <a:schemeClr val="tx1"/>
+            </a:solidFill>
+          </a:ln>
+        </p:spPr>
+        <p:style>
+          <a:lnRef idx="1">
+            <a:schemeClr val="accent1"/>
+          </a:lnRef>
+          <a:fillRef idx="0">
+            <a:schemeClr val="accent1"/>
+          </a:fillRef>
+          <a:effectRef idx="0">
+            <a:schemeClr val="accent1"/>
+          </a:effectRef>
+          <a:fontRef idx="minor">
+            <a:schemeClr val="tx1"/>
+          </a:fontRef>
+        </p:style>
+      </p:cxnSp>
+      <p:cxnSp>
+        <p:nvCxnSpPr>
+          <p:cNvPr id="56" name="Straight Connector 55">
+            <a:extLst>
+              <a:ext uri="{FF2B5EF4-FFF2-40B4-BE49-F238E27FC236}">
+                <a16:creationId xmlns:a16="http://schemas.microsoft.com/office/drawing/2014/main" id="{56CB2A75-DE5D-2D40-896D-8661ABACABF3}"/>
+              </a:ext>
+            </a:extLst>
+          </p:cNvPr>
+          <p:cNvCxnSpPr>
+            <a:cxnSpLocks/>
+          </p:cNvCxnSpPr>
+          <p:nvPr/>
+        </p:nvCxnSpPr>
+        <p:spPr>
+          <a:xfrm>
+            <a:off x="5998307" y="5699230"/>
+            <a:ext cx="1683092" cy="0"/>
+          </a:xfrm>
+          <a:prstGeom prst="line">
+            <a:avLst/>
+          </a:prstGeom>
+          <a:ln>
+            <a:solidFill>
+              <a:schemeClr val="tx1"/>
+            </a:solidFill>
+          </a:ln>
+        </p:spPr>
+        <p:style>
+          <a:lnRef idx="1">
+            <a:schemeClr val="accent1"/>
+          </a:lnRef>
+          <a:fillRef idx="0">
+            <a:schemeClr val="accent1"/>
+          </a:fillRef>
+          <a:effectRef idx="0">
+            <a:schemeClr val="accent1"/>
+          </a:effectRef>
+          <a:fontRef idx="minor">
+            <a:schemeClr val="tx1"/>
+          </a:fontRef>
+        </p:style>
+      </p:cxnSp>
+      <p:sp>
+        <p:nvSpPr>
+          <p:cNvPr id="57" name="Rectangle 56">
+            <a:extLst>
+              <a:ext uri="{FF2B5EF4-FFF2-40B4-BE49-F238E27FC236}">
+                <a16:creationId xmlns:a16="http://schemas.microsoft.com/office/drawing/2014/main" id="{23913B22-6F3E-9F44-953B-0E8F2769C9AC}"/>
+              </a:ext>
+            </a:extLst>
+          </p:cNvPr>
+          <p:cNvSpPr/>
+          <p:nvPr/>
+        </p:nvSpPr>
+        <p:spPr>
+          <a:xfrm>
+            <a:off x="2932283" y="2158400"/>
+            <a:ext cx="1250663" cy="338554"/>
+          </a:xfrm>
+          <a:prstGeom prst="rect">
+            <a:avLst/>
+          </a:prstGeom>
+        </p:spPr>
+        <p:txBody>
+          <a:bodyPr wrap="none">
+            <a:spAutoFit/>
+          </a:bodyPr>
+          <a:lstStyle/>
+          <a:p>
+            <a:r>
+              <a:rPr lang="en-US" altLang="zh-TW" sz="1600" dirty="0">
+                <a:solidFill>
+                  <a:srgbClr val="1A1A1A"/>
+                </a:solidFill>
+                <a:latin typeface="PingFang TC" panose="020B0400000000000000" pitchFamily="34" charset="-120"/>
+                <a:ea typeface="PingFang TC" panose="020B0400000000000000" pitchFamily="34" charset="-120"/>
+              </a:rPr>
+              <a:t>Input Layer</a:t>
+            </a:r>
+            <a:endParaRPr lang="en-US" sz="1600" dirty="0"/>
+          </a:p>
+        </p:txBody>
+      </p:sp>
+      <p:sp>
+        <p:nvSpPr>
+          <p:cNvPr id="58" name="Rectangle 57">
+            <a:extLst>
+              <a:ext uri="{FF2B5EF4-FFF2-40B4-BE49-F238E27FC236}">
+                <a16:creationId xmlns:a16="http://schemas.microsoft.com/office/drawing/2014/main" id="{E6A4FB07-D500-F14F-A08B-2E7697F70E31}"/>
+              </a:ext>
+            </a:extLst>
+          </p:cNvPr>
+          <p:cNvSpPr/>
+          <p:nvPr/>
+        </p:nvSpPr>
+        <p:spPr>
+          <a:xfrm>
+            <a:off x="4971966" y="2152332"/>
+            <a:ext cx="1449436" cy="338554"/>
+          </a:xfrm>
+          <a:prstGeom prst="rect">
+            <a:avLst/>
+          </a:prstGeom>
+        </p:spPr>
+        <p:txBody>
+          <a:bodyPr wrap="none">
+            <a:spAutoFit/>
+          </a:bodyPr>
+          <a:lstStyle/>
+          <a:p>
+            <a:r>
+              <a:rPr lang="en-US" altLang="zh-TW" sz="1600" dirty="0">
+                <a:solidFill>
+                  <a:srgbClr val="1A1A1A"/>
+                </a:solidFill>
+                <a:latin typeface="PingFang TC" panose="020B0400000000000000" pitchFamily="34" charset="-120"/>
+                <a:ea typeface="PingFang TC" panose="020B0400000000000000" pitchFamily="34" charset="-120"/>
+              </a:rPr>
+              <a:t>Hidden Layer</a:t>
+            </a:r>
+            <a:endParaRPr lang="en-US" sz="1600" dirty="0"/>
+          </a:p>
+        </p:txBody>
+      </p:sp>
+      <p:sp>
+        <p:nvSpPr>
+          <p:cNvPr id="59" name="Rectangle 58">
+            <a:extLst>
+              <a:ext uri="{FF2B5EF4-FFF2-40B4-BE49-F238E27FC236}">
+                <a16:creationId xmlns:a16="http://schemas.microsoft.com/office/drawing/2014/main" id="{BF80F792-5804-694A-A73B-7DC6F71ECCA5}"/>
+              </a:ext>
+            </a:extLst>
+          </p:cNvPr>
+          <p:cNvSpPr/>
+          <p:nvPr/>
+        </p:nvSpPr>
+        <p:spPr>
+          <a:xfrm>
+            <a:off x="7134109" y="2158400"/>
+            <a:ext cx="1431802" cy="338554"/>
+          </a:xfrm>
+          <a:prstGeom prst="rect">
+            <a:avLst/>
+          </a:prstGeom>
+        </p:spPr>
+        <p:txBody>
+          <a:bodyPr wrap="none">
+            <a:spAutoFit/>
+          </a:bodyPr>
+          <a:lstStyle/>
+          <a:p>
+            <a:r>
+              <a:rPr lang="en-US" altLang="zh-TW" sz="1600" dirty="0">
+                <a:solidFill>
+                  <a:srgbClr val="1A1A1A"/>
+                </a:solidFill>
+                <a:latin typeface="PingFang TC" panose="020B0400000000000000" pitchFamily="34" charset="-120"/>
+                <a:ea typeface="PingFang TC" panose="020B0400000000000000" pitchFamily="34" charset="-120"/>
+              </a:rPr>
+              <a:t>Output Layer</a:t>
+            </a:r>
+            <a:endParaRPr lang="en-US" sz="1600" dirty="0"/>
+          </a:p>
+        </p:txBody>
+      </p:sp>
+      <p:sp>
+        <p:nvSpPr>
+          <p:cNvPr id="60" name="Rectangle 59">
+            <a:extLst>
+              <a:ext uri="{FF2B5EF4-FFF2-40B4-BE49-F238E27FC236}">
+                <a16:creationId xmlns:a16="http://schemas.microsoft.com/office/drawing/2014/main" id="{C74F7698-E4BB-0B4B-87E8-0CDB6A7C415D}"/>
+              </a:ext>
+            </a:extLst>
+          </p:cNvPr>
+          <p:cNvSpPr/>
+          <p:nvPr/>
+        </p:nvSpPr>
+        <p:spPr>
+          <a:xfrm>
+            <a:off x="3400597" y="2624742"/>
+            <a:ext cx="431528" cy="338554"/>
+          </a:xfrm>
+          <a:prstGeom prst="rect">
+            <a:avLst/>
+          </a:prstGeom>
+        </p:spPr>
+        <p:txBody>
+          <a:bodyPr wrap="none">
+            <a:spAutoFit/>
+          </a:bodyPr>
+          <a:lstStyle/>
+          <a:p>
+            <a:r>
+              <a:rPr lang="en-US" altLang="zh-TW" sz="1600" dirty="0">
+                <a:solidFill>
+                  <a:srgbClr val="1A1A1A"/>
+                </a:solidFill>
+                <a:latin typeface="PingFang TC" panose="020B0400000000000000" pitchFamily="34" charset="-120"/>
+                <a:ea typeface="PingFang TC" panose="020B0400000000000000" pitchFamily="34" charset="-120"/>
+              </a:rPr>
+              <a:t>64</a:t>
+            </a:r>
+            <a:endParaRPr lang="en-US" sz="1600" dirty="0"/>
+          </a:p>
+        </p:txBody>
+      </p:sp>
+      <p:sp>
+        <p:nvSpPr>
+          <p:cNvPr id="61" name="Rectangle 60">
+            <a:extLst>
+              <a:ext uri="{FF2B5EF4-FFF2-40B4-BE49-F238E27FC236}">
+                <a16:creationId xmlns:a16="http://schemas.microsoft.com/office/drawing/2014/main" id="{C4E559F4-8B7A-8D4F-B958-2DBC7A22FE05}"/>
+              </a:ext>
+            </a:extLst>
+          </p:cNvPr>
+          <p:cNvSpPr/>
+          <p:nvPr/>
+        </p:nvSpPr>
+        <p:spPr>
+          <a:xfrm>
+            <a:off x="5544238" y="2629122"/>
+            <a:ext cx="431528" cy="338554"/>
+          </a:xfrm>
+          <a:prstGeom prst="rect">
+            <a:avLst/>
+          </a:prstGeom>
+        </p:spPr>
+        <p:txBody>
+          <a:bodyPr wrap="none">
+            <a:spAutoFit/>
+          </a:bodyPr>
+          <a:lstStyle/>
+          <a:p>
+            <a:r>
+              <a:rPr lang="en-US" altLang="zh-TW" sz="1600" dirty="0">
+                <a:solidFill>
+                  <a:srgbClr val="1A1A1A"/>
+                </a:solidFill>
+                <a:latin typeface="PingFang TC" panose="020B0400000000000000" pitchFamily="34" charset="-120"/>
+                <a:ea typeface="PingFang TC" panose="020B0400000000000000" pitchFamily="34" charset="-120"/>
+              </a:rPr>
+              <a:t>25</a:t>
+            </a:r>
+            <a:endParaRPr lang="en-US" sz="1600" dirty="0"/>
+          </a:p>
+        </p:txBody>
+      </p:sp>
+      <p:sp>
+        <p:nvSpPr>
+          <p:cNvPr id="62" name="Rectangle 61">
+            <a:extLst>
+              <a:ext uri="{FF2B5EF4-FFF2-40B4-BE49-F238E27FC236}">
+                <a16:creationId xmlns:a16="http://schemas.microsoft.com/office/drawing/2014/main" id="{D004A6D7-A3C7-0B4D-AD1A-ECFF30E65EA3}"/>
+              </a:ext>
+            </a:extLst>
+          </p:cNvPr>
+          <p:cNvSpPr/>
+          <p:nvPr/>
+        </p:nvSpPr>
+        <p:spPr>
+          <a:xfrm>
+            <a:off x="7720007" y="2632861"/>
+            <a:ext cx="389850" cy="338554"/>
+          </a:xfrm>
+          <a:prstGeom prst="rect">
+            <a:avLst/>
+          </a:prstGeom>
+        </p:spPr>
+        <p:txBody>
+          <a:bodyPr wrap="none">
+            <a:spAutoFit/>
+          </a:bodyPr>
+          <a:lstStyle/>
+          <a:p>
+            <a:r>
+              <a:rPr lang="en-US" altLang="zh-TW" sz="1600" dirty="0">
+                <a:solidFill>
+                  <a:srgbClr val="1A1A1A"/>
+                </a:solidFill>
+                <a:latin typeface="PingFang TC" panose="020B0400000000000000" pitchFamily="34" charset="-120"/>
+                <a:ea typeface="PingFang TC" panose="020B0400000000000000" pitchFamily="34" charset="-120"/>
+              </a:rPr>
+              <a:t>10</a:t>
+            </a:r>
+            <a:endParaRPr lang="en-US" sz="1600" dirty="0"/>
+          </a:p>
+        </p:txBody>
+      </p:sp>
+      <p:sp>
+        <p:nvSpPr>
+          <p:cNvPr id="63" name="Rectangle 62">
+            <a:extLst>
+              <a:ext uri="{FF2B5EF4-FFF2-40B4-BE49-F238E27FC236}">
+                <a16:creationId xmlns:a16="http://schemas.microsoft.com/office/drawing/2014/main" id="{BD33140E-75B9-CE4C-94B2-0185D545EAF1}"/>
+              </a:ext>
+            </a:extLst>
+          </p:cNvPr>
+          <p:cNvSpPr/>
+          <p:nvPr/>
+        </p:nvSpPr>
+        <p:spPr>
+          <a:xfrm>
+            <a:off x="4240449" y="2764540"/>
+            <a:ext cx="899605" cy="307777"/>
+          </a:xfrm>
+          <a:prstGeom prst="rect">
+            <a:avLst/>
+          </a:prstGeom>
+        </p:spPr>
+        <p:txBody>
+          <a:bodyPr wrap="none">
+            <a:spAutoFit/>
+          </a:bodyPr>
+          <a:lstStyle/>
+          <a:p>
+            <a:r>
+              <a:rPr lang="en-US" altLang="zh-TW" sz="1400" dirty="0">
+                <a:solidFill>
+                  <a:srgbClr val="1A1A1A"/>
+                </a:solidFill>
+                <a:latin typeface="PingFang TC" panose="020B0400000000000000" pitchFamily="34" charset="-120"/>
+                <a:ea typeface="PingFang TC" panose="020B0400000000000000" pitchFamily="34" charset="-120"/>
+              </a:rPr>
+              <a:t>(64 , 25)</a:t>
+            </a:r>
+            <a:endParaRPr lang="en-US" sz="1400" dirty="0"/>
+          </a:p>
+        </p:txBody>
+      </p:sp>
+      <p:sp>
+        <p:nvSpPr>
+          <p:cNvPr id="64" name="Rectangle 63">
+            <a:extLst>
+              <a:ext uri="{FF2B5EF4-FFF2-40B4-BE49-F238E27FC236}">
+                <a16:creationId xmlns:a16="http://schemas.microsoft.com/office/drawing/2014/main" id="{F422E18C-314A-664B-A53E-813985EFFA91}"/>
+              </a:ext>
+            </a:extLst>
+          </p:cNvPr>
+          <p:cNvSpPr/>
+          <p:nvPr/>
+        </p:nvSpPr>
+        <p:spPr>
+          <a:xfrm>
+            <a:off x="6384090" y="2767218"/>
+            <a:ext cx="864339" cy="307777"/>
+          </a:xfrm>
+          <a:prstGeom prst="rect">
+            <a:avLst/>
+          </a:prstGeom>
+        </p:spPr>
+        <p:txBody>
+          <a:bodyPr wrap="none">
+            <a:spAutoFit/>
+          </a:bodyPr>
+          <a:lstStyle/>
+          <a:p>
+            <a:r>
+              <a:rPr lang="en-US" altLang="zh-TW" sz="1400" dirty="0">
+                <a:solidFill>
+                  <a:srgbClr val="1A1A1A"/>
+                </a:solidFill>
+                <a:latin typeface="PingFang TC" panose="020B0400000000000000" pitchFamily="34" charset="-120"/>
+                <a:ea typeface="PingFang TC" panose="020B0400000000000000" pitchFamily="34" charset="-120"/>
+              </a:rPr>
+              <a:t>(25 , 10)</a:t>
+            </a:r>
+            <a:endParaRPr lang="en-US" sz="1400" dirty="0"/>
+          </a:p>
+        </p:txBody>
+      </p:sp>
     </p:spTree>
     <p:extLst>
       <p:ext uri="{BB962C8B-B14F-4D97-AF65-F5344CB8AC3E}">
@@ -9994,7 +12014,7 @@
         </p:nvSpPr>
         <p:spPr>
           <a:xfrm>
-            <a:off x="471488" y="214313"/>
+            <a:off x="751187" y="590831"/>
             <a:ext cx="5853300" cy="566700"/>
           </a:xfrm>
           <a:prstGeom prst="rect">
@@ -10029,15 +12049,18 @@
               <a:buNone/>
             </a:pPr>
             <a:r>
-              <a:rPr lang="zh-TW"/>
+              <a:rPr lang="zh-TW" sz="2800" dirty="0">
+                <a:latin typeface="PingFang TC" panose="020B0400000000000000" pitchFamily="34" charset="-120"/>
+                <a:ea typeface="PingFang TC" panose="020B0400000000000000" pitchFamily="34" charset="-120"/>
+              </a:rPr>
               <a:t>計算損失函數</a:t>
             </a:r>
-            <a:endParaRPr sz="2600" b="0" i="0" u="none" strike="noStrike" cap="none">
+            <a:endParaRPr sz="1600" b="0" i="0" u="none" strike="noStrike" cap="none" dirty="0">
               <a:solidFill>
                 <a:srgbClr val="1A1A1A"/>
               </a:solidFill>
-              <a:latin typeface="Arial"/>
-              <a:ea typeface="Arial"/>
+              <a:latin typeface="PingFang TC" panose="020B0400000000000000" pitchFamily="34" charset="-120"/>
+              <a:ea typeface="PingFang TC" panose="020B0400000000000000" pitchFamily="34" charset="-120"/>
               <a:cs typeface="Arial"/>
               <a:sym typeface="Arial"/>
             </a:endParaRPr>
@@ -10058,7 +12081,7 @@
         </p:nvSpPr>
         <p:spPr>
           <a:xfrm>
-            <a:off x="471500" y="1071325"/>
+            <a:off x="751199" y="1447843"/>
             <a:ext cx="8176800" cy="2795400"/>
           </a:xfrm>
           <a:prstGeom prst="rect">
@@ -10075,7 +12098,7 @@
           </a:bodyPr>
           <a:lstStyle/>
           <a:p>
-            <a:pPr marL="457200" lvl="0" indent="-342900" algn="l" rtl="0">
+            <a:pPr marL="400050" lvl="0" indent="-285750" algn="l" rtl="0">
               <a:lnSpc>
                 <a:spcPct val="150000"/>
               </a:lnSpc>
@@ -10089,13 +12112,16 @@
                 <a:srgbClr val="1A1A1A"/>
               </a:buClr>
               <a:buSzPts val="1800"/>
-              <a:buChar char="●"/>
+              <a:buFont typeface="Arial" panose="020B0604020202020204" pitchFamily="34" charset="0"/>
+              <a:buChar char="•"/>
             </a:pPr>
             <a:r>
               <a:rPr lang="zh-TW" sz="1800" dirty="0">
                 <a:solidFill>
                   <a:srgbClr val="1A1A1A"/>
                 </a:solidFill>
+                <a:latin typeface="PingFang TC" panose="020B0400000000000000" pitchFamily="34" charset="-120"/>
+                <a:ea typeface="PingFang TC" panose="020B0400000000000000" pitchFamily="34" charset="-120"/>
               </a:rPr>
               <a:t>多類別的分類問題通常會使用交叉熵（cross entropy）來當作損失函數</a:t>
             </a:r>
@@ -10103,14 +12129,14 @@
               <a:solidFill>
                 <a:schemeClr val="dk1"/>
               </a:solidFill>
-              <a:latin typeface="Georgia"/>
-              <a:ea typeface="Georgia"/>
+              <a:latin typeface="PingFang TC" panose="020B0400000000000000" pitchFamily="34" charset="-120"/>
+              <a:ea typeface="PingFang TC" panose="020B0400000000000000" pitchFamily="34" charset="-120"/>
               <a:cs typeface="Georgia"/>
               <a:sym typeface="Georgia"/>
             </a:endParaRPr>
           </a:p>
           <a:p>
-            <a:pPr marL="457200" lvl="0" indent="-342900" algn="l" rtl="0">
+            <a:pPr marL="400050" lvl="0" indent="-285750" algn="l" rtl="0">
               <a:lnSpc>
                 <a:spcPct val="150000"/>
               </a:lnSpc>
@@ -10124,13 +12150,16 @@
                 <a:srgbClr val="1A1A1A"/>
               </a:buClr>
               <a:buSzPts val="1800"/>
-              <a:buChar char="●"/>
+              <a:buFont typeface="Arial" panose="020B0604020202020204" pitchFamily="34" charset="0"/>
+              <a:buChar char="•"/>
             </a:pPr>
             <a:r>
               <a:rPr lang="zh-TW" sz="1800" dirty="0">
                 <a:solidFill>
                   <a:srgbClr val="1A1A1A"/>
                 </a:solidFill>
+                <a:latin typeface="PingFang TC" panose="020B0400000000000000" pitchFamily="34" charset="-120"/>
+                <a:ea typeface="PingFang TC" panose="020B0400000000000000" pitchFamily="34" charset="-120"/>
               </a:rPr>
               <a:t>交叉熵的計算需要兩個機率分布才能運算：</a:t>
             </a:r>
@@ -10138,10 +12167,12 @@
               <a:solidFill>
                 <a:srgbClr val="1A1A1A"/>
               </a:solidFill>
+              <a:latin typeface="PingFang TC" panose="020B0400000000000000" pitchFamily="34" charset="-120"/>
+              <a:ea typeface="PingFang TC" panose="020B0400000000000000" pitchFamily="34" charset="-120"/>
             </a:endParaRPr>
           </a:p>
           <a:p>
-            <a:pPr marL="914400" lvl="1" indent="-342900" algn="l" rtl="0">
+            <a:pPr marL="857250" lvl="1" indent="-285750" algn="l" rtl="0">
               <a:lnSpc>
                 <a:spcPct val="115000"/>
               </a:lnSpc>
@@ -10155,13 +12186,16 @@
                 <a:srgbClr val="1A1A1A"/>
               </a:buClr>
               <a:buSzPts val="1800"/>
-              <a:buChar char="○"/>
+              <a:buFont typeface="Arial" panose="020B0604020202020204" pitchFamily="34" charset="0"/>
+              <a:buChar char="•"/>
             </a:pPr>
             <a:r>
               <a:rPr lang="zh-TW" sz="1800" dirty="0">
                 <a:solidFill>
                   <a:srgbClr val="1A1A1A"/>
                 </a:solidFill>
+                <a:latin typeface="PingFang TC" panose="020B0400000000000000" pitchFamily="34" charset="-120"/>
+                <a:ea typeface="PingFang TC" panose="020B0400000000000000" pitchFamily="34" charset="-120"/>
               </a:rPr>
               <a:t>label (1, 0, 0) ↔ predict (0.8, 0.1, 0.1)</a:t>
             </a:r>
@@ -10169,10 +12203,12 @@
               <a:solidFill>
                 <a:srgbClr val="1A1A1A"/>
               </a:solidFill>
+              <a:latin typeface="PingFang TC" panose="020B0400000000000000" pitchFamily="34" charset="-120"/>
+              <a:ea typeface="PingFang TC" panose="020B0400000000000000" pitchFamily="34" charset="-120"/>
             </a:endParaRPr>
           </a:p>
           <a:p>
-            <a:pPr marL="914400" lvl="0" indent="0" algn="l" rtl="0">
+            <a:pPr marL="1200150" lvl="0" indent="-285750" algn="l" rtl="0">
               <a:lnSpc>
                 <a:spcPct val="150000"/>
               </a:lnSpc>
@@ -10186,14 +12222,16 @@
                 <a:srgbClr val="000000"/>
               </a:buClr>
               <a:buSzPts val="1100"/>
-              <a:buFont typeface="Arial"/>
-              <a:buNone/>
+              <a:buFont typeface="Arial" panose="020B0604020202020204" pitchFamily="34" charset="0"/>
+              <a:buChar char="•"/>
             </a:pPr>
             <a:r>
               <a:rPr lang="zh-TW" sz="1800" dirty="0">
                 <a:solidFill>
                   <a:srgbClr val="1A1A1A"/>
                 </a:solidFill>
+                <a:latin typeface="PingFang TC" panose="020B0400000000000000" pitchFamily="34" charset="-120"/>
+                <a:ea typeface="PingFang TC" panose="020B0400000000000000" pitchFamily="34" charset="-120"/>
               </a:rPr>
               <a:t>loss = -ln(1*0.8) = 0.223</a:t>
             </a:r>
@@ -10201,10 +12239,12 @@
               <a:solidFill>
                 <a:srgbClr val="1A1A1A"/>
               </a:solidFill>
+              <a:latin typeface="PingFang TC" panose="020B0400000000000000" pitchFamily="34" charset="-120"/>
+              <a:ea typeface="PingFang TC" panose="020B0400000000000000" pitchFamily="34" charset="-120"/>
             </a:endParaRPr>
           </a:p>
           <a:p>
-            <a:pPr marL="914400" lvl="1" indent="-342900" algn="l" rtl="0">
+            <a:pPr marL="857250" lvl="1" indent="-285750" algn="l" rtl="0">
               <a:lnSpc>
                 <a:spcPct val="115000"/>
               </a:lnSpc>
@@ -10218,13 +12258,16 @@
                 <a:srgbClr val="1A1A1A"/>
               </a:buClr>
               <a:buSzPts val="1800"/>
-              <a:buChar char="○"/>
+              <a:buFont typeface="Arial" panose="020B0604020202020204" pitchFamily="34" charset="0"/>
+              <a:buChar char="•"/>
             </a:pPr>
             <a:r>
               <a:rPr lang="zh-TW" sz="1800" dirty="0">
                 <a:solidFill>
                   <a:srgbClr val="1A1A1A"/>
                 </a:solidFill>
+                <a:latin typeface="PingFang TC" panose="020B0400000000000000" pitchFamily="34" charset="-120"/>
+                <a:ea typeface="PingFang TC" panose="020B0400000000000000" pitchFamily="34" charset="-120"/>
               </a:rPr>
               <a:t>label (1, 0, 0) ↔ predict (0.3, 0.5, 0.2)</a:t>
             </a:r>
@@ -10232,10 +12275,12 @@
               <a:solidFill>
                 <a:srgbClr val="1A1A1A"/>
               </a:solidFill>
+              <a:latin typeface="PingFang TC" panose="020B0400000000000000" pitchFamily="34" charset="-120"/>
+              <a:ea typeface="PingFang TC" panose="020B0400000000000000" pitchFamily="34" charset="-120"/>
             </a:endParaRPr>
           </a:p>
           <a:p>
-            <a:pPr marL="914400" lvl="0" indent="0" algn="l" rtl="0">
+            <a:pPr marL="1200150" lvl="0" indent="-285750" algn="l" rtl="0">
               <a:lnSpc>
                 <a:spcPct val="150000"/>
               </a:lnSpc>
@@ -10245,13 +12290,16 @@
               <a:spcAft>
                 <a:spcPts val="0"/>
               </a:spcAft>
-              <a:buNone/>
+              <a:buFont typeface="Arial" panose="020B0604020202020204" pitchFamily="34" charset="0"/>
+              <a:buChar char="•"/>
             </a:pPr>
             <a:r>
               <a:rPr lang="zh-TW" sz="1800" dirty="0">
                 <a:solidFill>
                   <a:srgbClr val="1A1A1A"/>
                 </a:solidFill>
+                <a:latin typeface="PingFang TC" panose="020B0400000000000000" pitchFamily="34" charset="-120"/>
+                <a:ea typeface="PingFang TC" panose="020B0400000000000000" pitchFamily="34" charset="-120"/>
               </a:rPr>
               <a:t>loss = -ln(1*0.3) = 1.204</a:t>
             </a:r>
@@ -10259,10 +12307,12 @@
               <a:solidFill>
                 <a:srgbClr val="1A1A1A"/>
               </a:solidFill>
+              <a:latin typeface="PingFang TC" panose="020B0400000000000000" pitchFamily="34" charset="-120"/>
+              <a:ea typeface="PingFang TC" panose="020B0400000000000000" pitchFamily="34" charset="-120"/>
             </a:endParaRPr>
           </a:p>
           <a:p>
-            <a:pPr marL="457200" lvl="0" indent="-342900" algn="l" rtl="0">
+            <a:pPr marL="400050" lvl="0" indent="-285750" algn="l" rtl="0">
               <a:lnSpc>
                 <a:spcPct val="150000"/>
               </a:lnSpc>
@@ -10276,13 +12326,16 @@
                 <a:srgbClr val="1A1A1A"/>
               </a:buClr>
               <a:buSzPts val="1800"/>
-              <a:buChar char="●"/>
+              <a:buFont typeface="Arial" panose="020B0604020202020204" pitchFamily="34" charset="0"/>
+              <a:buChar char="•"/>
             </a:pPr>
             <a:r>
               <a:rPr lang="zh-TW" sz="1800" dirty="0">
                 <a:solidFill>
                   <a:srgbClr val="1A1A1A"/>
                 </a:solidFill>
+                <a:latin typeface="PingFang TC" panose="020B0400000000000000" pitchFamily="34" charset="-120"/>
+                <a:ea typeface="PingFang TC" panose="020B0400000000000000" pitchFamily="34" charset="-120"/>
               </a:rPr>
               <a:t>預測的分布與正確答案越像，loss 越小</a:t>
             </a:r>
@@ -10290,10 +12343,12 @@
               <a:solidFill>
                 <a:srgbClr val="1A1A1A"/>
               </a:solidFill>
+              <a:latin typeface="PingFang TC" panose="020B0400000000000000" pitchFamily="34" charset="-120"/>
+              <a:ea typeface="PingFang TC" panose="020B0400000000000000" pitchFamily="34" charset="-120"/>
             </a:endParaRPr>
           </a:p>
           <a:p>
-            <a:pPr marL="914400" lvl="0" indent="0" algn="l" rtl="0">
+            <a:pPr marL="1200150" lvl="0" indent="-285750" algn="l" rtl="0">
               <a:lnSpc>
                 <a:spcPct val="150000"/>
               </a:lnSpc>
@@ -10303,16 +12358,19 @@
               <a:spcAft>
                 <a:spcPts val="0"/>
               </a:spcAft>
-              <a:buNone/>
+              <a:buFont typeface="Arial" panose="020B0604020202020204" pitchFamily="34" charset="0"/>
+              <a:buChar char="•"/>
             </a:pPr>
             <a:endParaRPr sz="1800" dirty="0">
               <a:solidFill>
                 <a:srgbClr val="1A1A1A"/>
               </a:solidFill>
+              <a:latin typeface="PingFang TC" panose="020B0400000000000000" pitchFamily="34" charset="-120"/>
+              <a:ea typeface="PingFang TC" panose="020B0400000000000000" pitchFamily="34" charset="-120"/>
             </a:endParaRPr>
           </a:p>
           <a:p>
-            <a:pPr marL="0" lvl="0" indent="0" algn="l" rtl="0">
+            <a:pPr marL="285750" lvl="0" indent="-285750" algn="l" rtl="0">
               <a:lnSpc>
                 <a:spcPct val="150000"/>
               </a:lnSpc>
@@ -10322,12 +12380,15 @@
               <a:spcAft>
                 <a:spcPts val="0"/>
               </a:spcAft>
-              <a:buNone/>
+              <a:buFont typeface="Arial" panose="020B0604020202020204" pitchFamily="34" charset="0"/>
+              <a:buChar char="•"/>
             </a:pPr>
             <a:endParaRPr sz="1800" dirty="0">
               <a:solidFill>
                 <a:srgbClr val="1A1A1A"/>
               </a:solidFill>
+              <a:latin typeface="PingFang TC" panose="020B0400000000000000" pitchFamily="34" charset="-120"/>
+              <a:ea typeface="PingFang TC" panose="020B0400000000000000" pitchFamily="34" charset="-120"/>
             </a:endParaRPr>
           </a:p>
         </p:txBody>
@@ -10380,7 +12441,7 @@
         </p:nvSpPr>
         <p:spPr>
           <a:xfrm>
-            <a:off x="471488" y="214313"/>
+            <a:off x="826490" y="547800"/>
             <a:ext cx="5853300" cy="566700"/>
           </a:xfrm>
           <a:prstGeom prst="rect">
@@ -10415,15 +12476,18 @@
               <a:buNone/>
             </a:pPr>
             <a:r>
-              <a:rPr lang="zh-TW"/>
+              <a:rPr lang="zh-TW" sz="2800" dirty="0">
+                <a:latin typeface="PingFang TC" panose="020B0400000000000000" pitchFamily="34" charset="-120"/>
+                <a:ea typeface="PingFang TC" panose="020B0400000000000000" pitchFamily="34" charset="-120"/>
+              </a:rPr>
               <a:t>批次訓練</a:t>
             </a:r>
-            <a:endParaRPr sz="2600" b="0" i="0" u="none" strike="noStrike" cap="none">
+            <a:endParaRPr sz="2800" b="0" i="0" u="none" strike="noStrike" cap="none" dirty="0">
               <a:solidFill>
                 <a:srgbClr val="1A1A1A"/>
               </a:solidFill>
-              <a:latin typeface="Arial"/>
-              <a:ea typeface="Arial"/>
+              <a:latin typeface="PingFang TC" panose="020B0400000000000000" pitchFamily="34" charset="-120"/>
+              <a:ea typeface="PingFang TC" panose="020B0400000000000000" pitchFamily="34" charset="-120"/>
               <a:cs typeface="Arial"/>
               <a:sym typeface="Arial"/>
             </a:endParaRPr>
@@ -10444,7 +12508,7 @@
         </p:nvSpPr>
         <p:spPr>
           <a:xfrm>
-            <a:off x="471500" y="905750"/>
+            <a:off x="826502" y="1239237"/>
             <a:ext cx="8176800" cy="3427500"/>
           </a:xfrm>
           <a:prstGeom prst="rect">
@@ -10461,7 +12525,7 @@
           </a:bodyPr>
           <a:lstStyle/>
           <a:p>
-            <a:pPr marL="457200" lvl="0" indent="-342900" algn="l" rtl="0">
+            <a:pPr marL="400050" lvl="0" indent="-285750" algn="l" rtl="0">
               <a:lnSpc>
                 <a:spcPct val="115000"/>
               </a:lnSpc>
@@ -10475,13 +12539,16 @@
                 <a:srgbClr val="1A1A1A"/>
               </a:buClr>
               <a:buSzPts val="1800"/>
-              <a:buChar char="●"/>
+              <a:buFont typeface="Arial" panose="020B0604020202020204" pitchFamily="34" charset="0"/>
+              <a:buChar char="•"/>
             </a:pPr>
             <a:r>
               <a:rPr lang="zh-TW" sz="1800" dirty="0">
                 <a:solidFill>
                   <a:srgbClr val="1A1A1A"/>
                 </a:solidFill>
+                <a:latin typeface="PingFang TC" panose="020B0400000000000000" pitchFamily="34" charset="-120"/>
+                <a:ea typeface="PingFang TC" panose="020B0400000000000000" pitchFamily="34" charset="-120"/>
               </a:rPr>
               <a:t>最基本的梯度下降法是看過所有的資料，算出一個 total loss，在對 loss 做</a:t>
             </a:r>
@@ -10489,10 +12556,12 @@
               <a:solidFill>
                 <a:srgbClr val="1A1A1A"/>
               </a:solidFill>
+              <a:latin typeface="PingFang TC" panose="020B0400000000000000" pitchFamily="34" charset="-120"/>
+              <a:ea typeface="PingFang TC" panose="020B0400000000000000" pitchFamily="34" charset="-120"/>
             </a:endParaRPr>
           </a:p>
           <a:p>
-            <a:pPr marL="457200" lvl="0" indent="0" algn="l" rtl="0">
+            <a:pPr marL="742950" lvl="0" indent="-285750" algn="l" rtl="0">
               <a:lnSpc>
                 <a:spcPct val="150000"/>
               </a:lnSpc>
@@ -10502,13 +12571,16 @@
               <a:spcAft>
                 <a:spcPts val="0"/>
               </a:spcAft>
-              <a:buNone/>
+              <a:buFont typeface="Arial" panose="020B0604020202020204" pitchFamily="34" charset="0"/>
+              <a:buChar char="•"/>
             </a:pPr>
             <a:r>
               <a:rPr lang="zh-TW" sz="1800" dirty="0">
                 <a:solidFill>
                   <a:srgbClr val="1A1A1A"/>
                 </a:solidFill>
+                <a:latin typeface="PingFang TC" panose="020B0400000000000000" pitchFamily="34" charset="-120"/>
+                <a:ea typeface="PingFang TC" panose="020B0400000000000000" pitchFamily="34" charset="-120"/>
               </a:rPr>
               <a:t>梯度下降。</a:t>
             </a:r>
@@ -10516,10 +12588,12 @@
               <a:solidFill>
                 <a:srgbClr val="1A1A1A"/>
               </a:solidFill>
+              <a:latin typeface="PingFang TC" panose="020B0400000000000000" pitchFamily="34" charset="-120"/>
+              <a:ea typeface="PingFang TC" panose="020B0400000000000000" pitchFamily="34" charset="-120"/>
             </a:endParaRPr>
           </a:p>
           <a:p>
-            <a:pPr marL="914400" lvl="1" indent="-342900" algn="l" rtl="0">
+            <a:pPr marL="857250" lvl="1" indent="-285750" algn="l" rtl="0">
               <a:lnSpc>
                 <a:spcPct val="150000"/>
               </a:lnSpc>
@@ -10533,13 +12607,16 @@
                 <a:srgbClr val="1A1A1A"/>
               </a:buClr>
               <a:buSzPts val="1800"/>
-              <a:buChar char="○"/>
+              <a:buFont typeface="Arial" panose="020B0604020202020204" pitchFamily="34" charset="0"/>
+              <a:buChar char="•"/>
             </a:pPr>
             <a:r>
               <a:rPr lang="zh-TW" sz="1800" dirty="0">
                 <a:solidFill>
                   <a:srgbClr val="1A1A1A"/>
                 </a:solidFill>
+                <a:latin typeface="PingFang TC" panose="020B0400000000000000" pitchFamily="34" charset="-120"/>
+                <a:ea typeface="PingFang TC" panose="020B0400000000000000" pitchFamily="34" charset="-120"/>
               </a:rPr>
               <a:t>看過所有資料所需的運算量太大，且更新速度慢。</a:t>
             </a:r>
@@ -10547,10 +12624,12 @@
               <a:solidFill>
                 <a:srgbClr val="1A1A1A"/>
               </a:solidFill>
+              <a:latin typeface="PingFang TC" panose="020B0400000000000000" pitchFamily="34" charset="-120"/>
+              <a:ea typeface="PingFang TC" panose="020B0400000000000000" pitchFamily="34" charset="-120"/>
             </a:endParaRPr>
           </a:p>
           <a:p>
-            <a:pPr marL="457200" lvl="0" indent="-342900" algn="l" rtl="0">
+            <a:pPr marL="400050" lvl="0" indent="-285750" algn="l" rtl="0">
               <a:lnSpc>
                 <a:spcPct val="115000"/>
               </a:lnSpc>
@@ -10564,13 +12643,16 @@
                 <a:srgbClr val="1A1A1A"/>
               </a:buClr>
               <a:buSzPts val="1800"/>
-              <a:buChar char="●"/>
+              <a:buFont typeface="Arial" panose="020B0604020202020204" pitchFamily="34" charset="0"/>
+              <a:buChar char="•"/>
             </a:pPr>
             <a:r>
               <a:rPr lang="zh-TW" sz="1800" dirty="0">
                 <a:solidFill>
                   <a:srgbClr val="1A1A1A"/>
                 </a:solidFill>
+                <a:latin typeface="PingFang TC" panose="020B0400000000000000" pitchFamily="34" charset="-120"/>
+                <a:ea typeface="PingFang TC" panose="020B0400000000000000" pitchFamily="34" charset="-120"/>
               </a:rPr>
               <a:t>替代方案之一：每讀一筆資料就算出 loss 並更新一次，雖然梯度下降的方</a:t>
             </a:r>
@@ -10578,10 +12660,12 @@
               <a:solidFill>
                 <a:srgbClr val="1A1A1A"/>
               </a:solidFill>
+              <a:latin typeface="PingFang TC" panose="020B0400000000000000" pitchFamily="34" charset="-120"/>
+              <a:ea typeface="PingFang TC" panose="020B0400000000000000" pitchFamily="34" charset="-120"/>
             </a:endParaRPr>
           </a:p>
           <a:p>
-            <a:pPr marL="457200" lvl="0" indent="0" algn="l" rtl="0">
+            <a:pPr marL="742950" lvl="0" indent="-285750" algn="l" rtl="0">
               <a:lnSpc>
                 <a:spcPct val="150000"/>
               </a:lnSpc>
@@ -10591,13 +12675,16 @@
               <a:spcAft>
                 <a:spcPts val="0"/>
               </a:spcAft>
-              <a:buNone/>
+              <a:buFont typeface="Arial" panose="020B0604020202020204" pitchFamily="34" charset="0"/>
+              <a:buChar char="•"/>
             </a:pPr>
             <a:r>
               <a:rPr lang="zh-TW" sz="1800" dirty="0">
                 <a:solidFill>
                   <a:srgbClr val="1A1A1A"/>
                 </a:solidFill>
+                <a:latin typeface="PingFang TC" panose="020B0400000000000000" pitchFamily="34" charset="-120"/>
+                <a:ea typeface="PingFang TC" panose="020B0400000000000000" pitchFamily="34" charset="-120"/>
               </a:rPr>
               <a:t>向不是最佳的，但有機會最後走到 loss 最低的點。</a:t>
             </a:r>
@@ -10605,10 +12692,12 @@
               <a:solidFill>
                 <a:srgbClr val="1A1A1A"/>
               </a:solidFill>
+              <a:latin typeface="PingFang TC" panose="020B0400000000000000" pitchFamily="34" charset="-120"/>
+              <a:ea typeface="PingFang TC" panose="020B0400000000000000" pitchFamily="34" charset="-120"/>
             </a:endParaRPr>
           </a:p>
           <a:p>
-            <a:pPr marL="914400" lvl="1" indent="-342900" algn="l" rtl="0">
+            <a:pPr marL="857250" lvl="1" indent="-285750" algn="l" rtl="0">
               <a:lnSpc>
                 <a:spcPct val="150000"/>
               </a:lnSpc>
@@ -10622,13 +12711,16 @@
                 <a:srgbClr val="1A1A1A"/>
               </a:buClr>
               <a:buSzPts val="1800"/>
-              <a:buChar char="○"/>
+              <a:buFont typeface="Arial" panose="020B0604020202020204" pitchFamily="34" charset="0"/>
+              <a:buChar char="•"/>
             </a:pPr>
             <a:r>
               <a:rPr lang="zh-TW" sz="1800" dirty="0">
                 <a:solidFill>
                   <a:srgbClr val="1A1A1A"/>
                 </a:solidFill>
+                <a:latin typeface="PingFang TC" panose="020B0400000000000000" pitchFamily="34" charset="-120"/>
+                <a:ea typeface="PingFang TC" panose="020B0400000000000000" pitchFamily="34" charset="-120"/>
               </a:rPr>
               <a:t>有一千筆資料，全部丟進網路就可以更新一千次，但穩定度低。</a:t>
             </a:r>
@@ -10636,10 +12728,12 @@
               <a:solidFill>
                 <a:srgbClr val="1A1A1A"/>
               </a:solidFill>
+              <a:latin typeface="PingFang TC" panose="020B0400000000000000" pitchFamily="34" charset="-120"/>
+              <a:ea typeface="PingFang TC" panose="020B0400000000000000" pitchFamily="34" charset="-120"/>
             </a:endParaRPr>
           </a:p>
           <a:p>
-            <a:pPr marL="457200" lvl="0" indent="-342900" algn="l" rtl="0">
+            <a:pPr marL="400050" lvl="0" indent="-285750" algn="l" rtl="0">
               <a:lnSpc>
                 <a:spcPct val="150000"/>
               </a:lnSpc>
@@ -10653,13 +12747,16 @@
                 <a:srgbClr val="1A1A1A"/>
               </a:buClr>
               <a:buSzPts val="1800"/>
-              <a:buChar char="●"/>
+              <a:buFont typeface="Arial" panose="020B0604020202020204" pitchFamily="34" charset="0"/>
+              <a:buChar char="•"/>
             </a:pPr>
             <a:r>
               <a:rPr lang="zh-TW" sz="1800" dirty="0">
                 <a:solidFill>
                   <a:srgbClr val="1A1A1A"/>
                 </a:solidFill>
+                <a:latin typeface="PingFang TC" panose="020B0400000000000000" pitchFamily="34" charset="-120"/>
+                <a:ea typeface="PingFang TC" panose="020B0400000000000000" pitchFamily="34" charset="-120"/>
               </a:rPr>
               <a:t>替代方案之二：每讀Ｎ筆資料就更新一次。</a:t>
             </a:r>
@@ -10667,10 +12764,12 @@
               <a:solidFill>
                 <a:srgbClr val="1A1A1A"/>
               </a:solidFill>
+              <a:latin typeface="PingFang TC" panose="020B0400000000000000" pitchFamily="34" charset="-120"/>
+              <a:ea typeface="PingFang TC" panose="020B0400000000000000" pitchFamily="34" charset="-120"/>
             </a:endParaRPr>
           </a:p>
           <a:p>
-            <a:pPr marL="914400" lvl="1" indent="-342900" algn="l" rtl="0">
+            <a:pPr marL="857250" lvl="1" indent="-285750" algn="l" rtl="0">
               <a:lnSpc>
                 <a:spcPct val="115000"/>
               </a:lnSpc>
@@ -10684,13 +12783,16 @@
                 <a:srgbClr val="1A1A1A"/>
               </a:buClr>
               <a:buSzPts val="1800"/>
-              <a:buChar char="○"/>
+              <a:buFont typeface="Arial" panose="020B0604020202020204" pitchFamily="34" charset="0"/>
+              <a:buChar char="•"/>
             </a:pPr>
             <a:r>
               <a:rPr lang="zh-TW" sz="1800" dirty="0">
                 <a:solidFill>
                   <a:srgbClr val="1A1A1A"/>
                 </a:solidFill>
+                <a:latin typeface="PingFang TC" panose="020B0400000000000000" pitchFamily="34" charset="-120"/>
+                <a:ea typeface="PingFang TC" panose="020B0400000000000000" pitchFamily="34" charset="-120"/>
               </a:rPr>
               <a:t>前面兩個方法的折衷，有更新速度快以及穩定度較高的特性。</a:t>
             </a:r>
@@ -10698,6 +12800,8 @@
               <a:solidFill>
                 <a:srgbClr val="1A1A1A"/>
               </a:solidFill>
+              <a:latin typeface="PingFang TC" panose="020B0400000000000000" pitchFamily="34" charset="-120"/>
+              <a:ea typeface="PingFang TC" panose="020B0400000000000000" pitchFamily="34" charset="-120"/>
             </a:endParaRPr>
           </a:p>
         </p:txBody>
@@ -10758,10 +12862,16 @@
           <a:lstStyle/>
           <a:p>
             <a:r>
-              <a:rPr lang="zh-TW"/>
+              <a:rPr lang="zh-TW" sz="2800" dirty="0">
+                <a:latin typeface="PingFang TC" panose="020B0400000000000000" pitchFamily="34" charset="-120"/>
+                <a:ea typeface="PingFang TC" panose="020B0400000000000000" pitchFamily="34" charset="-120"/>
+              </a:rPr>
               <a:t>批次訓練示意圖</a:t>
             </a:r>
-            <a:endParaRPr/>
+            <a:endParaRPr sz="2800" dirty="0">
+              <a:latin typeface="PingFang TC" panose="020B0400000000000000" pitchFamily="34" charset="-120"/>
+              <a:ea typeface="PingFang TC" panose="020B0400000000000000" pitchFamily="34" charset="-120"/>
+            </a:endParaRPr>
           </a:p>
         </p:txBody>
       </p:sp>
@@ -10818,25 +12928,43 @@
           <a:lstStyle/>
           <a:p>
             <a:r>
-              <a:rPr lang="zh-TW" altLang="en-US" sz="1600"/>
+              <a:rPr lang="zh-TW" altLang="en-US" sz="1600" dirty="0">
+                <a:latin typeface="PingFang TC" panose="020B0400000000000000" pitchFamily="34" charset="-120"/>
+                <a:ea typeface="PingFang TC" panose="020B0400000000000000" pitchFamily="34" charset="-120"/>
+              </a:rPr>
               <a:t>原始方法（又稱 </a:t>
             </a:r>
             <a:r>
-              <a:rPr lang="en-US" altLang="zh-TW" sz="1600"/>
+              <a:rPr lang="en-US" altLang="zh-TW" sz="1600" dirty="0">
+                <a:latin typeface="PingFang TC" panose="020B0400000000000000" pitchFamily="34" charset="-120"/>
+                <a:ea typeface="PingFang TC" panose="020B0400000000000000" pitchFamily="34" charset="-120"/>
+              </a:rPr>
               <a:t>batch gradient descent</a:t>
             </a:r>
             <a:r>
-              <a:rPr lang="zh-TW" altLang="en-US" sz="2400"/>
+              <a:rPr lang="zh-TW" altLang="en-US" sz="2400" dirty="0">
+                <a:latin typeface="PingFang TC" panose="020B0400000000000000" pitchFamily="34" charset="-120"/>
+                <a:ea typeface="PingFang TC" panose="020B0400000000000000" pitchFamily="34" charset="-120"/>
+              </a:rPr>
               <a:t>）</a:t>
             </a:r>
-            <a:endParaRPr sz="2400"/>
-          </a:p>
-          <a:p>
-            <a:r>
-              <a:rPr lang="zh-TW" altLang="en-US" sz="1600"/>
+            <a:endParaRPr sz="2400" dirty="0">
+              <a:latin typeface="PingFang TC" panose="020B0400000000000000" pitchFamily="34" charset="-120"/>
+              <a:ea typeface="PingFang TC" panose="020B0400000000000000" pitchFamily="34" charset="-120"/>
+            </a:endParaRPr>
+          </a:p>
+          <a:p>
+            <a:r>
+              <a:rPr lang="zh-TW" altLang="en-US" sz="1600" dirty="0">
+                <a:latin typeface="PingFang TC" panose="020B0400000000000000" pitchFamily="34" charset="-120"/>
+                <a:ea typeface="PingFang TC" panose="020B0400000000000000" pitchFamily="34" charset="-120"/>
+              </a:rPr>
               <a:t>梯度下降的方向為最佳方向</a:t>
             </a:r>
-            <a:endParaRPr sz="1600"/>
+            <a:endParaRPr sz="1600" dirty="0">
+              <a:latin typeface="PingFang TC" panose="020B0400000000000000" pitchFamily="34" charset="-120"/>
+              <a:ea typeface="PingFang TC" panose="020B0400000000000000" pitchFamily="34" charset="-120"/>
+            </a:endParaRPr>
           </a:p>
         </p:txBody>
       </p:sp>
@@ -10866,25 +12994,43 @@
           <a:lstStyle/>
           <a:p>
             <a:r>
-              <a:rPr lang="zh-TW" altLang="en-US" sz="1600"/>
+              <a:rPr lang="zh-TW" altLang="en-US" sz="1600" dirty="0">
+                <a:latin typeface="PingFang TC" panose="020B0400000000000000" pitchFamily="34" charset="-120"/>
+                <a:ea typeface="PingFang TC" panose="020B0400000000000000" pitchFamily="34" charset="-120"/>
+              </a:rPr>
               <a:t>替代方案一（又稱 </a:t>
             </a:r>
             <a:r>
-              <a:rPr lang="en-US" altLang="zh-TW" sz="1600"/>
+              <a:rPr lang="en-US" altLang="zh-TW" sz="1600" dirty="0">
+                <a:latin typeface="PingFang TC" panose="020B0400000000000000" pitchFamily="34" charset="-120"/>
+                <a:ea typeface="PingFang TC" panose="020B0400000000000000" pitchFamily="34" charset="-120"/>
+              </a:rPr>
               <a:t>stochastic gradient descent</a:t>
             </a:r>
             <a:r>
-              <a:rPr lang="zh-TW" altLang="en-US" sz="2400"/>
+              <a:rPr lang="zh-TW" altLang="en-US" sz="2400" dirty="0">
+                <a:latin typeface="PingFang TC" panose="020B0400000000000000" pitchFamily="34" charset="-120"/>
+                <a:ea typeface="PingFang TC" panose="020B0400000000000000" pitchFamily="34" charset="-120"/>
+              </a:rPr>
               <a:t>）</a:t>
             </a:r>
-            <a:endParaRPr sz="2400"/>
-          </a:p>
-          <a:p>
-            <a:r>
-              <a:rPr lang="zh-TW" altLang="en-US" sz="1600"/>
+            <a:endParaRPr sz="2400" dirty="0">
+              <a:latin typeface="PingFang TC" panose="020B0400000000000000" pitchFamily="34" charset="-120"/>
+              <a:ea typeface="PingFang TC" panose="020B0400000000000000" pitchFamily="34" charset="-120"/>
+            </a:endParaRPr>
+          </a:p>
+          <a:p>
+            <a:r>
+              <a:rPr lang="zh-TW" altLang="en-US" sz="1600" dirty="0">
+                <a:latin typeface="PingFang TC" panose="020B0400000000000000" pitchFamily="34" charset="-120"/>
+                <a:ea typeface="PingFang TC" panose="020B0400000000000000" pitchFamily="34" charset="-120"/>
+              </a:rPr>
               <a:t>梯度下降次數多次但方向呈現隨機狀態</a:t>
             </a:r>
-            <a:endParaRPr sz="1600"/>
+            <a:endParaRPr sz="1600" dirty="0">
+              <a:latin typeface="PingFang TC" panose="020B0400000000000000" pitchFamily="34" charset="-120"/>
+              <a:ea typeface="PingFang TC" panose="020B0400000000000000" pitchFamily="34" charset="-120"/>
+            </a:endParaRPr>
           </a:p>
         </p:txBody>
       </p:sp>
@@ -10914,25 +13060,43 @@
           <a:lstStyle/>
           <a:p>
             <a:r>
-              <a:rPr lang="zh-TW" altLang="en-US" sz="1600"/>
+              <a:rPr lang="zh-TW" altLang="en-US" sz="1600" dirty="0">
+                <a:latin typeface="PingFang TC" panose="020B0400000000000000" pitchFamily="34" charset="-120"/>
+                <a:ea typeface="PingFang TC" panose="020B0400000000000000" pitchFamily="34" charset="-120"/>
+              </a:rPr>
               <a:t>替代方案二（又稱 </a:t>
             </a:r>
             <a:r>
-              <a:rPr lang="en-US" altLang="zh-TW" sz="1600"/>
+              <a:rPr lang="en-US" altLang="zh-TW" sz="1600" dirty="0">
+                <a:latin typeface="PingFang TC" panose="020B0400000000000000" pitchFamily="34" charset="-120"/>
+                <a:ea typeface="PingFang TC" panose="020B0400000000000000" pitchFamily="34" charset="-120"/>
+              </a:rPr>
               <a:t>mini-batch gradient descent</a:t>
             </a:r>
             <a:r>
-              <a:rPr lang="zh-TW" altLang="en-US" sz="2400"/>
+              <a:rPr lang="zh-TW" altLang="en-US" sz="2400" dirty="0">
+                <a:latin typeface="PingFang TC" panose="020B0400000000000000" pitchFamily="34" charset="-120"/>
+                <a:ea typeface="PingFang TC" panose="020B0400000000000000" pitchFamily="34" charset="-120"/>
+              </a:rPr>
               <a:t>）</a:t>
             </a:r>
-            <a:endParaRPr sz="2400"/>
-          </a:p>
-          <a:p>
-            <a:r>
-              <a:rPr lang="zh-TW" altLang="en-US" sz="1600"/>
+            <a:endParaRPr sz="2400" dirty="0">
+              <a:latin typeface="PingFang TC" panose="020B0400000000000000" pitchFamily="34" charset="-120"/>
+              <a:ea typeface="PingFang TC" panose="020B0400000000000000" pitchFamily="34" charset="-120"/>
+            </a:endParaRPr>
+          </a:p>
+          <a:p>
+            <a:r>
+              <a:rPr lang="zh-TW" altLang="en-US" sz="1600" dirty="0">
+                <a:latin typeface="PingFang TC" panose="020B0400000000000000" pitchFamily="34" charset="-120"/>
+                <a:ea typeface="PingFang TC" panose="020B0400000000000000" pitchFamily="34" charset="-120"/>
+              </a:rPr>
               <a:t>梯度下降次數多次且方向較穩定</a:t>
             </a:r>
-            <a:endParaRPr sz="1600"/>
+            <a:endParaRPr sz="1600" dirty="0">
+              <a:latin typeface="PingFang TC" panose="020B0400000000000000" pitchFamily="34" charset="-120"/>
+              <a:ea typeface="PingFang TC" panose="020B0400000000000000" pitchFamily="34" charset="-120"/>
+            </a:endParaRPr>
           </a:p>
         </p:txBody>
       </p:sp>
@@ -11074,10 +13238,16 @@
           <a:lstStyle/>
           <a:p>
             <a:r>
-              <a:rPr lang="zh-TW"/>
+              <a:rPr lang="zh-TW" sz="2800" dirty="0">
+                <a:latin typeface="PingFang TC" panose="020B0400000000000000" pitchFamily="34" charset="-120"/>
+                <a:ea typeface="PingFang TC" panose="020B0400000000000000" pitchFamily="34" charset="-120"/>
+              </a:rPr>
               <a:t>訓練網路</a:t>
             </a:r>
-            <a:endParaRPr/>
+            <a:endParaRPr sz="2800" dirty="0">
+              <a:latin typeface="PingFang TC" panose="020B0400000000000000" pitchFamily="34" charset="-120"/>
+              <a:ea typeface="PingFang TC" panose="020B0400000000000000" pitchFamily="34" charset="-120"/>
+            </a:endParaRPr>
           </a:p>
         </p:txBody>
       </p:sp>
@@ -11117,8 +13287,8 @@
         </p:nvSpPr>
         <p:spPr>
           <a:xfrm>
-            <a:off x="5369433" y="1661367"/>
-            <a:ext cx="5409200" cy="1382400"/>
+            <a:off x="5558484" y="1564533"/>
+            <a:ext cx="5409200" cy="2855533"/>
           </a:xfrm>
           <a:prstGeom prst="rect">
             <a:avLst/>
@@ -11135,70 +13305,124 @@
           <a:lstStyle/>
           <a:p>
             <a:r>
-              <a:rPr lang="zh-TW" altLang="en-US" sz="2400"/>
+              <a:rPr lang="zh-TW" altLang="en-US" sz="2000" dirty="0">
+                <a:latin typeface="PingFang TC" panose="020B0400000000000000" pitchFamily="34" charset="-120"/>
+                <a:ea typeface="PingFang TC" panose="020B0400000000000000" pitchFamily="34" charset="-120"/>
+              </a:rPr>
               <a:t>神經網路通常使用 </a:t>
             </a:r>
             <a:r>
-              <a:rPr lang="en-US" altLang="zh-TW" sz="2400"/>
+              <a:rPr lang="en-US" altLang="zh-TW" sz="2000" dirty="0">
+                <a:latin typeface="PingFang TC" panose="020B0400000000000000" pitchFamily="34" charset="-120"/>
+                <a:ea typeface="PingFang TC" panose="020B0400000000000000" pitchFamily="34" charset="-120"/>
+              </a:rPr>
               <a:t>mini-batch </a:t>
             </a:r>
             <a:r>
-              <a:rPr lang="zh-TW" altLang="en-US" sz="2400"/>
+              <a:rPr lang="zh-TW" altLang="en-US" sz="2000" dirty="0">
+                <a:latin typeface="PingFang TC" panose="020B0400000000000000" pitchFamily="34" charset="-120"/>
+                <a:ea typeface="PingFang TC" panose="020B0400000000000000" pitchFamily="34" charset="-120"/>
+              </a:rPr>
               <a:t>的方法訓練，</a:t>
             </a:r>
-            <a:endParaRPr sz="2400" baseline="-25000"/>
-          </a:p>
-          <a:p>
-            <a:r>
-              <a:rPr lang="zh-TW" altLang="en-US" sz="2400"/>
+            <a:endParaRPr sz="2000" baseline="-25000" dirty="0">
+              <a:latin typeface="PingFang TC" panose="020B0400000000000000" pitchFamily="34" charset="-120"/>
+              <a:ea typeface="PingFang TC" panose="020B0400000000000000" pitchFamily="34" charset="-120"/>
+            </a:endParaRPr>
+          </a:p>
+          <a:p>
+            <a:r>
+              <a:rPr lang="zh-TW" altLang="en-US" sz="2000" dirty="0">
+                <a:latin typeface="PingFang TC" panose="020B0400000000000000" pitchFamily="34" charset="-120"/>
+                <a:ea typeface="PingFang TC" panose="020B0400000000000000" pitchFamily="34" charset="-120"/>
+              </a:rPr>
               <a:t>程式中使用雙重迴圈：</a:t>
             </a:r>
-            <a:endParaRPr sz="2400"/>
-          </a:p>
-          <a:p>
-            <a:r>
-              <a:rPr lang="zh-TW" altLang="en-US" sz="2400"/>
+            <a:endParaRPr sz="2000" dirty="0">
+              <a:latin typeface="PingFang TC" panose="020B0400000000000000" pitchFamily="34" charset="-120"/>
+              <a:ea typeface="PingFang TC" panose="020B0400000000000000" pitchFamily="34" charset="-120"/>
+            </a:endParaRPr>
+          </a:p>
+          <a:p>
+            <a:r>
+              <a:rPr lang="zh-TW" altLang="en-US" sz="2000" dirty="0">
+                <a:latin typeface="PingFang TC" panose="020B0400000000000000" pitchFamily="34" charset="-120"/>
+                <a:ea typeface="PingFang TC" panose="020B0400000000000000" pitchFamily="34" charset="-120"/>
+              </a:rPr>
               <a:t>裡面的迴圈將所有的 </a:t>
             </a:r>
             <a:r>
-              <a:rPr lang="en-US" altLang="zh-TW" sz="2400"/>
+              <a:rPr lang="en-US" altLang="zh-TW" sz="2000" dirty="0">
+                <a:latin typeface="PingFang TC" panose="020B0400000000000000" pitchFamily="34" charset="-120"/>
+                <a:ea typeface="PingFang TC" panose="020B0400000000000000" pitchFamily="34" charset="-120"/>
+              </a:rPr>
               <a:t>mini-batch </a:t>
             </a:r>
             <a:r>
-              <a:rPr lang="zh-TW" altLang="en-US" sz="2400"/>
+              <a:rPr lang="zh-TW" altLang="en-US" sz="2000" dirty="0">
+                <a:latin typeface="PingFang TC" panose="020B0400000000000000" pitchFamily="34" charset="-120"/>
+                <a:ea typeface="PingFang TC" panose="020B0400000000000000" pitchFamily="34" charset="-120"/>
+              </a:rPr>
               <a:t>都訓練一遍，</a:t>
             </a:r>
-            <a:endParaRPr sz="2400"/>
-          </a:p>
-          <a:p>
-            <a:r>
-              <a:rPr lang="zh-TW" altLang="en-US" sz="2400"/>
+            <a:endParaRPr sz="2000" dirty="0">
+              <a:latin typeface="PingFang TC" panose="020B0400000000000000" pitchFamily="34" charset="-120"/>
+              <a:ea typeface="PingFang TC" panose="020B0400000000000000" pitchFamily="34" charset="-120"/>
+            </a:endParaRPr>
+          </a:p>
+          <a:p>
+            <a:r>
+              <a:rPr lang="zh-TW" altLang="en-US" sz="2000" dirty="0">
+                <a:latin typeface="PingFang TC" panose="020B0400000000000000" pitchFamily="34" charset="-120"/>
+                <a:ea typeface="PingFang TC" panose="020B0400000000000000" pitchFamily="34" charset="-120"/>
+              </a:rPr>
               <a:t>稱作一個 </a:t>
             </a:r>
             <a:r>
-              <a:rPr lang="en-US" altLang="zh-TW" sz="2400"/>
+              <a:rPr lang="en-US" altLang="zh-TW" sz="2000" dirty="0">
+                <a:latin typeface="PingFang TC" panose="020B0400000000000000" pitchFamily="34" charset="-120"/>
+                <a:ea typeface="PingFang TC" panose="020B0400000000000000" pitchFamily="34" charset="-120"/>
+              </a:rPr>
               <a:t>epoch</a:t>
             </a:r>
             <a:r>
-              <a:rPr lang="zh-TW" altLang="en-US" sz="2400"/>
+              <a:rPr lang="zh-TW" altLang="en-US" sz="2000" dirty="0">
+                <a:latin typeface="PingFang TC" panose="020B0400000000000000" pitchFamily="34" charset="-120"/>
+                <a:ea typeface="PingFang TC" panose="020B0400000000000000" pitchFamily="34" charset="-120"/>
+              </a:rPr>
               <a:t>。</a:t>
             </a:r>
-            <a:endParaRPr sz="2400"/>
-          </a:p>
-          <a:p>
-            <a:r>
-              <a:rPr lang="zh-TW" altLang="en-US" sz="2400"/>
+            <a:endParaRPr sz="2000" dirty="0">
+              <a:latin typeface="PingFang TC" panose="020B0400000000000000" pitchFamily="34" charset="-120"/>
+              <a:ea typeface="PingFang TC" panose="020B0400000000000000" pitchFamily="34" charset="-120"/>
+            </a:endParaRPr>
+          </a:p>
+          <a:p>
+            <a:r>
+              <a:rPr lang="zh-TW" altLang="en-US" sz="2000" dirty="0">
+                <a:latin typeface="PingFang TC" panose="020B0400000000000000" pitchFamily="34" charset="-120"/>
+                <a:ea typeface="PingFang TC" panose="020B0400000000000000" pitchFamily="34" charset="-120"/>
+              </a:rPr>
               <a:t>外面的迴圈則重複執行多個 </a:t>
             </a:r>
             <a:r>
-              <a:rPr lang="en-US" altLang="zh-TW" sz="2400"/>
+              <a:rPr lang="en-US" altLang="zh-TW" sz="2000" dirty="0">
+                <a:latin typeface="PingFang TC" panose="020B0400000000000000" pitchFamily="34" charset="-120"/>
+                <a:ea typeface="PingFang TC" panose="020B0400000000000000" pitchFamily="34" charset="-120"/>
+              </a:rPr>
               <a:t>epoch</a:t>
             </a:r>
             <a:r>
-              <a:rPr lang="zh-TW" altLang="en-US" sz="2400"/>
+              <a:rPr lang="zh-TW" altLang="en-US" sz="2000" dirty="0">
+                <a:latin typeface="PingFang TC" panose="020B0400000000000000" pitchFamily="34" charset="-120"/>
+                <a:ea typeface="PingFang TC" panose="020B0400000000000000" pitchFamily="34" charset="-120"/>
+              </a:rPr>
               <a:t>。</a:t>
             </a:r>
-            <a:endParaRPr sz="2400"/>
+            <a:endParaRPr sz="2000" dirty="0">
+              <a:latin typeface="PingFang TC" panose="020B0400000000000000" pitchFamily="34" charset="-120"/>
+              <a:ea typeface="PingFang TC" panose="020B0400000000000000" pitchFamily="34" charset="-120"/>
+            </a:endParaRPr>
           </a:p>
         </p:txBody>
       </p:sp>
@@ -11246,7 +13470,7 @@
         <p:spPr>
           <a:xfrm>
             <a:off x="2113200" y="5525100"/>
-            <a:ext cx="3449200" cy="678000"/>
+            <a:ext cx="3449200" cy="1269416"/>
           </a:xfrm>
           <a:prstGeom prst="rect">
             <a:avLst/>
@@ -11263,17 +13487,29 @@
           <a:lstStyle/>
           <a:p>
             <a:r>
-              <a:rPr lang="zh-TW" altLang="en-US" sz="2400"/>
+              <a:rPr lang="zh-TW" altLang="en-US" sz="2000" dirty="0">
+                <a:latin typeface="PingFang TC" panose="020B0400000000000000" pitchFamily="34" charset="-120"/>
+                <a:ea typeface="PingFang TC" panose="020B0400000000000000" pitchFamily="34" charset="-120"/>
+              </a:rPr>
               <a:t>每訓練完所有的資料</a:t>
             </a:r>
-            <a:endParaRPr sz="2400"/>
-          </a:p>
-          <a:p>
-            <a:r>
-              <a:rPr lang="zh-TW" altLang="en-US" sz="2400"/>
+            <a:endParaRPr sz="2000" dirty="0">
+              <a:latin typeface="PingFang TC" panose="020B0400000000000000" pitchFamily="34" charset="-120"/>
+              <a:ea typeface="PingFang TC" panose="020B0400000000000000" pitchFamily="34" charset="-120"/>
+            </a:endParaRPr>
+          </a:p>
+          <a:p>
+            <a:r>
+              <a:rPr lang="zh-TW" altLang="en-US" sz="2000" dirty="0">
+                <a:latin typeface="PingFang TC" panose="020B0400000000000000" pitchFamily="34" charset="-120"/>
+                <a:ea typeface="PingFang TC" panose="020B0400000000000000" pitchFamily="34" charset="-120"/>
+              </a:rPr>
               <a:t>就要重新打亂一次避免過擬和</a:t>
             </a:r>
-            <a:endParaRPr sz="2400"/>
+            <a:endParaRPr sz="2000" dirty="0">
+              <a:latin typeface="PingFang TC" panose="020B0400000000000000" pitchFamily="34" charset="-120"/>
+              <a:ea typeface="PingFang TC" panose="020B0400000000000000" pitchFamily="34" charset="-120"/>
+            </a:endParaRPr>
           </a:p>
         </p:txBody>
       </p:sp>
@@ -11370,6 +13606,61 @@
       </p:grpSpPr>
       <p:sp>
         <p:nvSpPr>
+          <p:cNvPr id="55" name="Rectangle 54">
+            <a:extLst>
+              <a:ext uri="{FF2B5EF4-FFF2-40B4-BE49-F238E27FC236}">
+                <a16:creationId xmlns:a16="http://schemas.microsoft.com/office/drawing/2014/main" id="{CD78A7A5-5B23-9848-9F84-5EDC171F8452}"/>
+              </a:ext>
+            </a:extLst>
+          </p:cNvPr>
+          <p:cNvSpPr/>
+          <p:nvPr/>
+        </p:nvSpPr>
+        <p:spPr>
+          <a:xfrm>
+            <a:off x="7953214" y="3180271"/>
+            <a:ext cx="645458" cy="3022898"/>
+          </a:xfrm>
+          <a:prstGeom prst="rect">
+            <a:avLst/>
+          </a:prstGeom>
+          <a:solidFill>
+            <a:schemeClr val="accent6">
+              <a:lumMod val="20000"/>
+              <a:lumOff val="80000"/>
+            </a:schemeClr>
+          </a:solidFill>
+          <a:ln>
+            <a:noFill/>
+          </a:ln>
+        </p:spPr>
+        <p:style>
+          <a:lnRef idx="2">
+            <a:schemeClr val="accent3">
+              <a:shade val="50000"/>
+            </a:schemeClr>
+          </a:lnRef>
+          <a:fillRef idx="1">
+            <a:schemeClr val="accent3"/>
+          </a:fillRef>
+          <a:effectRef idx="0">
+            <a:schemeClr val="accent3"/>
+          </a:effectRef>
+          <a:fontRef idx="minor">
+            <a:schemeClr val="lt1"/>
+          </a:fontRef>
+        </p:style>
+        <p:txBody>
+          <a:bodyPr rtlCol="0" anchor="ctr"/>
+          <a:lstStyle/>
+          <a:p>
+            <a:pPr algn="ctr"/>
+            <a:endParaRPr lang="en-US"/>
+          </a:p>
+        </p:txBody>
+      </p:sp>
+      <p:sp>
+        <p:nvSpPr>
           <p:cNvPr id="615" name="Google Shape;615;p96"/>
           <p:cNvSpPr txBox="1">
             <a:spLocks noGrp="1"/>
@@ -11394,10 +13685,16 @@
           <a:lstStyle/>
           <a:p>
             <a:r>
-              <a:rPr lang="zh-TW"/>
+              <a:rPr lang="zh-TW" dirty="0">
+                <a:latin typeface="PingFang TC" panose="020B0400000000000000" pitchFamily="34" charset="-120"/>
+                <a:ea typeface="PingFang TC" panose="020B0400000000000000" pitchFamily="34" charset="-120"/>
+              </a:rPr>
               <a:t>練習時間</a:t>
             </a:r>
-            <a:endParaRPr/>
+            <a:endParaRPr dirty="0">
+              <a:latin typeface="PingFang TC" panose="020B0400000000000000" pitchFamily="34" charset="-120"/>
+              <a:ea typeface="PingFang TC" panose="020B0400000000000000" pitchFamily="34" charset="-120"/>
+            </a:endParaRPr>
           </a:p>
         </p:txBody>
       </p:sp>
@@ -11409,7 +13706,7 @@
         </p:nvSpPr>
         <p:spPr>
           <a:xfrm>
-            <a:off x="644800" y="1418800"/>
+            <a:off x="644800" y="1087809"/>
             <a:ext cx="10902400" cy="755600"/>
           </a:xfrm>
           <a:prstGeom prst="rect">
@@ -11437,33 +13734,41 @@
               <a:buChar char="●"/>
             </a:pPr>
             <a:r>
-              <a:rPr lang="zh-TW" altLang="en-US" sz="2400">
+              <a:rPr lang="zh-TW" altLang="en-US" sz="2400" dirty="0">
                 <a:solidFill>
                   <a:srgbClr val="1A1A1A"/>
                 </a:solidFill>
+                <a:latin typeface="PingFang TC" panose="020B0400000000000000" pitchFamily="34" charset="-120"/>
+                <a:ea typeface="PingFang TC" panose="020B0400000000000000" pitchFamily="34" charset="-120"/>
               </a:rPr>
               <a:t>嘗試利用方法一疊出三層隱藏層都為</a:t>
             </a:r>
             <a:r>
-              <a:rPr lang="en-US" altLang="zh-TW" sz="2400">
+              <a:rPr lang="en-US" altLang="zh-TW" sz="2400" dirty="0">
                 <a:solidFill>
                   <a:srgbClr val="1A1A1A"/>
                 </a:solidFill>
+                <a:latin typeface="PingFang TC" panose="020B0400000000000000" pitchFamily="34" charset="-120"/>
+                <a:ea typeface="PingFang TC" panose="020B0400000000000000" pitchFamily="34" charset="-120"/>
               </a:rPr>
               <a:t>25</a:t>
             </a:r>
             <a:r>
-              <a:rPr lang="zh-TW" altLang="en-US" sz="2400">
+              <a:rPr lang="zh-TW" altLang="en-US" sz="2400" dirty="0">
                 <a:solidFill>
                   <a:srgbClr val="1A1A1A"/>
                 </a:solidFill>
+                <a:latin typeface="PingFang TC" panose="020B0400000000000000" pitchFamily="34" charset="-120"/>
+                <a:ea typeface="PingFang TC" panose="020B0400000000000000" pitchFamily="34" charset="-120"/>
               </a:rPr>
               <a:t>維的神經網路</a:t>
             </a:r>
-            <a:endParaRPr sz="2400">
+            <a:endParaRPr sz="2400" dirty="0">
               <a:solidFill>
                 <a:srgbClr val="1A1A1A"/>
               </a:solidFill>
+              <a:latin typeface="PingFang TC" panose="020B0400000000000000" pitchFamily="34" charset="-120"/>
+              <a:ea typeface="PingFang TC" panose="020B0400000000000000" pitchFamily="34" charset="-120"/>
             </a:endParaRPr>
           </a:p>
           <a:p>
@@ -11478,65 +13783,3411 @@
               <a:buChar char="●"/>
             </a:pPr>
             <a:r>
-              <a:rPr lang="zh-TW" altLang="en-US" sz="2400">
+              <a:rPr lang="zh-TW" altLang="en-US" sz="2400" dirty="0">
                 <a:solidFill>
                   <a:srgbClr val="1A1A1A"/>
                 </a:solidFill>
+                <a:latin typeface="PingFang TC" panose="020B0400000000000000" pitchFamily="34" charset="-120"/>
+                <a:ea typeface="PingFang TC" panose="020B0400000000000000" pitchFamily="34" charset="-120"/>
               </a:rPr>
               <a:t>嘗試利用方法二疊出三層隱藏層都為</a:t>
             </a:r>
             <a:r>
-              <a:rPr lang="en-US" altLang="zh-TW" sz="2400">
+              <a:rPr lang="en-US" altLang="zh-TW" sz="2400" dirty="0">
                 <a:solidFill>
                   <a:srgbClr val="1A1A1A"/>
                 </a:solidFill>
+                <a:latin typeface="PingFang TC" panose="020B0400000000000000" pitchFamily="34" charset="-120"/>
+                <a:ea typeface="PingFang TC" panose="020B0400000000000000" pitchFamily="34" charset="-120"/>
               </a:rPr>
               <a:t>25</a:t>
             </a:r>
             <a:r>
-              <a:rPr lang="zh-TW" altLang="en-US" sz="2400">
+              <a:rPr lang="zh-TW" altLang="en-US" sz="2400" dirty="0">
                 <a:solidFill>
                   <a:srgbClr val="1A1A1A"/>
                 </a:solidFill>
+                <a:latin typeface="PingFang TC" panose="020B0400000000000000" pitchFamily="34" charset="-120"/>
+                <a:ea typeface="PingFang TC" panose="020B0400000000000000" pitchFamily="34" charset="-120"/>
               </a:rPr>
               <a:t>維的神經網路</a:t>
             </a:r>
-            <a:endParaRPr sz="2400">
+            <a:endParaRPr sz="2400" dirty="0">
               <a:solidFill>
                 <a:srgbClr val="1A1A1A"/>
               </a:solidFill>
+              <a:latin typeface="PingFang TC" panose="020B0400000000000000" pitchFamily="34" charset="-120"/>
+              <a:ea typeface="PingFang TC" panose="020B0400000000000000" pitchFamily="34" charset="-120"/>
             </a:endParaRPr>
           </a:p>
         </p:txBody>
       </p:sp>
-      <p:pic>
-        <p:nvPicPr>
-          <p:cNvPr id="617" name="Google Shape;617;p96"/>
-          <p:cNvPicPr preferRelativeResize="0"/>
+      <p:sp>
+        <p:nvSpPr>
+          <p:cNvPr id="5" name="Rectangle 4">
+            <a:extLst>
+              <a:ext uri="{FF2B5EF4-FFF2-40B4-BE49-F238E27FC236}">
+                <a16:creationId xmlns:a16="http://schemas.microsoft.com/office/drawing/2014/main" id="{8E8AAA74-7217-1449-8935-99376427471D}"/>
+              </a:ext>
+            </a:extLst>
+          </p:cNvPr>
+          <p:cNvSpPr/>
           <p:nvPr/>
-        </p:nvPicPr>
-        <p:blipFill>
-          <a:blip r:embed="rId3">
-            <a:alphaModFix/>
-          </a:blip>
-          <a:stretch>
-            <a:fillRect/>
-          </a:stretch>
-        </p:blipFill>
-        <p:spPr>
-          <a:xfrm>
-            <a:off x="2003951" y="2551833"/>
-            <a:ext cx="7857099" cy="3542067"/>
+        </p:nvSpPr>
+        <p:spPr>
+          <a:xfrm>
+            <a:off x="1492018" y="3154048"/>
+            <a:ext cx="645458" cy="3022898"/>
           </a:xfrm>
           <a:prstGeom prst="rect">
             <a:avLst/>
           </a:prstGeom>
-          <a:noFill/>
+          <a:solidFill>
+            <a:schemeClr val="accent5">
+              <a:lumMod val="20000"/>
+              <a:lumOff val="80000"/>
+            </a:schemeClr>
+          </a:solidFill>
           <a:ln>
             <a:noFill/>
           </a:ln>
         </p:spPr>
-      </p:pic>
+        <p:style>
+          <a:lnRef idx="2">
+            <a:schemeClr val="accent3">
+              <a:shade val="50000"/>
+            </a:schemeClr>
+          </a:lnRef>
+          <a:fillRef idx="1">
+            <a:schemeClr val="accent3"/>
+          </a:fillRef>
+          <a:effectRef idx="0">
+            <a:schemeClr val="accent3"/>
+          </a:effectRef>
+          <a:fontRef idx="minor">
+            <a:schemeClr val="lt1"/>
+          </a:fontRef>
+        </p:style>
+        <p:txBody>
+          <a:bodyPr rtlCol="0" anchor="ctr"/>
+          <a:lstStyle/>
+          <a:p>
+            <a:pPr algn="ctr"/>
+            <a:endParaRPr lang="en-US"/>
+          </a:p>
+        </p:txBody>
+      </p:sp>
+      <p:sp>
+        <p:nvSpPr>
+          <p:cNvPr id="6" name="Rectangle 5">
+            <a:extLst>
+              <a:ext uri="{FF2B5EF4-FFF2-40B4-BE49-F238E27FC236}">
+                <a16:creationId xmlns:a16="http://schemas.microsoft.com/office/drawing/2014/main" id="{B976F559-574E-8449-8E65-0193DC4E7746}"/>
+              </a:ext>
+            </a:extLst>
+          </p:cNvPr>
+          <p:cNvSpPr/>
+          <p:nvPr/>
+        </p:nvSpPr>
+        <p:spPr>
+          <a:xfrm>
+            <a:off x="3645342" y="3154048"/>
+            <a:ext cx="645458" cy="3022898"/>
+          </a:xfrm>
+          <a:prstGeom prst="rect">
+            <a:avLst/>
+          </a:prstGeom>
+          <a:solidFill>
+            <a:schemeClr val="accent6">
+              <a:lumMod val="20000"/>
+              <a:lumOff val="80000"/>
+            </a:schemeClr>
+          </a:solidFill>
+          <a:ln>
+            <a:noFill/>
+          </a:ln>
+        </p:spPr>
+        <p:style>
+          <a:lnRef idx="2">
+            <a:schemeClr val="accent3">
+              <a:shade val="50000"/>
+            </a:schemeClr>
+          </a:lnRef>
+          <a:fillRef idx="1">
+            <a:schemeClr val="accent3"/>
+          </a:fillRef>
+          <a:effectRef idx="0">
+            <a:schemeClr val="accent3"/>
+          </a:effectRef>
+          <a:fontRef idx="minor">
+            <a:schemeClr val="lt1"/>
+          </a:fontRef>
+        </p:style>
+        <p:txBody>
+          <a:bodyPr rtlCol="0" anchor="ctr"/>
+          <a:lstStyle/>
+          <a:p>
+            <a:pPr algn="ctr"/>
+            <a:endParaRPr lang="en-US"/>
+          </a:p>
+        </p:txBody>
+      </p:sp>
+      <p:sp>
+        <p:nvSpPr>
+          <p:cNvPr id="7" name="Rectangle 6">
+            <a:extLst>
+              <a:ext uri="{FF2B5EF4-FFF2-40B4-BE49-F238E27FC236}">
+                <a16:creationId xmlns:a16="http://schemas.microsoft.com/office/drawing/2014/main" id="{DCB50624-4EAA-AE48-8FF2-510DB5267AD1}"/>
+              </a:ext>
+            </a:extLst>
+          </p:cNvPr>
+          <p:cNvSpPr/>
+          <p:nvPr/>
+        </p:nvSpPr>
+        <p:spPr>
+          <a:xfrm>
+            <a:off x="10106638" y="3172152"/>
+            <a:ext cx="645458" cy="3022898"/>
+          </a:xfrm>
+          <a:prstGeom prst="rect">
+            <a:avLst/>
+          </a:prstGeom>
+          <a:solidFill>
+            <a:schemeClr val="accent2">
+              <a:lumMod val="20000"/>
+              <a:lumOff val="80000"/>
+            </a:schemeClr>
+          </a:solidFill>
+          <a:ln>
+            <a:noFill/>
+          </a:ln>
+        </p:spPr>
+        <p:style>
+          <a:lnRef idx="2">
+            <a:schemeClr val="accent3">
+              <a:shade val="50000"/>
+            </a:schemeClr>
+          </a:lnRef>
+          <a:fillRef idx="1">
+            <a:schemeClr val="accent3"/>
+          </a:fillRef>
+          <a:effectRef idx="0">
+            <a:schemeClr val="accent3"/>
+          </a:effectRef>
+          <a:fontRef idx="minor">
+            <a:schemeClr val="lt1"/>
+          </a:fontRef>
+        </p:style>
+        <p:txBody>
+          <a:bodyPr rtlCol="0" anchor="ctr"/>
+          <a:lstStyle/>
+          <a:p>
+            <a:pPr algn="ctr"/>
+            <a:endParaRPr lang="en-US"/>
+          </a:p>
+        </p:txBody>
+      </p:sp>
+      <p:sp>
+        <p:nvSpPr>
+          <p:cNvPr id="8" name="Oval 7">
+            <a:extLst>
+              <a:ext uri="{FF2B5EF4-FFF2-40B4-BE49-F238E27FC236}">
+                <a16:creationId xmlns:a16="http://schemas.microsoft.com/office/drawing/2014/main" id="{2DD9C521-9C96-0941-B2CF-5DFFD96B361C}"/>
+              </a:ext>
+            </a:extLst>
+          </p:cNvPr>
+          <p:cNvSpPr/>
+          <p:nvPr/>
+        </p:nvSpPr>
+        <p:spPr>
+          <a:xfrm>
+            <a:off x="1580747" y="3345650"/>
+            <a:ext cx="468000" cy="468000"/>
+          </a:xfrm>
+          <a:prstGeom prst="ellipse">
+            <a:avLst/>
+          </a:prstGeom>
+          <a:solidFill>
+            <a:schemeClr val="bg1"/>
+          </a:solidFill>
+          <a:ln>
+            <a:solidFill>
+              <a:schemeClr val="tx1"/>
+            </a:solidFill>
+          </a:ln>
+        </p:spPr>
+        <p:style>
+          <a:lnRef idx="2">
+            <a:schemeClr val="accent1">
+              <a:shade val="50000"/>
+            </a:schemeClr>
+          </a:lnRef>
+          <a:fillRef idx="1">
+            <a:schemeClr val="accent1"/>
+          </a:fillRef>
+          <a:effectRef idx="0">
+            <a:schemeClr val="accent1"/>
+          </a:effectRef>
+          <a:fontRef idx="minor">
+            <a:schemeClr val="lt1"/>
+          </a:fontRef>
+        </p:style>
+        <p:txBody>
+          <a:bodyPr rtlCol="0" anchor="ctr"/>
+          <a:lstStyle/>
+          <a:p>
+            <a:pPr algn="ctr"/>
+            <a:endParaRPr lang="en-US"/>
+          </a:p>
+        </p:txBody>
+      </p:sp>
+      <p:sp>
+        <p:nvSpPr>
+          <p:cNvPr id="9" name="Oval 8">
+            <a:extLst>
+              <a:ext uri="{FF2B5EF4-FFF2-40B4-BE49-F238E27FC236}">
+                <a16:creationId xmlns:a16="http://schemas.microsoft.com/office/drawing/2014/main" id="{475737A1-53F5-9A40-A6ED-C8B6C541AC5F}"/>
+              </a:ext>
+            </a:extLst>
+          </p:cNvPr>
+          <p:cNvSpPr/>
+          <p:nvPr/>
+        </p:nvSpPr>
+        <p:spPr>
+          <a:xfrm>
+            <a:off x="1580747" y="3896304"/>
+            <a:ext cx="468000" cy="468000"/>
+          </a:xfrm>
+          <a:prstGeom prst="ellipse">
+            <a:avLst/>
+          </a:prstGeom>
+          <a:solidFill>
+            <a:schemeClr val="bg1"/>
+          </a:solidFill>
+          <a:ln>
+            <a:solidFill>
+              <a:schemeClr val="tx1"/>
+            </a:solidFill>
+          </a:ln>
+        </p:spPr>
+        <p:style>
+          <a:lnRef idx="2">
+            <a:schemeClr val="accent1">
+              <a:shade val="50000"/>
+            </a:schemeClr>
+          </a:lnRef>
+          <a:fillRef idx="1">
+            <a:schemeClr val="accent1"/>
+          </a:fillRef>
+          <a:effectRef idx="0">
+            <a:schemeClr val="accent1"/>
+          </a:effectRef>
+          <a:fontRef idx="minor">
+            <a:schemeClr val="lt1"/>
+          </a:fontRef>
+        </p:style>
+        <p:txBody>
+          <a:bodyPr rtlCol="0" anchor="ctr"/>
+          <a:lstStyle/>
+          <a:p>
+            <a:pPr algn="ctr"/>
+            <a:endParaRPr lang="en-US"/>
+          </a:p>
+        </p:txBody>
+      </p:sp>
+      <p:sp>
+        <p:nvSpPr>
+          <p:cNvPr id="10" name="Oval 9">
+            <a:extLst>
+              <a:ext uri="{FF2B5EF4-FFF2-40B4-BE49-F238E27FC236}">
+                <a16:creationId xmlns:a16="http://schemas.microsoft.com/office/drawing/2014/main" id="{C7C53765-65C2-AC4C-884D-B973104B92A1}"/>
+              </a:ext>
+            </a:extLst>
+          </p:cNvPr>
+          <p:cNvSpPr/>
+          <p:nvPr/>
+        </p:nvSpPr>
+        <p:spPr>
+          <a:xfrm>
+            <a:off x="1580747" y="5516273"/>
+            <a:ext cx="468000" cy="468000"/>
+          </a:xfrm>
+          <a:prstGeom prst="ellipse">
+            <a:avLst/>
+          </a:prstGeom>
+          <a:solidFill>
+            <a:schemeClr val="bg1"/>
+          </a:solidFill>
+          <a:ln>
+            <a:solidFill>
+              <a:schemeClr val="tx1"/>
+            </a:solidFill>
+          </a:ln>
+        </p:spPr>
+        <p:style>
+          <a:lnRef idx="2">
+            <a:schemeClr val="accent1">
+              <a:shade val="50000"/>
+            </a:schemeClr>
+          </a:lnRef>
+          <a:fillRef idx="1">
+            <a:schemeClr val="accent1"/>
+          </a:fillRef>
+          <a:effectRef idx="0">
+            <a:schemeClr val="accent1"/>
+          </a:effectRef>
+          <a:fontRef idx="minor">
+            <a:schemeClr val="lt1"/>
+          </a:fontRef>
+        </p:style>
+        <p:txBody>
+          <a:bodyPr rtlCol="0" anchor="ctr"/>
+          <a:lstStyle/>
+          <a:p>
+            <a:pPr algn="ctr"/>
+            <a:endParaRPr lang="en-US"/>
+          </a:p>
+        </p:txBody>
+      </p:sp>
+      <p:sp>
+        <p:nvSpPr>
+          <p:cNvPr id="11" name="Rectangle 10">
+            <a:extLst>
+              <a:ext uri="{FF2B5EF4-FFF2-40B4-BE49-F238E27FC236}">
+                <a16:creationId xmlns:a16="http://schemas.microsoft.com/office/drawing/2014/main" id="{C2B8311D-1EC7-2C4F-B9DD-8107A1D0D1EE}"/>
+              </a:ext>
+            </a:extLst>
+          </p:cNvPr>
+          <p:cNvSpPr/>
+          <p:nvPr/>
+        </p:nvSpPr>
+        <p:spPr>
+          <a:xfrm>
+            <a:off x="1691957" y="4280116"/>
+            <a:ext cx="245580" cy="1200329"/>
+          </a:xfrm>
+          <a:prstGeom prst="rect">
+            <a:avLst/>
+          </a:prstGeom>
+        </p:spPr>
+        <p:txBody>
+          <a:bodyPr wrap="none">
+            <a:spAutoFit/>
+          </a:bodyPr>
+          <a:lstStyle/>
+          <a:p>
+            <a:r>
+              <a:rPr lang="en-US" altLang="zh-TW" dirty="0">
+                <a:solidFill>
+                  <a:srgbClr val="1A1A1A"/>
+                </a:solidFill>
+                <a:latin typeface="PingFang TC" panose="020B0400000000000000" pitchFamily="34" charset="-120"/>
+                <a:ea typeface="PingFang TC" panose="020B0400000000000000" pitchFamily="34" charset="-120"/>
+              </a:rPr>
+              <a:t>.</a:t>
+            </a:r>
+          </a:p>
+          <a:p>
+            <a:r>
+              <a:rPr lang="en-US" dirty="0">
+                <a:solidFill>
+                  <a:srgbClr val="1A1A1A"/>
+                </a:solidFill>
+                <a:latin typeface="PingFang TC" panose="020B0400000000000000" pitchFamily="34" charset="-120"/>
+                <a:ea typeface="PingFang TC" panose="020B0400000000000000" pitchFamily="34" charset="-120"/>
+              </a:rPr>
+              <a:t>.</a:t>
+            </a:r>
+          </a:p>
+          <a:p>
+            <a:r>
+              <a:rPr lang="en-US" dirty="0">
+                <a:solidFill>
+                  <a:srgbClr val="1A1A1A"/>
+                </a:solidFill>
+                <a:latin typeface="PingFang TC" panose="020B0400000000000000" pitchFamily="34" charset="-120"/>
+                <a:ea typeface="PingFang TC" panose="020B0400000000000000" pitchFamily="34" charset="-120"/>
+              </a:rPr>
+              <a:t>.</a:t>
+            </a:r>
+          </a:p>
+          <a:p>
+            <a:r>
+              <a:rPr lang="en-US" dirty="0">
+                <a:solidFill>
+                  <a:srgbClr val="1A1A1A"/>
+                </a:solidFill>
+                <a:latin typeface="PingFang TC" panose="020B0400000000000000" pitchFamily="34" charset="-120"/>
+                <a:ea typeface="PingFang TC" panose="020B0400000000000000" pitchFamily="34" charset="-120"/>
+              </a:rPr>
+              <a:t>.</a:t>
+            </a:r>
+            <a:endParaRPr lang="en-US" dirty="0"/>
+          </a:p>
+        </p:txBody>
+      </p:sp>
+      <p:sp>
+        <p:nvSpPr>
+          <p:cNvPr id="12" name="Oval 11">
+            <a:extLst>
+              <a:ext uri="{FF2B5EF4-FFF2-40B4-BE49-F238E27FC236}">
+                <a16:creationId xmlns:a16="http://schemas.microsoft.com/office/drawing/2014/main" id="{F88D59C5-D952-544D-9135-9784245605DC}"/>
+              </a:ext>
+            </a:extLst>
+          </p:cNvPr>
+          <p:cNvSpPr/>
+          <p:nvPr/>
+        </p:nvSpPr>
+        <p:spPr>
+          <a:xfrm>
+            <a:off x="3731839" y="3345650"/>
+            <a:ext cx="468000" cy="468000"/>
+          </a:xfrm>
+          <a:prstGeom prst="ellipse">
+            <a:avLst/>
+          </a:prstGeom>
+          <a:solidFill>
+            <a:schemeClr val="bg1"/>
+          </a:solidFill>
+          <a:ln>
+            <a:solidFill>
+              <a:schemeClr val="tx1"/>
+            </a:solidFill>
+          </a:ln>
+        </p:spPr>
+        <p:style>
+          <a:lnRef idx="2">
+            <a:schemeClr val="accent1">
+              <a:shade val="50000"/>
+            </a:schemeClr>
+          </a:lnRef>
+          <a:fillRef idx="1">
+            <a:schemeClr val="accent1"/>
+          </a:fillRef>
+          <a:effectRef idx="0">
+            <a:schemeClr val="accent1"/>
+          </a:effectRef>
+          <a:fontRef idx="minor">
+            <a:schemeClr val="lt1"/>
+          </a:fontRef>
+        </p:style>
+        <p:txBody>
+          <a:bodyPr rtlCol="0" anchor="ctr"/>
+          <a:lstStyle/>
+          <a:p>
+            <a:pPr algn="ctr"/>
+            <a:endParaRPr lang="en-US"/>
+          </a:p>
+        </p:txBody>
+      </p:sp>
+      <p:sp>
+        <p:nvSpPr>
+          <p:cNvPr id="13" name="Oval 12">
+            <a:extLst>
+              <a:ext uri="{FF2B5EF4-FFF2-40B4-BE49-F238E27FC236}">
+                <a16:creationId xmlns:a16="http://schemas.microsoft.com/office/drawing/2014/main" id="{6D32291E-6398-0E4E-8234-0AB5A005D8A9}"/>
+              </a:ext>
+            </a:extLst>
+          </p:cNvPr>
+          <p:cNvSpPr/>
+          <p:nvPr/>
+        </p:nvSpPr>
+        <p:spPr>
+          <a:xfrm>
+            <a:off x="3731839" y="3896304"/>
+            <a:ext cx="468000" cy="468000"/>
+          </a:xfrm>
+          <a:prstGeom prst="ellipse">
+            <a:avLst/>
+          </a:prstGeom>
+          <a:solidFill>
+            <a:schemeClr val="bg1"/>
+          </a:solidFill>
+          <a:ln>
+            <a:solidFill>
+              <a:schemeClr val="tx1"/>
+            </a:solidFill>
+          </a:ln>
+        </p:spPr>
+        <p:style>
+          <a:lnRef idx="2">
+            <a:schemeClr val="accent1">
+              <a:shade val="50000"/>
+            </a:schemeClr>
+          </a:lnRef>
+          <a:fillRef idx="1">
+            <a:schemeClr val="accent1"/>
+          </a:fillRef>
+          <a:effectRef idx="0">
+            <a:schemeClr val="accent1"/>
+          </a:effectRef>
+          <a:fontRef idx="minor">
+            <a:schemeClr val="lt1"/>
+          </a:fontRef>
+        </p:style>
+        <p:txBody>
+          <a:bodyPr rtlCol="0" anchor="ctr"/>
+          <a:lstStyle/>
+          <a:p>
+            <a:pPr algn="ctr"/>
+            <a:endParaRPr lang="en-US"/>
+          </a:p>
+        </p:txBody>
+      </p:sp>
+      <p:sp>
+        <p:nvSpPr>
+          <p:cNvPr id="14" name="Oval 13">
+            <a:extLst>
+              <a:ext uri="{FF2B5EF4-FFF2-40B4-BE49-F238E27FC236}">
+                <a16:creationId xmlns:a16="http://schemas.microsoft.com/office/drawing/2014/main" id="{90695AD6-CD52-C540-B3F7-0AF95A573A04}"/>
+              </a:ext>
+            </a:extLst>
+          </p:cNvPr>
+          <p:cNvSpPr/>
+          <p:nvPr/>
+        </p:nvSpPr>
+        <p:spPr>
+          <a:xfrm>
+            <a:off x="3731839" y="5516273"/>
+            <a:ext cx="468000" cy="468000"/>
+          </a:xfrm>
+          <a:prstGeom prst="ellipse">
+            <a:avLst/>
+          </a:prstGeom>
+          <a:solidFill>
+            <a:schemeClr val="bg1"/>
+          </a:solidFill>
+          <a:ln>
+            <a:solidFill>
+              <a:schemeClr val="tx1"/>
+            </a:solidFill>
+          </a:ln>
+        </p:spPr>
+        <p:style>
+          <a:lnRef idx="2">
+            <a:schemeClr val="accent1">
+              <a:shade val="50000"/>
+            </a:schemeClr>
+          </a:lnRef>
+          <a:fillRef idx="1">
+            <a:schemeClr val="accent1"/>
+          </a:fillRef>
+          <a:effectRef idx="0">
+            <a:schemeClr val="accent1"/>
+          </a:effectRef>
+          <a:fontRef idx="minor">
+            <a:schemeClr val="lt1"/>
+          </a:fontRef>
+        </p:style>
+        <p:txBody>
+          <a:bodyPr rtlCol="0" anchor="ctr"/>
+          <a:lstStyle/>
+          <a:p>
+            <a:pPr algn="ctr"/>
+            <a:endParaRPr lang="en-US"/>
+          </a:p>
+        </p:txBody>
+      </p:sp>
+      <p:sp>
+        <p:nvSpPr>
+          <p:cNvPr id="15" name="Rectangle 14">
+            <a:extLst>
+              <a:ext uri="{FF2B5EF4-FFF2-40B4-BE49-F238E27FC236}">
+                <a16:creationId xmlns:a16="http://schemas.microsoft.com/office/drawing/2014/main" id="{C280E316-AE75-104B-B415-A050E932C32E}"/>
+              </a:ext>
+            </a:extLst>
+          </p:cNvPr>
+          <p:cNvSpPr/>
+          <p:nvPr/>
+        </p:nvSpPr>
+        <p:spPr>
+          <a:xfrm>
+            <a:off x="3843049" y="4280116"/>
+            <a:ext cx="245580" cy="1200329"/>
+          </a:xfrm>
+          <a:prstGeom prst="rect">
+            <a:avLst/>
+          </a:prstGeom>
+        </p:spPr>
+        <p:txBody>
+          <a:bodyPr wrap="none">
+            <a:spAutoFit/>
+          </a:bodyPr>
+          <a:lstStyle/>
+          <a:p>
+            <a:r>
+              <a:rPr lang="en-US" altLang="zh-TW" dirty="0">
+                <a:solidFill>
+                  <a:srgbClr val="1A1A1A"/>
+                </a:solidFill>
+                <a:latin typeface="PingFang TC" panose="020B0400000000000000" pitchFamily="34" charset="-120"/>
+                <a:ea typeface="PingFang TC" panose="020B0400000000000000" pitchFamily="34" charset="-120"/>
+              </a:rPr>
+              <a:t>.</a:t>
+            </a:r>
+          </a:p>
+          <a:p>
+            <a:r>
+              <a:rPr lang="en-US" dirty="0">
+                <a:solidFill>
+                  <a:srgbClr val="1A1A1A"/>
+                </a:solidFill>
+                <a:latin typeface="PingFang TC" panose="020B0400000000000000" pitchFamily="34" charset="-120"/>
+                <a:ea typeface="PingFang TC" panose="020B0400000000000000" pitchFamily="34" charset="-120"/>
+              </a:rPr>
+              <a:t>.</a:t>
+            </a:r>
+          </a:p>
+          <a:p>
+            <a:r>
+              <a:rPr lang="en-US" dirty="0">
+                <a:solidFill>
+                  <a:srgbClr val="1A1A1A"/>
+                </a:solidFill>
+                <a:latin typeface="PingFang TC" panose="020B0400000000000000" pitchFamily="34" charset="-120"/>
+                <a:ea typeface="PingFang TC" panose="020B0400000000000000" pitchFamily="34" charset="-120"/>
+              </a:rPr>
+              <a:t>.</a:t>
+            </a:r>
+          </a:p>
+          <a:p>
+            <a:r>
+              <a:rPr lang="en-US" dirty="0">
+                <a:solidFill>
+                  <a:srgbClr val="1A1A1A"/>
+                </a:solidFill>
+                <a:latin typeface="PingFang TC" panose="020B0400000000000000" pitchFamily="34" charset="-120"/>
+                <a:ea typeface="PingFang TC" panose="020B0400000000000000" pitchFamily="34" charset="-120"/>
+              </a:rPr>
+              <a:t>.</a:t>
+            </a:r>
+            <a:endParaRPr lang="en-US" dirty="0"/>
+          </a:p>
+        </p:txBody>
+      </p:sp>
+      <p:sp>
+        <p:nvSpPr>
+          <p:cNvPr id="16" name="Oval 15">
+            <a:extLst>
+              <a:ext uri="{FF2B5EF4-FFF2-40B4-BE49-F238E27FC236}">
+                <a16:creationId xmlns:a16="http://schemas.microsoft.com/office/drawing/2014/main" id="{B8CCC3FF-6FF4-B441-8296-783C6A8E7167}"/>
+              </a:ext>
+            </a:extLst>
+          </p:cNvPr>
+          <p:cNvSpPr/>
+          <p:nvPr/>
+        </p:nvSpPr>
+        <p:spPr>
+          <a:xfrm>
+            <a:off x="10193137" y="3363754"/>
+            <a:ext cx="468000" cy="468000"/>
+          </a:xfrm>
+          <a:prstGeom prst="ellipse">
+            <a:avLst/>
+          </a:prstGeom>
+          <a:solidFill>
+            <a:schemeClr val="bg1"/>
+          </a:solidFill>
+          <a:ln>
+            <a:solidFill>
+              <a:schemeClr val="tx1"/>
+            </a:solidFill>
+          </a:ln>
+        </p:spPr>
+        <p:style>
+          <a:lnRef idx="2">
+            <a:schemeClr val="accent1">
+              <a:shade val="50000"/>
+            </a:schemeClr>
+          </a:lnRef>
+          <a:fillRef idx="1">
+            <a:schemeClr val="accent1"/>
+          </a:fillRef>
+          <a:effectRef idx="0">
+            <a:schemeClr val="accent1"/>
+          </a:effectRef>
+          <a:fontRef idx="minor">
+            <a:schemeClr val="lt1"/>
+          </a:fontRef>
+        </p:style>
+        <p:txBody>
+          <a:bodyPr rtlCol="0" anchor="ctr"/>
+          <a:lstStyle/>
+          <a:p>
+            <a:pPr algn="ctr"/>
+            <a:endParaRPr lang="en-US"/>
+          </a:p>
+        </p:txBody>
+      </p:sp>
+      <p:sp>
+        <p:nvSpPr>
+          <p:cNvPr id="17" name="Oval 16">
+            <a:extLst>
+              <a:ext uri="{FF2B5EF4-FFF2-40B4-BE49-F238E27FC236}">
+                <a16:creationId xmlns:a16="http://schemas.microsoft.com/office/drawing/2014/main" id="{88F588A4-9D99-BA41-844A-E385634CD0B8}"/>
+              </a:ext>
+            </a:extLst>
+          </p:cNvPr>
+          <p:cNvSpPr/>
+          <p:nvPr/>
+        </p:nvSpPr>
+        <p:spPr>
+          <a:xfrm>
+            <a:off x="10193137" y="3914408"/>
+            <a:ext cx="468000" cy="468000"/>
+          </a:xfrm>
+          <a:prstGeom prst="ellipse">
+            <a:avLst/>
+          </a:prstGeom>
+          <a:solidFill>
+            <a:schemeClr val="bg1"/>
+          </a:solidFill>
+          <a:ln>
+            <a:solidFill>
+              <a:schemeClr val="tx1"/>
+            </a:solidFill>
+          </a:ln>
+        </p:spPr>
+        <p:style>
+          <a:lnRef idx="2">
+            <a:schemeClr val="accent1">
+              <a:shade val="50000"/>
+            </a:schemeClr>
+          </a:lnRef>
+          <a:fillRef idx="1">
+            <a:schemeClr val="accent1"/>
+          </a:fillRef>
+          <a:effectRef idx="0">
+            <a:schemeClr val="accent1"/>
+          </a:effectRef>
+          <a:fontRef idx="minor">
+            <a:schemeClr val="lt1"/>
+          </a:fontRef>
+        </p:style>
+        <p:txBody>
+          <a:bodyPr rtlCol="0" anchor="ctr"/>
+          <a:lstStyle/>
+          <a:p>
+            <a:pPr algn="ctr"/>
+            <a:endParaRPr lang="en-US"/>
+          </a:p>
+        </p:txBody>
+      </p:sp>
+      <p:sp>
+        <p:nvSpPr>
+          <p:cNvPr id="18" name="Oval 17">
+            <a:extLst>
+              <a:ext uri="{FF2B5EF4-FFF2-40B4-BE49-F238E27FC236}">
+                <a16:creationId xmlns:a16="http://schemas.microsoft.com/office/drawing/2014/main" id="{50525391-4C6A-B54F-A155-EF94C17A0327}"/>
+              </a:ext>
+            </a:extLst>
+          </p:cNvPr>
+          <p:cNvSpPr/>
+          <p:nvPr/>
+        </p:nvSpPr>
+        <p:spPr>
+          <a:xfrm>
+            <a:off x="10193137" y="5534377"/>
+            <a:ext cx="468000" cy="468000"/>
+          </a:xfrm>
+          <a:prstGeom prst="ellipse">
+            <a:avLst/>
+          </a:prstGeom>
+          <a:solidFill>
+            <a:schemeClr val="bg1"/>
+          </a:solidFill>
+          <a:ln>
+            <a:solidFill>
+              <a:schemeClr val="tx1"/>
+            </a:solidFill>
+          </a:ln>
+        </p:spPr>
+        <p:style>
+          <a:lnRef idx="2">
+            <a:schemeClr val="accent1">
+              <a:shade val="50000"/>
+            </a:schemeClr>
+          </a:lnRef>
+          <a:fillRef idx="1">
+            <a:schemeClr val="accent1"/>
+          </a:fillRef>
+          <a:effectRef idx="0">
+            <a:schemeClr val="accent1"/>
+          </a:effectRef>
+          <a:fontRef idx="minor">
+            <a:schemeClr val="lt1"/>
+          </a:fontRef>
+        </p:style>
+        <p:txBody>
+          <a:bodyPr rtlCol="0" anchor="ctr"/>
+          <a:lstStyle/>
+          <a:p>
+            <a:pPr algn="ctr"/>
+            <a:endParaRPr lang="en-US"/>
+          </a:p>
+        </p:txBody>
+      </p:sp>
+      <p:sp>
+        <p:nvSpPr>
+          <p:cNvPr id="19" name="Rectangle 18">
+            <a:extLst>
+              <a:ext uri="{FF2B5EF4-FFF2-40B4-BE49-F238E27FC236}">
+                <a16:creationId xmlns:a16="http://schemas.microsoft.com/office/drawing/2014/main" id="{33302B9F-B961-1847-B2A7-09109B926A68}"/>
+              </a:ext>
+            </a:extLst>
+          </p:cNvPr>
+          <p:cNvSpPr/>
+          <p:nvPr/>
+        </p:nvSpPr>
+        <p:spPr>
+          <a:xfrm>
+            <a:off x="10304347" y="4298220"/>
+            <a:ext cx="245580" cy="1200329"/>
+          </a:xfrm>
+          <a:prstGeom prst="rect">
+            <a:avLst/>
+          </a:prstGeom>
+        </p:spPr>
+        <p:txBody>
+          <a:bodyPr wrap="none">
+            <a:spAutoFit/>
+          </a:bodyPr>
+          <a:lstStyle/>
+          <a:p>
+            <a:r>
+              <a:rPr lang="en-US" altLang="zh-TW" dirty="0">
+                <a:solidFill>
+                  <a:srgbClr val="1A1A1A"/>
+                </a:solidFill>
+                <a:latin typeface="PingFang TC" panose="020B0400000000000000" pitchFamily="34" charset="-120"/>
+                <a:ea typeface="PingFang TC" panose="020B0400000000000000" pitchFamily="34" charset="-120"/>
+              </a:rPr>
+              <a:t>.</a:t>
+            </a:r>
+          </a:p>
+          <a:p>
+            <a:r>
+              <a:rPr lang="en-US" dirty="0">
+                <a:solidFill>
+                  <a:srgbClr val="1A1A1A"/>
+                </a:solidFill>
+                <a:latin typeface="PingFang TC" panose="020B0400000000000000" pitchFamily="34" charset="-120"/>
+                <a:ea typeface="PingFang TC" panose="020B0400000000000000" pitchFamily="34" charset="-120"/>
+              </a:rPr>
+              <a:t>.</a:t>
+            </a:r>
+          </a:p>
+          <a:p>
+            <a:r>
+              <a:rPr lang="en-US" dirty="0">
+                <a:solidFill>
+                  <a:srgbClr val="1A1A1A"/>
+                </a:solidFill>
+                <a:latin typeface="PingFang TC" panose="020B0400000000000000" pitchFamily="34" charset="-120"/>
+                <a:ea typeface="PingFang TC" panose="020B0400000000000000" pitchFamily="34" charset="-120"/>
+              </a:rPr>
+              <a:t>.</a:t>
+            </a:r>
+          </a:p>
+          <a:p>
+            <a:r>
+              <a:rPr lang="en-US" dirty="0">
+                <a:solidFill>
+                  <a:srgbClr val="1A1A1A"/>
+                </a:solidFill>
+                <a:latin typeface="PingFang TC" panose="020B0400000000000000" pitchFamily="34" charset="-120"/>
+                <a:ea typeface="PingFang TC" panose="020B0400000000000000" pitchFamily="34" charset="-120"/>
+              </a:rPr>
+              <a:t>.</a:t>
+            </a:r>
+            <a:endParaRPr lang="en-US" dirty="0"/>
+          </a:p>
+        </p:txBody>
+      </p:sp>
+      <p:cxnSp>
+        <p:nvCxnSpPr>
+          <p:cNvPr id="20" name="Straight Connector 19">
+            <a:extLst>
+              <a:ext uri="{FF2B5EF4-FFF2-40B4-BE49-F238E27FC236}">
+                <a16:creationId xmlns:a16="http://schemas.microsoft.com/office/drawing/2014/main" id="{D6256144-E42E-1E4A-9B50-A9EF9AA9E6FC}"/>
+              </a:ext>
+            </a:extLst>
+          </p:cNvPr>
+          <p:cNvCxnSpPr>
+            <a:cxnSpLocks/>
+            <a:stCxn id="8" idx="6"/>
+            <a:endCxn id="12" idx="2"/>
+          </p:cNvCxnSpPr>
+          <p:nvPr/>
+        </p:nvCxnSpPr>
+        <p:spPr>
+          <a:xfrm>
+            <a:off x="2048747" y="3579650"/>
+            <a:ext cx="1683092" cy="0"/>
+          </a:xfrm>
+          <a:prstGeom prst="line">
+            <a:avLst/>
+          </a:prstGeom>
+          <a:ln>
+            <a:solidFill>
+              <a:schemeClr val="tx1"/>
+            </a:solidFill>
+          </a:ln>
+        </p:spPr>
+        <p:style>
+          <a:lnRef idx="1">
+            <a:schemeClr val="accent1"/>
+          </a:lnRef>
+          <a:fillRef idx="0">
+            <a:schemeClr val="accent1"/>
+          </a:fillRef>
+          <a:effectRef idx="0">
+            <a:schemeClr val="accent1"/>
+          </a:effectRef>
+          <a:fontRef idx="minor">
+            <a:schemeClr val="tx1"/>
+          </a:fontRef>
+        </p:style>
+      </p:cxnSp>
+      <p:cxnSp>
+        <p:nvCxnSpPr>
+          <p:cNvPr id="21" name="Straight Connector 20">
+            <a:extLst>
+              <a:ext uri="{FF2B5EF4-FFF2-40B4-BE49-F238E27FC236}">
+                <a16:creationId xmlns:a16="http://schemas.microsoft.com/office/drawing/2014/main" id="{4918EE41-6556-344E-A677-B5748F51B08F}"/>
+              </a:ext>
+            </a:extLst>
+          </p:cNvPr>
+          <p:cNvCxnSpPr>
+            <a:cxnSpLocks/>
+            <a:endCxn id="13" idx="2"/>
+          </p:cNvCxnSpPr>
+          <p:nvPr/>
+        </p:nvCxnSpPr>
+        <p:spPr>
+          <a:xfrm>
+            <a:off x="2048747" y="3579650"/>
+            <a:ext cx="1683092" cy="550654"/>
+          </a:xfrm>
+          <a:prstGeom prst="line">
+            <a:avLst/>
+          </a:prstGeom>
+          <a:ln>
+            <a:solidFill>
+              <a:schemeClr val="tx1"/>
+            </a:solidFill>
+          </a:ln>
+        </p:spPr>
+        <p:style>
+          <a:lnRef idx="1">
+            <a:schemeClr val="accent1"/>
+          </a:lnRef>
+          <a:fillRef idx="0">
+            <a:schemeClr val="accent1"/>
+          </a:fillRef>
+          <a:effectRef idx="0">
+            <a:schemeClr val="accent1"/>
+          </a:effectRef>
+          <a:fontRef idx="minor">
+            <a:schemeClr val="tx1"/>
+          </a:fontRef>
+        </p:style>
+      </p:cxnSp>
+      <p:cxnSp>
+        <p:nvCxnSpPr>
+          <p:cNvPr id="22" name="Straight Connector 21">
+            <a:extLst>
+              <a:ext uri="{FF2B5EF4-FFF2-40B4-BE49-F238E27FC236}">
+                <a16:creationId xmlns:a16="http://schemas.microsoft.com/office/drawing/2014/main" id="{B06F3AC9-09BF-8840-A244-2AB4A749E06B}"/>
+              </a:ext>
+            </a:extLst>
+          </p:cNvPr>
+          <p:cNvCxnSpPr>
+            <a:cxnSpLocks/>
+            <a:stCxn id="8" idx="6"/>
+            <a:endCxn id="14" idx="2"/>
+          </p:cNvCxnSpPr>
+          <p:nvPr/>
+        </p:nvCxnSpPr>
+        <p:spPr>
+          <a:xfrm>
+            <a:off x="2048747" y="3579650"/>
+            <a:ext cx="1683092" cy="2170623"/>
+          </a:xfrm>
+          <a:prstGeom prst="line">
+            <a:avLst/>
+          </a:prstGeom>
+          <a:ln>
+            <a:solidFill>
+              <a:schemeClr val="tx1"/>
+            </a:solidFill>
+          </a:ln>
+        </p:spPr>
+        <p:style>
+          <a:lnRef idx="1">
+            <a:schemeClr val="accent1"/>
+          </a:lnRef>
+          <a:fillRef idx="0">
+            <a:schemeClr val="accent1"/>
+          </a:fillRef>
+          <a:effectRef idx="0">
+            <a:schemeClr val="accent1"/>
+          </a:effectRef>
+          <a:fontRef idx="minor">
+            <a:schemeClr val="tx1"/>
+          </a:fontRef>
+        </p:style>
+      </p:cxnSp>
+      <p:cxnSp>
+        <p:nvCxnSpPr>
+          <p:cNvPr id="23" name="Straight Connector 22">
+            <a:extLst>
+              <a:ext uri="{FF2B5EF4-FFF2-40B4-BE49-F238E27FC236}">
+                <a16:creationId xmlns:a16="http://schemas.microsoft.com/office/drawing/2014/main" id="{5CB70EBA-41EC-1C43-A03E-23142DB5BDE2}"/>
+              </a:ext>
+            </a:extLst>
+          </p:cNvPr>
+          <p:cNvCxnSpPr>
+            <a:cxnSpLocks/>
+            <a:stCxn id="9" idx="6"/>
+            <a:endCxn id="12" idx="2"/>
+          </p:cNvCxnSpPr>
+          <p:nvPr/>
+        </p:nvCxnSpPr>
+        <p:spPr>
+          <a:xfrm flipV="1">
+            <a:off x="2048747" y="3579650"/>
+            <a:ext cx="1683092" cy="550654"/>
+          </a:xfrm>
+          <a:prstGeom prst="line">
+            <a:avLst/>
+          </a:prstGeom>
+          <a:ln>
+            <a:solidFill>
+              <a:schemeClr val="tx1"/>
+            </a:solidFill>
+          </a:ln>
+        </p:spPr>
+        <p:style>
+          <a:lnRef idx="1">
+            <a:schemeClr val="accent1"/>
+          </a:lnRef>
+          <a:fillRef idx="0">
+            <a:schemeClr val="accent1"/>
+          </a:fillRef>
+          <a:effectRef idx="0">
+            <a:schemeClr val="accent1"/>
+          </a:effectRef>
+          <a:fontRef idx="minor">
+            <a:schemeClr val="tx1"/>
+          </a:fontRef>
+        </p:style>
+      </p:cxnSp>
+      <p:cxnSp>
+        <p:nvCxnSpPr>
+          <p:cNvPr id="24" name="Straight Connector 23">
+            <a:extLst>
+              <a:ext uri="{FF2B5EF4-FFF2-40B4-BE49-F238E27FC236}">
+                <a16:creationId xmlns:a16="http://schemas.microsoft.com/office/drawing/2014/main" id="{ABCAB3F8-4B1E-8146-A338-9AB5D1952423}"/>
+              </a:ext>
+            </a:extLst>
+          </p:cNvPr>
+          <p:cNvCxnSpPr>
+            <a:cxnSpLocks/>
+            <a:stCxn id="9" idx="6"/>
+            <a:endCxn id="13" idx="2"/>
+          </p:cNvCxnSpPr>
+          <p:nvPr/>
+        </p:nvCxnSpPr>
+        <p:spPr>
+          <a:xfrm>
+            <a:off x="2048747" y="4130304"/>
+            <a:ext cx="1683092" cy="0"/>
+          </a:xfrm>
+          <a:prstGeom prst="line">
+            <a:avLst/>
+          </a:prstGeom>
+          <a:ln>
+            <a:solidFill>
+              <a:schemeClr val="tx1"/>
+            </a:solidFill>
+          </a:ln>
+        </p:spPr>
+        <p:style>
+          <a:lnRef idx="1">
+            <a:schemeClr val="accent1"/>
+          </a:lnRef>
+          <a:fillRef idx="0">
+            <a:schemeClr val="accent1"/>
+          </a:fillRef>
+          <a:effectRef idx="0">
+            <a:schemeClr val="accent1"/>
+          </a:effectRef>
+          <a:fontRef idx="minor">
+            <a:schemeClr val="tx1"/>
+          </a:fontRef>
+        </p:style>
+      </p:cxnSp>
+      <p:cxnSp>
+        <p:nvCxnSpPr>
+          <p:cNvPr id="25" name="Straight Connector 24">
+            <a:extLst>
+              <a:ext uri="{FF2B5EF4-FFF2-40B4-BE49-F238E27FC236}">
+                <a16:creationId xmlns:a16="http://schemas.microsoft.com/office/drawing/2014/main" id="{4E2D9BCF-A50C-FF48-BA7D-868E196CCCE9}"/>
+              </a:ext>
+            </a:extLst>
+          </p:cNvPr>
+          <p:cNvCxnSpPr>
+            <a:cxnSpLocks/>
+            <a:stCxn id="9" idx="6"/>
+            <a:endCxn id="14" idx="2"/>
+          </p:cNvCxnSpPr>
+          <p:nvPr/>
+        </p:nvCxnSpPr>
+        <p:spPr>
+          <a:xfrm>
+            <a:off x="2048747" y="4130304"/>
+            <a:ext cx="1683092" cy="1619969"/>
+          </a:xfrm>
+          <a:prstGeom prst="line">
+            <a:avLst/>
+          </a:prstGeom>
+          <a:ln>
+            <a:solidFill>
+              <a:schemeClr val="tx1"/>
+            </a:solidFill>
+          </a:ln>
+        </p:spPr>
+        <p:style>
+          <a:lnRef idx="1">
+            <a:schemeClr val="accent1"/>
+          </a:lnRef>
+          <a:fillRef idx="0">
+            <a:schemeClr val="accent1"/>
+          </a:fillRef>
+          <a:effectRef idx="0">
+            <a:schemeClr val="accent1"/>
+          </a:effectRef>
+          <a:fontRef idx="minor">
+            <a:schemeClr val="tx1"/>
+          </a:fontRef>
+        </p:style>
+      </p:cxnSp>
+      <p:cxnSp>
+        <p:nvCxnSpPr>
+          <p:cNvPr id="26" name="Straight Connector 25">
+            <a:extLst>
+              <a:ext uri="{FF2B5EF4-FFF2-40B4-BE49-F238E27FC236}">
+                <a16:creationId xmlns:a16="http://schemas.microsoft.com/office/drawing/2014/main" id="{FB8B1893-0FE9-D24B-9345-3C3809C7E07F}"/>
+              </a:ext>
+            </a:extLst>
+          </p:cNvPr>
+          <p:cNvCxnSpPr>
+            <a:cxnSpLocks/>
+            <a:stCxn id="10" idx="6"/>
+            <a:endCxn id="12" idx="2"/>
+          </p:cNvCxnSpPr>
+          <p:nvPr/>
+        </p:nvCxnSpPr>
+        <p:spPr>
+          <a:xfrm flipV="1">
+            <a:off x="2048747" y="3579650"/>
+            <a:ext cx="1683092" cy="2170623"/>
+          </a:xfrm>
+          <a:prstGeom prst="line">
+            <a:avLst/>
+          </a:prstGeom>
+          <a:ln>
+            <a:solidFill>
+              <a:schemeClr val="tx1"/>
+            </a:solidFill>
+          </a:ln>
+        </p:spPr>
+        <p:style>
+          <a:lnRef idx="1">
+            <a:schemeClr val="accent1"/>
+          </a:lnRef>
+          <a:fillRef idx="0">
+            <a:schemeClr val="accent1"/>
+          </a:fillRef>
+          <a:effectRef idx="0">
+            <a:schemeClr val="accent1"/>
+          </a:effectRef>
+          <a:fontRef idx="minor">
+            <a:schemeClr val="tx1"/>
+          </a:fontRef>
+        </p:style>
+      </p:cxnSp>
+      <p:cxnSp>
+        <p:nvCxnSpPr>
+          <p:cNvPr id="27" name="Straight Connector 26">
+            <a:extLst>
+              <a:ext uri="{FF2B5EF4-FFF2-40B4-BE49-F238E27FC236}">
+                <a16:creationId xmlns:a16="http://schemas.microsoft.com/office/drawing/2014/main" id="{CBAE59FD-EBF7-DA42-8306-5BDFA257C0EF}"/>
+              </a:ext>
+            </a:extLst>
+          </p:cNvPr>
+          <p:cNvCxnSpPr>
+            <a:cxnSpLocks/>
+            <a:stCxn id="10" idx="6"/>
+            <a:endCxn id="13" idx="2"/>
+          </p:cNvCxnSpPr>
+          <p:nvPr/>
+        </p:nvCxnSpPr>
+        <p:spPr>
+          <a:xfrm flipV="1">
+            <a:off x="2048747" y="4130304"/>
+            <a:ext cx="1683092" cy="1619969"/>
+          </a:xfrm>
+          <a:prstGeom prst="line">
+            <a:avLst/>
+          </a:prstGeom>
+          <a:ln>
+            <a:solidFill>
+              <a:schemeClr val="tx1"/>
+            </a:solidFill>
+          </a:ln>
+        </p:spPr>
+        <p:style>
+          <a:lnRef idx="1">
+            <a:schemeClr val="accent1"/>
+          </a:lnRef>
+          <a:fillRef idx="0">
+            <a:schemeClr val="accent1"/>
+          </a:fillRef>
+          <a:effectRef idx="0">
+            <a:schemeClr val="accent1"/>
+          </a:effectRef>
+          <a:fontRef idx="minor">
+            <a:schemeClr val="tx1"/>
+          </a:fontRef>
+        </p:style>
+      </p:cxnSp>
+      <p:cxnSp>
+        <p:nvCxnSpPr>
+          <p:cNvPr id="28" name="Straight Connector 27">
+            <a:extLst>
+              <a:ext uri="{FF2B5EF4-FFF2-40B4-BE49-F238E27FC236}">
+                <a16:creationId xmlns:a16="http://schemas.microsoft.com/office/drawing/2014/main" id="{8C500EF2-72E8-544E-9980-5120BA38AB7D}"/>
+              </a:ext>
+            </a:extLst>
+          </p:cNvPr>
+          <p:cNvCxnSpPr>
+            <a:cxnSpLocks/>
+            <a:stCxn id="10" idx="6"/>
+            <a:endCxn id="14" idx="2"/>
+          </p:cNvCxnSpPr>
+          <p:nvPr/>
+        </p:nvCxnSpPr>
+        <p:spPr>
+          <a:xfrm>
+            <a:off x="2048747" y="5750273"/>
+            <a:ext cx="1683092" cy="0"/>
+          </a:xfrm>
+          <a:prstGeom prst="line">
+            <a:avLst/>
+          </a:prstGeom>
+          <a:ln>
+            <a:solidFill>
+              <a:schemeClr val="tx1"/>
+            </a:solidFill>
+          </a:ln>
+        </p:spPr>
+        <p:style>
+          <a:lnRef idx="1">
+            <a:schemeClr val="accent1"/>
+          </a:lnRef>
+          <a:fillRef idx="0">
+            <a:schemeClr val="accent1"/>
+          </a:fillRef>
+          <a:effectRef idx="0">
+            <a:schemeClr val="accent1"/>
+          </a:effectRef>
+          <a:fontRef idx="minor">
+            <a:schemeClr val="tx1"/>
+          </a:fontRef>
+        </p:style>
+      </p:cxnSp>
+      <p:cxnSp>
+        <p:nvCxnSpPr>
+          <p:cNvPr id="29" name="Straight Connector 28">
+            <a:extLst>
+              <a:ext uri="{FF2B5EF4-FFF2-40B4-BE49-F238E27FC236}">
+                <a16:creationId xmlns:a16="http://schemas.microsoft.com/office/drawing/2014/main" id="{1B3DD387-B8CE-AB41-89B9-376D272FBBAB}"/>
+              </a:ext>
+            </a:extLst>
+          </p:cNvPr>
+          <p:cNvCxnSpPr>
+            <a:cxnSpLocks/>
+          </p:cNvCxnSpPr>
+          <p:nvPr/>
+        </p:nvCxnSpPr>
+        <p:spPr>
+          <a:xfrm>
+            <a:off x="8510045" y="3617820"/>
+            <a:ext cx="1683092" cy="0"/>
+          </a:xfrm>
+          <a:prstGeom prst="line">
+            <a:avLst/>
+          </a:prstGeom>
+          <a:ln>
+            <a:solidFill>
+              <a:schemeClr val="tx1"/>
+            </a:solidFill>
+          </a:ln>
+        </p:spPr>
+        <p:style>
+          <a:lnRef idx="1">
+            <a:schemeClr val="accent1"/>
+          </a:lnRef>
+          <a:fillRef idx="0">
+            <a:schemeClr val="accent1"/>
+          </a:fillRef>
+          <a:effectRef idx="0">
+            <a:schemeClr val="accent1"/>
+          </a:effectRef>
+          <a:fontRef idx="minor">
+            <a:schemeClr val="tx1"/>
+          </a:fontRef>
+        </p:style>
+      </p:cxnSp>
+      <p:cxnSp>
+        <p:nvCxnSpPr>
+          <p:cNvPr id="30" name="Straight Connector 29">
+            <a:extLst>
+              <a:ext uri="{FF2B5EF4-FFF2-40B4-BE49-F238E27FC236}">
+                <a16:creationId xmlns:a16="http://schemas.microsoft.com/office/drawing/2014/main" id="{F9C05DD7-9E51-9949-BB74-1F415B5250AE}"/>
+              </a:ext>
+            </a:extLst>
+          </p:cNvPr>
+          <p:cNvCxnSpPr>
+            <a:cxnSpLocks/>
+          </p:cNvCxnSpPr>
+          <p:nvPr/>
+        </p:nvCxnSpPr>
+        <p:spPr>
+          <a:xfrm>
+            <a:off x="8510045" y="3617820"/>
+            <a:ext cx="1683092" cy="550654"/>
+          </a:xfrm>
+          <a:prstGeom prst="line">
+            <a:avLst/>
+          </a:prstGeom>
+          <a:ln>
+            <a:solidFill>
+              <a:schemeClr val="tx1"/>
+            </a:solidFill>
+          </a:ln>
+        </p:spPr>
+        <p:style>
+          <a:lnRef idx="1">
+            <a:schemeClr val="accent1"/>
+          </a:lnRef>
+          <a:fillRef idx="0">
+            <a:schemeClr val="accent1"/>
+          </a:fillRef>
+          <a:effectRef idx="0">
+            <a:schemeClr val="accent1"/>
+          </a:effectRef>
+          <a:fontRef idx="minor">
+            <a:schemeClr val="tx1"/>
+          </a:fontRef>
+        </p:style>
+      </p:cxnSp>
+      <p:cxnSp>
+        <p:nvCxnSpPr>
+          <p:cNvPr id="31" name="Straight Connector 30">
+            <a:extLst>
+              <a:ext uri="{FF2B5EF4-FFF2-40B4-BE49-F238E27FC236}">
+                <a16:creationId xmlns:a16="http://schemas.microsoft.com/office/drawing/2014/main" id="{A5CBF32D-42D2-A947-A461-676A2245C96B}"/>
+              </a:ext>
+            </a:extLst>
+          </p:cNvPr>
+          <p:cNvCxnSpPr>
+            <a:cxnSpLocks/>
+          </p:cNvCxnSpPr>
+          <p:nvPr/>
+        </p:nvCxnSpPr>
+        <p:spPr>
+          <a:xfrm>
+            <a:off x="8510045" y="3617820"/>
+            <a:ext cx="1683092" cy="2170623"/>
+          </a:xfrm>
+          <a:prstGeom prst="line">
+            <a:avLst/>
+          </a:prstGeom>
+          <a:ln>
+            <a:solidFill>
+              <a:schemeClr val="tx1"/>
+            </a:solidFill>
+          </a:ln>
+        </p:spPr>
+        <p:style>
+          <a:lnRef idx="1">
+            <a:schemeClr val="accent1"/>
+          </a:lnRef>
+          <a:fillRef idx="0">
+            <a:schemeClr val="accent1"/>
+          </a:fillRef>
+          <a:effectRef idx="0">
+            <a:schemeClr val="accent1"/>
+          </a:effectRef>
+          <a:fontRef idx="minor">
+            <a:schemeClr val="tx1"/>
+          </a:fontRef>
+        </p:style>
+      </p:cxnSp>
+      <p:cxnSp>
+        <p:nvCxnSpPr>
+          <p:cNvPr id="32" name="Straight Connector 31">
+            <a:extLst>
+              <a:ext uri="{FF2B5EF4-FFF2-40B4-BE49-F238E27FC236}">
+                <a16:creationId xmlns:a16="http://schemas.microsoft.com/office/drawing/2014/main" id="{D31F964B-89CA-154A-AC1D-A820937F9710}"/>
+              </a:ext>
+            </a:extLst>
+          </p:cNvPr>
+          <p:cNvCxnSpPr>
+            <a:cxnSpLocks/>
+          </p:cNvCxnSpPr>
+          <p:nvPr/>
+        </p:nvCxnSpPr>
+        <p:spPr>
+          <a:xfrm flipV="1">
+            <a:off x="8510045" y="3617820"/>
+            <a:ext cx="1683092" cy="550654"/>
+          </a:xfrm>
+          <a:prstGeom prst="line">
+            <a:avLst/>
+          </a:prstGeom>
+          <a:ln>
+            <a:solidFill>
+              <a:schemeClr val="tx1"/>
+            </a:solidFill>
+          </a:ln>
+        </p:spPr>
+        <p:style>
+          <a:lnRef idx="1">
+            <a:schemeClr val="accent1"/>
+          </a:lnRef>
+          <a:fillRef idx="0">
+            <a:schemeClr val="accent1"/>
+          </a:fillRef>
+          <a:effectRef idx="0">
+            <a:schemeClr val="accent1"/>
+          </a:effectRef>
+          <a:fontRef idx="minor">
+            <a:schemeClr val="tx1"/>
+          </a:fontRef>
+        </p:style>
+      </p:cxnSp>
+      <p:cxnSp>
+        <p:nvCxnSpPr>
+          <p:cNvPr id="33" name="Straight Connector 32">
+            <a:extLst>
+              <a:ext uri="{FF2B5EF4-FFF2-40B4-BE49-F238E27FC236}">
+                <a16:creationId xmlns:a16="http://schemas.microsoft.com/office/drawing/2014/main" id="{A4CA252C-91BD-2E4A-9956-1ECABE48D1B6}"/>
+              </a:ext>
+            </a:extLst>
+          </p:cNvPr>
+          <p:cNvCxnSpPr>
+            <a:cxnSpLocks/>
+          </p:cNvCxnSpPr>
+          <p:nvPr/>
+        </p:nvCxnSpPr>
+        <p:spPr>
+          <a:xfrm>
+            <a:off x="8510045" y="4168474"/>
+            <a:ext cx="1683092" cy="0"/>
+          </a:xfrm>
+          <a:prstGeom prst="line">
+            <a:avLst/>
+          </a:prstGeom>
+          <a:ln>
+            <a:solidFill>
+              <a:schemeClr val="tx1"/>
+            </a:solidFill>
+          </a:ln>
+        </p:spPr>
+        <p:style>
+          <a:lnRef idx="1">
+            <a:schemeClr val="accent1"/>
+          </a:lnRef>
+          <a:fillRef idx="0">
+            <a:schemeClr val="accent1"/>
+          </a:fillRef>
+          <a:effectRef idx="0">
+            <a:schemeClr val="accent1"/>
+          </a:effectRef>
+          <a:fontRef idx="minor">
+            <a:schemeClr val="tx1"/>
+          </a:fontRef>
+        </p:style>
+      </p:cxnSp>
+      <p:cxnSp>
+        <p:nvCxnSpPr>
+          <p:cNvPr id="34" name="Straight Connector 33">
+            <a:extLst>
+              <a:ext uri="{FF2B5EF4-FFF2-40B4-BE49-F238E27FC236}">
+                <a16:creationId xmlns:a16="http://schemas.microsoft.com/office/drawing/2014/main" id="{5A43FD4C-8E18-8345-A735-5C5434278D1A}"/>
+              </a:ext>
+            </a:extLst>
+          </p:cNvPr>
+          <p:cNvCxnSpPr>
+            <a:cxnSpLocks/>
+          </p:cNvCxnSpPr>
+          <p:nvPr/>
+        </p:nvCxnSpPr>
+        <p:spPr>
+          <a:xfrm>
+            <a:off x="8510045" y="4168474"/>
+            <a:ext cx="1683092" cy="1619969"/>
+          </a:xfrm>
+          <a:prstGeom prst="line">
+            <a:avLst/>
+          </a:prstGeom>
+          <a:ln>
+            <a:solidFill>
+              <a:schemeClr val="tx1"/>
+            </a:solidFill>
+          </a:ln>
+        </p:spPr>
+        <p:style>
+          <a:lnRef idx="1">
+            <a:schemeClr val="accent1"/>
+          </a:lnRef>
+          <a:fillRef idx="0">
+            <a:schemeClr val="accent1"/>
+          </a:fillRef>
+          <a:effectRef idx="0">
+            <a:schemeClr val="accent1"/>
+          </a:effectRef>
+          <a:fontRef idx="minor">
+            <a:schemeClr val="tx1"/>
+          </a:fontRef>
+        </p:style>
+      </p:cxnSp>
+      <p:cxnSp>
+        <p:nvCxnSpPr>
+          <p:cNvPr id="35" name="Straight Connector 34">
+            <a:extLst>
+              <a:ext uri="{FF2B5EF4-FFF2-40B4-BE49-F238E27FC236}">
+                <a16:creationId xmlns:a16="http://schemas.microsoft.com/office/drawing/2014/main" id="{2253C33D-F3D3-C745-8D60-35D646CC32D4}"/>
+              </a:ext>
+            </a:extLst>
+          </p:cNvPr>
+          <p:cNvCxnSpPr>
+            <a:cxnSpLocks/>
+          </p:cNvCxnSpPr>
+          <p:nvPr/>
+        </p:nvCxnSpPr>
+        <p:spPr>
+          <a:xfrm flipV="1">
+            <a:off x="8510045" y="3617820"/>
+            <a:ext cx="1683092" cy="2170623"/>
+          </a:xfrm>
+          <a:prstGeom prst="line">
+            <a:avLst/>
+          </a:prstGeom>
+          <a:ln>
+            <a:solidFill>
+              <a:schemeClr val="tx1"/>
+            </a:solidFill>
+          </a:ln>
+        </p:spPr>
+        <p:style>
+          <a:lnRef idx="1">
+            <a:schemeClr val="accent1"/>
+          </a:lnRef>
+          <a:fillRef idx="0">
+            <a:schemeClr val="accent1"/>
+          </a:fillRef>
+          <a:effectRef idx="0">
+            <a:schemeClr val="accent1"/>
+          </a:effectRef>
+          <a:fontRef idx="minor">
+            <a:schemeClr val="tx1"/>
+          </a:fontRef>
+        </p:style>
+      </p:cxnSp>
+      <p:cxnSp>
+        <p:nvCxnSpPr>
+          <p:cNvPr id="36" name="Straight Connector 35">
+            <a:extLst>
+              <a:ext uri="{FF2B5EF4-FFF2-40B4-BE49-F238E27FC236}">
+                <a16:creationId xmlns:a16="http://schemas.microsoft.com/office/drawing/2014/main" id="{DD77E17A-DD37-9148-8F11-B697CA95E15F}"/>
+              </a:ext>
+            </a:extLst>
+          </p:cNvPr>
+          <p:cNvCxnSpPr>
+            <a:cxnSpLocks/>
+          </p:cNvCxnSpPr>
+          <p:nvPr/>
+        </p:nvCxnSpPr>
+        <p:spPr>
+          <a:xfrm flipV="1">
+            <a:off x="8510045" y="4168474"/>
+            <a:ext cx="1683092" cy="1619969"/>
+          </a:xfrm>
+          <a:prstGeom prst="line">
+            <a:avLst/>
+          </a:prstGeom>
+          <a:ln>
+            <a:solidFill>
+              <a:schemeClr val="tx1"/>
+            </a:solidFill>
+          </a:ln>
+        </p:spPr>
+        <p:style>
+          <a:lnRef idx="1">
+            <a:schemeClr val="accent1"/>
+          </a:lnRef>
+          <a:fillRef idx="0">
+            <a:schemeClr val="accent1"/>
+          </a:fillRef>
+          <a:effectRef idx="0">
+            <a:schemeClr val="accent1"/>
+          </a:effectRef>
+          <a:fontRef idx="minor">
+            <a:schemeClr val="tx1"/>
+          </a:fontRef>
+        </p:style>
+      </p:cxnSp>
+      <p:cxnSp>
+        <p:nvCxnSpPr>
+          <p:cNvPr id="37" name="Straight Connector 36">
+            <a:extLst>
+              <a:ext uri="{FF2B5EF4-FFF2-40B4-BE49-F238E27FC236}">
+                <a16:creationId xmlns:a16="http://schemas.microsoft.com/office/drawing/2014/main" id="{CF0ED2E2-CDDB-3643-9045-0CD6734ECF8D}"/>
+              </a:ext>
+            </a:extLst>
+          </p:cNvPr>
+          <p:cNvCxnSpPr>
+            <a:cxnSpLocks/>
+          </p:cNvCxnSpPr>
+          <p:nvPr/>
+        </p:nvCxnSpPr>
+        <p:spPr>
+          <a:xfrm>
+            <a:off x="8510045" y="5788443"/>
+            <a:ext cx="1683092" cy="0"/>
+          </a:xfrm>
+          <a:prstGeom prst="line">
+            <a:avLst/>
+          </a:prstGeom>
+          <a:ln>
+            <a:solidFill>
+              <a:schemeClr val="tx1"/>
+            </a:solidFill>
+          </a:ln>
+        </p:spPr>
+        <p:style>
+          <a:lnRef idx="1">
+            <a:schemeClr val="accent1"/>
+          </a:lnRef>
+          <a:fillRef idx="0">
+            <a:schemeClr val="accent1"/>
+          </a:fillRef>
+          <a:effectRef idx="0">
+            <a:schemeClr val="accent1"/>
+          </a:effectRef>
+          <a:fontRef idx="minor">
+            <a:schemeClr val="tx1"/>
+          </a:fontRef>
+        </p:style>
+      </p:cxnSp>
+      <p:sp>
+        <p:nvSpPr>
+          <p:cNvPr id="41" name="Rectangle 40">
+            <a:extLst>
+              <a:ext uri="{FF2B5EF4-FFF2-40B4-BE49-F238E27FC236}">
+                <a16:creationId xmlns:a16="http://schemas.microsoft.com/office/drawing/2014/main" id="{C97AC952-D5FF-994E-91DE-3F3B036FF216}"/>
+              </a:ext>
+            </a:extLst>
+          </p:cNvPr>
+          <p:cNvSpPr/>
+          <p:nvPr/>
+        </p:nvSpPr>
+        <p:spPr>
+          <a:xfrm>
+            <a:off x="1604363" y="2695851"/>
+            <a:ext cx="431528" cy="338554"/>
+          </a:xfrm>
+          <a:prstGeom prst="rect">
+            <a:avLst/>
+          </a:prstGeom>
+        </p:spPr>
+        <p:txBody>
+          <a:bodyPr wrap="none">
+            <a:spAutoFit/>
+          </a:bodyPr>
+          <a:lstStyle/>
+          <a:p>
+            <a:r>
+              <a:rPr lang="en-US" altLang="zh-TW" sz="1600" dirty="0">
+                <a:solidFill>
+                  <a:srgbClr val="1A1A1A"/>
+                </a:solidFill>
+                <a:latin typeface="PingFang TC" panose="020B0400000000000000" pitchFamily="34" charset="-120"/>
+                <a:ea typeface="PingFang TC" panose="020B0400000000000000" pitchFamily="34" charset="-120"/>
+              </a:rPr>
+              <a:t>64</a:t>
+            </a:r>
+            <a:endParaRPr lang="en-US" sz="1600" dirty="0"/>
+          </a:p>
+        </p:txBody>
+      </p:sp>
+      <p:sp>
+        <p:nvSpPr>
+          <p:cNvPr id="42" name="Rectangle 41">
+            <a:extLst>
+              <a:ext uri="{FF2B5EF4-FFF2-40B4-BE49-F238E27FC236}">
+                <a16:creationId xmlns:a16="http://schemas.microsoft.com/office/drawing/2014/main" id="{09CFF0B8-A712-5E4A-AB4C-304CB79DD5D7}"/>
+              </a:ext>
+            </a:extLst>
+          </p:cNvPr>
+          <p:cNvSpPr/>
+          <p:nvPr/>
+        </p:nvSpPr>
+        <p:spPr>
+          <a:xfrm>
+            <a:off x="3748004" y="2700231"/>
+            <a:ext cx="431528" cy="338554"/>
+          </a:xfrm>
+          <a:prstGeom prst="rect">
+            <a:avLst/>
+          </a:prstGeom>
+        </p:spPr>
+        <p:txBody>
+          <a:bodyPr wrap="none">
+            <a:spAutoFit/>
+          </a:bodyPr>
+          <a:lstStyle/>
+          <a:p>
+            <a:r>
+              <a:rPr lang="en-US" altLang="zh-TW" sz="1600" dirty="0">
+                <a:solidFill>
+                  <a:srgbClr val="1A1A1A"/>
+                </a:solidFill>
+                <a:latin typeface="PingFang TC" panose="020B0400000000000000" pitchFamily="34" charset="-120"/>
+                <a:ea typeface="PingFang TC" panose="020B0400000000000000" pitchFamily="34" charset="-120"/>
+              </a:rPr>
+              <a:t>25</a:t>
+            </a:r>
+            <a:endParaRPr lang="en-US" sz="1600" dirty="0"/>
+          </a:p>
+        </p:txBody>
+      </p:sp>
+      <p:sp>
+        <p:nvSpPr>
+          <p:cNvPr id="43" name="Rectangle 42">
+            <a:extLst>
+              <a:ext uri="{FF2B5EF4-FFF2-40B4-BE49-F238E27FC236}">
+                <a16:creationId xmlns:a16="http://schemas.microsoft.com/office/drawing/2014/main" id="{6643F483-34B5-474C-AA05-342C3DCA98B5}"/>
+              </a:ext>
+            </a:extLst>
+          </p:cNvPr>
+          <p:cNvSpPr/>
+          <p:nvPr/>
+        </p:nvSpPr>
+        <p:spPr>
+          <a:xfrm>
+            <a:off x="10231745" y="2722074"/>
+            <a:ext cx="389850" cy="338554"/>
+          </a:xfrm>
+          <a:prstGeom prst="rect">
+            <a:avLst/>
+          </a:prstGeom>
+        </p:spPr>
+        <p:txBody>
+          <a:bodyPr wrap="none">
+            <a:spAutoFit/>
+          </a:bodyPr>
+          <a:lstStyle/>
+          <a:p>
+            <a:r>
+              <a:rPr lang="en-US" altLang="zh-TW" sz="1600" dirty="0">
+                <a:solidFill>
+                  <a:srgbClr val="1A1A1A"/>
+                </a:solidFill>
+                <a:latin typeface="PingFang TC" panose="020B0400000000000000" pitchFamily="34" charset="-120"/>
+                <a:ea typeface="PingFang TC" panose="020B0400000000000000" pitchFamily="34" charset="-120"/>
+              </a:rPr>
+              <a:t>10</a:t>
+            </a:r>
+            <a:endParaRPr lang="en-US" sz="1600" dirty="0"/>
+          </a:p>
+        </p:txBody>
+      </p:sp>
+      <p:sp>
+        <p:nvSpPr>
+          <p:cNvPr id="44" name="Rectangle 43">
+            <a:extLst>
+              <a:ext uri="{FF2B5EF4-FFF2-40B4-BE49-F238E27FC236}">
+                <a16:creationId xmlns:a16="http://schemas.microsoft.com/office/drawing/2014/main" id="{2AB2A47C-C80E-2045-BB22-6AF59C39ADCE}"/>
+              </a:ext>
+            </a:extLst>
+          </p:cNvPr>
+          <p:cNvSpPr/>
+          <p:nvPr/>
+        </p:nvSpPr>
+        <p:spPr>
+          <a:xfrm>
+            <a:off x="2419699" y="2861871"/>
+            <a:ext cx="899605" cy="307777"/>
+          </a:xfrm>
+          <a:prstGeom prst="rect">
+            <a:avLst/>
+          </a:prstGeom>
+        </p:spPr>
+        <p:txBody>
+          <a:bodyPr wrap="none">
+            <a:spAutoFit/>
+          </a:bodyPr>
+          <a:lstStyle/>
+          <a:p>
+            <a:r>
+              <a:rPr lang="en-US" altLang="zh-TW" sz="1400" dirty="0">
+                <a:solidFill>
+                  <a:srgbClr val="1A1A1A"/>
+                </a:solidFill>
+                <a:latin typeface="PingFang TC" panose="020B0400000000000000" pitchFamily="34" charset="-120"/>
+                <a:ea typeface="PingFang TC" panose="020B0400000000000000" pitchFamily="34" charset="-120"/>
+              </a:rPr>
+              <a:t>(64 , 25)</a:t>
+            </a:r>
+            <a:endParaRPr lang="en-US" sz="1400" dirty="0"/>
+          </a:p>
+        </p:txBody>
+      </p:sp>
+      <p:sp>
+        <p:nvSpPr>
+          <p:cNvPr id="45" name="Rectangle 44">
+            <a:extLst>
+              <a:ext uri="{FF2B5EF4-FFF2-40B4-BE49-F238E27FC236}">
+                <a16:creationId xmlns:a16="http://schemas.microsoft.com/office/drawing/2014/main" id="{642103DC-D282-334D-8ED1-B022A6CEC0B7}"/>
+              </a:ext>
+            </a:extLst>
+          </p:cNvPr>
+          <p:cNvSpPr/>
+          <p:nvPr/>
+        </p:nvSpPr>
+        <p:spPr>
+          <a:xfrm>
+            <a:off x="8895828" y="2856431"/>
+            <a:ext cx="864339" cy="307777"/>
+          </a:xfrm>
+          <a:prstGeom prst="rect">
+            <a:avLst/>
+          </a:prstGeom>
+        </p:spPr>
+        <p:txBody>
+          <a:bodyPr wrap="none">
+            <a:spAutoFit/>
+          </a:bodyPr>
+          <a:lstStyle/>
+          <a:p>
+            <a:r>
+              <a:rPr lang="en-US" altLang="zh-TW" sz="1400" dirty="0">
+                <a:solidFill>
+                  <a:srgbClr val="1A1A1A"/>
+                </a:solidFill>
+                <a:latin typeface="PingFang TC" panose="020B0400000000000000" pitchFamily="34" charset="-120"/>
+                <a:ea typeface="PingFang TC" panose="020B0400000000000000" pitchFamily="34" charset="-120"/>
+              </a:rPr>
+              <a:t>(25 , 10)</a:t>
+            </a:r>
+            <a:endParaRPr lang="en-US" sz="1400" dirty="0"/>
+          </a:p>
+        </p:txBody>
+      </p:sp>
+      <p:sp>
+        <p:nvSpPr>
+          <p:cNvPr id="54" name="Rectangle 53">
+            <a:extLst>
+              <a:ext uri="{FF2B5EF4-FFF2-40B4-BE49-F238E27FC236}">
+                <a16:creationId xmlns:a16="http://schemas.microsoft.com/office/drawing/2014/main" id="{2E2FF6A4-51EE-DB42-A64D-456CD82A99D4}"/>
+              </a:ext>
+            </a:extLst>
+          </p:cNvPr>
+          <p:cNvSpPr/>
+          <p:nvPr/>
+        </p:nvSpPr>
+        <p:spPr>
+          <a:xfrm>
+            <a:off x="5799890" y="3180271"/>
+            <a:ext cx="645458" cy="3022898"/>
+          </a:xfrm>
+          <a:prstGeom prst="rect">
+            <a:avLst/>
+          </a:prstGeom>
+          <a:solidFill>
+            <a:schemeClr val="accent6">
+              <a:lumMod val="20000"/>
+              <a:lumOff val="80000"/>
+            </a:schemeClr>
+          </a:solidFill>
+          <a:ln>
+            <a:noFill/>
+          </a:ln>
+        </p:spPr>
+        <p:style>
+          <a:lnRef idx="2">
+            <a:schemeClr val="accent3">
+              <a:shade val="50000"/>
+            </a:schemeClr>
+          </a:lnRef>
+          <a:fillRef idx="1">
+            <a:schemeClr val="accent3"/>
+          </a:fillRef>
+          <a:effectRef idx="0">
+            <a:schemeClr val="accent3"/>
+          </a:effectRef>
+          <a:fontRef idx="minor">
+            <a:schemeClr val="lt1"/>
+          </a:fontRef>
+        </p:style>
+        <p:txBody>
+          <a:bodyPr rtlCol="0" anchor="ctr"/>
+          <a:lstStyle/>
+          <a:p>
+            <a:pPr algn="ctr"/>
+            <a:endParaRPr lang="en-US"/>
+          </a:p>
+        </p:txBody>
+      </p:sp>
+      <p:sp>
+        <p:nvSpPr>
+          <p:cNvPr id="56" name="Oval 55">
+            <a:extLst>
+              <a:ext uri="{FF2B5EF4-FFF2-40B4-BE49-F238E27FC236}">
+                <a16:creationId xmlns:a16="http://schemas.microsoft.com/office/drawing/2014/main" id="{FA26C127-FA94-3A4F-A117-61B839079BB3}"/>
+              </a:ext>
+            </a:extLst>
+          </p:cNvPr>
+          <p:cNvSpPr/>
+          <p:nvPr/>
+        </p:nvSpPr>
+        <p:spPr>
+          <a:xfrm>
+            <a:off x="5888619" y="3371873"/>
+            <a:ext cx="468000" cy="468000"/>
+          </a:xfrm>
+          <a:prstGeom prst="ellipse">
+            <a:avLst/>
+          </a:prstGeom>
+          <a:solidFill>
+            <a:schemeClr val="bg1"/>
+          </a:solidFill>
+          <a:ln>
+            <a:solidFill>
+              <a:schemeClr val="tx1"/>
+            </a:solidFill>
+          </a:ln>
+        </p:spPr>
+        <p:style>
+          <a:lnRef idx="2">
+            <a:schemeClr val="accent1">
+              <a:shade val="50000"/>
+            </a:schemeClr>
+          </a:lnRef>
+          <a:fillRef idx="1">
+            <a:schemeClr val="accent1"/>
+          </a:fillRef>
+          <a:effectRef idx="0">
+            <a:schemeClr val="accent1"/>
+          </a:effectRef>
+          <a:fontRef idx="minor">
+            <a:schemeClr val="lt1"/>
+          </a:fontRef>
+        </p:style>
+        <p:txBody>
+          <a:bodyPr rtlCol="0" anchor="ctr"/>
+          <a:lstStyle/>
+          <a:p>
+            <a:pPr algn="ctr"/>
+            <a:endParaRPr lang="en-US"/>
+          </a:p>
+        </p:txBody>
+      </p:sp>
+      <p:sp>
+        <p:nvSpPr>
+          <p:cNvPr id="57" name="Oval 56">
+            <a:extLst>
+              <a:ext uri="{FF2B5EF4-FFF2-40B4-BE49-F238E27FC236}">
+                <a16:creationId xmlns:a16="http://schemas.microsoft.com/office/drawing/2014/main" id="{7C8A2B76-FF32-C340-B75C-A7ED2C1D410A}"/>
+              </a:ext>
+            </a:extLst>
+          </p:cNvPr>
+          <p:cNvSpPr/>
+          <p:nvPr/>
+        </p:nvSpPr>
+        <p:spPr>
+          <a:xfrm>
+            <a:off x="5888619" y="3922527"/>
+            <a:ext cx="468000" cy="468000"/>
+          </a:xfrm>
+          <a:prstGeom prst="ellipse">
+            <a:avLst/>
+          </a:prstGeom>
+          <a:solidFill>
+            <a:schemeClr val="bg1"/>
+          </a:solidFill>
+          <a:ln>
+            <a:solidFill>
+              <a:schemeClr val="tx1"/>
+            </a:solidFill>
+          </a:ln>
+        </p:spPr>
+        <p:style>
+          <a:lnRef idx="2">
+            <a:schemeClr val="accent1">
+              <a:shade val="50000"/>
+            </a:schemeClr>
+          </a:lnRef>
+          <a:fillRef idx="1">
+            <a:schemeClr val="accent1"/>
+          </a:fillRef>
+          <a:effectRef idx="0">
+            <a:schemeClr val="accent1"/>
+          </a:effectRef>
+          <a:fontRef idx="minor">
+            <a:schemeClr val="lt1"/>
+          </a:fontRef>
+        </p:style>
+        <p:txBody>
+          <a:bodyPr rtlCol="0" anchor="ctr"/>
+          <a:lstStyle/>
+          <a:p>
+            <a:pPr algn="ctr"/>
+            <a:endParaRPr lang="en-US"/>
+          </a:p>
+        </p:txBody>
+      </p:sp>
+      <p:sp>
+        <p:nvSpPr>
+          <p:cNvPr id="58" name="Oval 57">
+            <a:extLst>
+              <a:ext uri="{FF2B5EF4-FFF2-40B4-BE49-F238E27FC236}">
+                <a16:creationId xmlns:a16="http://schemas.microsoft.com/office/drawing/2014/main" id="{97173EBB-D29D-3548-B06C-525E383F94A6}"/>
+              </a:ext>
+            </a:extLst>
+          </p:cNvPr>
+          <p:cNvSpPr/>
+          <p:nvPr/>
+        </p:nvSpPr>
+        <p:spPr>
+          <a:xfrm>
+            <a:off x="5888619" y="5542496"/>
+            <a:ext cx="468000" cy="468000"/>
+          </a:xfrm>
+          <a:prstGeom prst="ellipse">
+            <a:avLst/>
+          </a:prstGeom>
+          <a:solidFill>
+            <a:schemeClr val="bg1"/>
+          </a:solidFill>
+          <a:ln>
+            <a:solidFill>
+              <a:schemeClr val="tx1"/>
+            </a:solidFill>
+          </a:ln>
+        </p:spPr>
+        <p:style>
+          <a:lnRef idx="2">
+            <a:schemeClr val="accent1">
+              <a:shade val="50000"/>
+            </a:schemeClr>
+          </a:lnRef>
+          <a:fillRef idx="1">
+            <a:schemeClr val="accent1"/>
+          </a:fillRef>
+          <a:effectRef idx="0">
+            <a:schemeClr val="accent1"/>
+          </a:effectRef>
+          <a:fontRef idx="minor">
+            <a:schemeClr val="lt1"/>
+          </a:fontRef>
+        </p:style>
+        <p:txBody>
+          <a:bodyPr rtlCol="0" anchor="ctr"/>
+          <a:lstStyle/>
+          <a:p>
+            <a:pPr algn="ctr"/>
+            <a:endParaRPr lang="en-US"/>
+          </a:p>
+        </p:txBody>
+      </p:sp>
+      <p:sp>
+        <p:nvSpPr>
+          <p:cNvPr id="59" name="Rectangle 58">
+            <a:extLst>
+              <a:ext uri="{FF2B5EF4-FFF2-40B4-BE49-F238E27FC236}">
+                <a16:creationId xmlns:a16="http://schemas.microsoft.com/office/drawing/2014/main" id="{F38D0CF5-B686-FB4C-99FF-57A905FD094A}"/>
+              </a:ext>
+            </a:extLst>
+          </p:cNvPr>
+          <p:cNvSpPr/>
+          <p:nvPr/>
+        </p:nvSpPr>
+        <p:spPr>
+          <a:xfrm>
+            <a:off x="5999829" y="4306339"/>
+            <a:ext cx="245580" cy="1200329"/>
+          </a:xfrm>
+          <a:prstGeom prst="rect">
+            <a:avLst/>
+          </a:prstGeom>
+        </p:spPr>
+        <p:txBody>
+          <a:bodyPr wrap="none">
+            <a:spAutoFit/>
+          </a:bodyPr>
+          <a:lstStyle/>
+          <a:p>
+            <a:r>
+              <a:rPr lang="en-US" altLang="zh-TW" dirty="0">
+                <a:solidFill>
+                  <a:srgbClr val="1A1A1A"/>
+                </a:solidFill>
+                <a:latin typeface="PingFang TC" panose="020B0400000000000000" pitchFamily="34" charset="-120"/>
+                <a:ea typeface="PingFang TC" panose="020B0400000000000000" pitchFamily="34" charset="-120"/>
+              </a:rPr>
+              <a:t>.</a:t>
+            </a:r>
+          </a:p>
+          <a:p>
+            <a:r>
+              <a:rPr lang="en-US" dirty="0">
+                <a:solidFill>
+                  <a:srgbClr val="1A1A1A"/>
+                </a:solidFill>
+                <a:latin typeface="PingFang TC" panose="020B0400000000000000" pitchFamily="34" charset="-120"/>
+                <a:ea typeface="PingFang TC" panose="020B0400000000000000" pitchFamily="34" charset="-120"/>
+              </a:rPr>
+              <a:t>.</a:t>
+            </a:r>
+          </a:p>
+          <a:p>
+            <a:r>
+              <a:rPr lang="en-US" dirty="0">
+                <a:solidFill>
+                  <a:srgbClr val="1A1A1A"/>
+                </a:solidFill>
+                <a:latin typeface="PingFang TC" panose="020B0400000000000000" pitchFamily="34" charset="-120"/>
+                <a:ea typeface="PingFang TC" panose="020B0400000000000000" pitchFamily="34" charset="-120"/>
+              </a:rPr>
+              <a:t>.</a:t>
+            </a:r>
+          </a:p>
+          <a:p>
+            <a:r>
+              <a:rPr lang="en-US" dirty="0">
+                <a:solidFill>
+                  <a:srgbClr val="1A1A1A"/>
+                </a:solidFill>
+                <a:latin typeface="PingFang TC" panose="020B0400000000000000" pitchFamily="34" charset="-120"/>
+                <a:ea typeface="PingFang TC" panose="020B0400000000000000" pitchFamily="34" charset="-120"/>
+              </a:rPr>
+              <a:t>.</a:t>
+            </a:r>
+            <a:endParaRPr lang="en-US" dirty="0"/>
+          </a:p>
+        </p:txBody>
+      </p:sp>
+      <p:sp>
+        <p:nvSpPr>
+          <p:cNvPr id="60" name="Oval 59">
+            <a:extLst>
+              <a:ext uri="{FF2B5EF4-FFF2-40B4-BE49-F238E27FC236}">
+                <a16:creationId xmlns:a16="http://schemas.microsoft.com/office/drawing/2014/main" id="{B3A252BF-E809-314F-BC03-D7CD0489EF33}"/>
+              </a:ext>
+            </a:extLst>
+          </p:cNvPr>
+          <p:cNvSpPr/>
+          <p:nvPr/>
+        </p:nvSpPr>
+        <p:spPr>
+          <a:xfrm>
+            <a:off x="8039711" y="3371873"/>
+            <a:ext cx="468000" cy="468000"/>
+          </a:xfrm>
+          <a:prstGeom prst="ellipse">
+            <a:avLst/>
+          </a:prstGeom>
+          <a:solidFill>
+            <a:schemeClr val="bg1"/>
+          </a:solidFill>
+          <a:ln>
+            <a:solidFill>
+              <a:schemeClr val="tx1"/>
+            </a:solidFill>
+          </a:ln>
+        </p:spPr>
+        <p:style>
+          <a:lnRef idx="2">
+            <a:schemeClr val="accent1">
+              <a:shade val="50000"/>
+            </a:schemeClr>
+          </a:lnRef>
+          <a:fillRef idx="1">
+            <a:schemeClr val="accent1"/>
+          </a:fillRef>
+          <a:effectRef idx="0">
+            <a:schemeClr val="accent1"/>
+          </a:effectRef>
+          <a:fontRef idx="minor">
+            <a:schemeClr val="lt1"/>
+          </a:fontRef>
+        </p:style>
+        <p:txBody>
+          <a:bodyPr rtlCol="0" anchor="ctr"/>
+          <a:lstStyle/>
+          <a:p>
+            <a:pPr algn="ctr"/>
+            <a:endParaRPr lang="en-US"/>
+          </a:p>
+        </p:txBody>
+      </p:sp>
+      <p:sp>
+        <p:nvSpPr>
+          <p:cNvPr id="61" name="Oval 60">
+            <a:extLst>
+              <a:ext uri="{FF2B5EF4-FFF2-40B4-BE49-F238E27FC236}">
+                <a16:creationId xmlns:a16="http://schemas.microsoft.com/office/drawing/2014/main" id="{BFEE0BFA-BB0F-3342-B77D-628547259C6B}"/>
+              </a:ext>
+            </a:extLst>
+          </p:cNvPr>
+          <p:cNvSpPr/>
+          <p:nvPr/>
+        </p:nvSpPr>
+        <p:spPr>
+          <a:xfrm>
+            <a:off x="8039711" y="3922527"/>
+            <a:ext cx="468000" cy="468000"/>
+          </a:xfrm>
+          <a:prstGeom prst="ellipse">
+            <a:avLst/>
+          </a:prstGeom>
+          <a:solidFill>
+            <a:schemeClr val="bg1"/>
+          </a:solidFill>
+          <a:ln>
+            <a:solidFill>
+              <a:schemeClr val="tx1"/>
+            </a:solidFill>
+          </a:ln>
+        </p:spPr>
+        <p:style>
+          <a:lnRef idx="2">
+            <a:schemeClr val="accent1">
+              <a:shade val="50000"/>
+            </a:schemeClr>
+          </a:lnRef>
+          <a:fillRef idx="1">
+            <a:schemeClr val="accent1"/>
+          </a:fillRef>
+          <a:effectRef idx="0">
+            <a:schemeClr val="accent1"/>
+          </a:effectRef>
+          <a:fontRef idx="minor">
+            <a:schemeClr val="lt1"/>
+          </a:fontRef>
+        </p:style>
+        <p:txBody>
+          <a:bodyPr rtlCol="0" anchor="ctr"/>
+          <a:lstStyle/>
+          <a:p>
+            <a:pPr algn="ctr"/>
+            <a:endParaRPr lang="en-US"/>
+          </a:p>
+        </p:txBody>
+      </p:sp>
+      <p:sp>
+        <p:nvSpPr>
+          <p:cNvPr id="62" name="Oval 61">
+            <a:extLst>
+              <a:ext uri="{FF2B5EF4-FFF2-40B4-BE49-F238E27FC236}">
+                <a16:creationId xmlns:a16="http://schemas.microsoft.com/office/drawing/2014/main" id="{C4A2AD70-B2CF-DC4D-BD46-9EAAFAEF3E43}"/>
+              </a:ext>
+            </a:extLst>
+          </p:cNvPr>
+          <p:cNvSpPr/>
+          <p:nvPr/>
+        </p:nvSpPr>
+        <p:spPr>
+          <a:xfrm>
+            <a:off x="8039711" y="5542496"/>
+            <a:ext cx="468000" cy="468000"/>
+          </a:xfrm>
+          <a:prstGeom prst="ellipse">
+            <a:avLst/>
+          </a:prstGeom>
+          <a:solidFill>
+            <a:schemeClr val="bg1"/>
+          </a:solidFill>
+          <a:ln>
+            <a:solidFill>
+              <a:schemeClr val="tx1"/>
+            </a:solidFill>
+          </a:ln>
+        </p:spPr>
+        <p:style>
+          <a:lnRef idx="2">
+            <a:schemeClr val="accent1">
+              <a:shade val="50000"/>
+            </a:schemeClr>
+          </a:lnRef>
+          <a:fillRef idx="1">
+            <a:schemeClr val="accent1"/>
+          </a:fillRef>
+          <a:effectRef idx="0">
+            <a:schemeClr val="accent1"/>
+          </a:effectRef>
+          <a:fontRef idx="minor">
+            <a:schemeClr val="lt1"/>
+          </a:fontRef>
+        </p:style>
+        <p:txBody>
+          <a:bodyPr rtlCol="0" anchor="ctr"/>
+          <a:lstStyle/>
+          <a:p>
+            <a:pPr algn="ctr"/>
+            <a:endParaRPr lang="en-US"/>
+          </a:p>
+        </p:txBody>
+      </p:sp>
+      <p:sp>
+        <p:nvSpPr>
+          <p:cNvPr id="63" name="Rectangle 62">
+            <a:extLst>
+              <a:ext uri="{FF2B5EF4-FFF2-40B4-BE49-F238E27FC236}">
+                <a16:creationId xmlns:a16="http://schemas.microsoft.com/office/drawing/2014/main" id="{E6BBB63C-79E5-1A44-A941-1AA21DD702D5}"/>
+              </a:ext>
+            </a:extLst>
+          </p:cNvPr>
+          <p:cNvSpPr/>
+          <p:nvPr/>
+        </p:nvSpPr>
+        <p:spPr>
+          <a:xfrm>
+            <a:off x="8150921" y="4306339"/>
+            <a:ext cx="245580" cy="1200329"/>
+          </a:xfrm>
+          <a:prstGeom prst="rect">
+            <a:avLst/>
+          </a:prstGeom>
+        </p:spPr>
+        <p:txBody>
+          <a:bodyPr wrap="none">
+            <a:spAutoFit/>
+          </a:bodyPr>
+          <a:lstStyle/>
+          <a:p>
+            <a:r>
+              <a:rPr lang="en-US" altLang="zh-TW" dirty="0">
+                <a:solidFill>
+                  <a:srgbClr val="1A1A1A"/>
+                </a:solidFill>
+                <a:latin typeface="PingFang TC" panose="020B0400000000000000" pitchFamily="34" charset="-120"/>
+                <a:ea typeface="PingFang TC" panose="020B0400000000000000" pitchFamily="34" charset="-120"/>
+              </a:rPr>
+              <a:t>.</a:t>
+            </a:r>
+          </a:p>
+          <a:p>
+            <a:r>
+              <a:rPr lang="en-US" dirty="0">
+                <a:solidFill>
+                  <a:srgbClr val="1A1A1A"/>
+                </a:solidFill>
+                <a:latin typeface="PingFang TC" panose="020B0400000000000000" pitchFamily="34" charset="-120"/>
+                <a:ea typeface="PingFang TC" panose="020B0400000000000000" pitchFamily="34" charset="-120"/>
+              </a:rPr>
+              <a:t>.</a:t>
+            </a:r>
+          </a:p>
+          <a:p>
+            <a:r>
+              <a:rPr lang="en-US" dirty="0">
+                <a:solidFill>
+                  <a:srgbClr val="1A1A1A"/>
+                </a:solidFill>
+                <a:latin typeface="PingFang TC" panose="020B0400000000000000" pitchFamily="34" charset="-120"/>
+                <a:ea typeface="PingFang TC" panose="020B0400000000000000" pitchFamily="34" charset="-120"/>
+              </a:rPr>
+              <a:t>.</a:t>
+            </a:r>
+          </a:p>
+          <a:p>
+            <a:r>
+              <a:rPr lang="en-US" dirty="0">
+                <a:solidFill>
+                  <a:srgbClr val="1A1A1A"/>
+                </a:solidFill>
+                <a:latin typeface="PingFang TC" panose="020B0400000000000000" pitchFamily="34" charset="-120"/>
+                <a:ea typeface="PingFang TC" panose="020B0400000000000000" pitchFamily="34" charset="-120"/>
+              </a:rPr>
+              <a:t>.</a:t>
+            </a:r>
+            <a:endParaRPr lang="en-US" dirty="0"/>
+          </a:p>
+        </p:txBody>
+      </p:sp>
+      <p:cxnSp>
+        <p:nvCxnSpPr>
+          <p:cNvPr id="64" name="Straight Connector 63">
+            <a:extLst>
+              <a:ext uri="{FF2B5EF4-FFF2-40B4-BE49-F238E27FC236}">
+                <a16:creationId xmlns:a16="http://schemas.microsoft.com/office/drawing/2014/main" id="{AABE20E9-2321-8641-A350-59429A7AC70F}"/>
+              </a:ext>
+            </a:extLst>
+          </p:cNvPr>
+          <p:cNvCxnSpPr>
+            <a:cxnSpLocks/>
+            <a:stCxn id="56" idx="6"/>
+            <a:endCxn id="60" idx="2"/>
+          </p:cNvCxnSpPr>
+          <p:nvPr/>
+        </p:nvCxnSpPr>
+        <p:spPr>
+          <a:xfrm>
+            <a:off x="6356619" y="3605873"/>
+            <a:ext cx="1683092" cy="0"/>
+          </a:xfrm>
+          <a:prstGeom prst="line">
+            <a:avLst/>
+          </a:prstGeom>
+          <a:ln>
+            <a:solidFill>
+              <a:schemeClr val="tx1"/>
+            </a:solidFill>
+          </a:ln>
+        </p:spPr>
+        <p:style>
+          <a:lnRef idx="1">
+            <a:schemeClr val="accent1"/>
+          </a:lnRef>
+          <a:fillRef idx="0">
+            <a:schemeClr val="accent1"/>
+          </a:fillRef>
+          <a:effectRef idx="0">
+            <a:schemeClr val="accent1"/>
+          </a:effectRef>
+          <a:fontRef idx="minor">
+            <a:schemeClr val="tx1"/>
+          </a:fontRef>
+        </p:style>
+      </p:cxnSp>
+      <p:cxnSp>
+        <p:nvCxnSpPr>
+          <p:cNvPr id="65" name="Straight Connector 64">
+            <a:extLst>
+              <a:ext uri="{FF2B5EF4-FFF2-40B4-BE49-F238E27FC236}">
+                <a16:creationId xmlns:a16="http://schemas.microsoft.com/office/drawing/2014/main" id="{DA0B0298-F8B8-5947-9254-DE09610F20CC}"/>
+              </a:ext>
+            </a:extLst>
+          </p:cNvPr>
+          <p:cNvCxnSpPr>
+            <a:cxnSpLocks/>
+            <a:endCxn id="61" idx="2"/>
+          </p:cNvCxnSpPr>
+          <p:nvPr/>
+        </p:nvCxnSpPr>
+        <p:spPr>
+          <a:xfrm>
+            <a:off x="6356619" y="3605873"/>
+            <a:ext cx="1683092" cy="550654"/>
+          </a:xfrm>
+          <a:prstGeom prst="line">
+            <a:avLst/>
+          </a:prstGeom>
+          <a:ln>
+            <a:solidFill>
+              <a:schemeClr val="tx1"/>
+            </a:solidFill>
+          </a:ln>
+        </p:spPr>
+        <p:style>
+          <a:lnRef idx="1">
+            <a:schemeClr val="accent1"/>
+          </a:lnRef>
+          <a:fillRef idx="0">
+            <a:schemeClr val="accent1"/>
+          </a:fillRef>
+          <a:effectRef idx="0">
+            <a:schemeClr val="accent1"/>
+          </a:effectRef>
+          <a:fontRef idx="minor">
+            <a:schemeClr val="tx1"/>
+          </a:fontRef>
+        </p:style>
+      </p:cxnSp>
+      <p:cxnSp>
+        <p:nvCxnSpPr>
+          <p:cNvPr id="66" name="Straight Connector 65">
+            <a:extLst>
+              <a:ext uri="{FF2B5EF4-FFF2-40B4-BE49-F238E27FC236}">
+                <a16:creationId xmlns:a16="http://schemas.microsoft.com/office/drawing/2014/main" id="{43B2D09D-62BA-6940-9B60-36047B61F04B}"/>
+              </a:ext>
+            </a:extLst>
+          </p:cNvPr>
+          <p:cNvCxnSpPr>
+            <a:cxnSpLocks/>
+            <a:stCxn id="56" idx="6"/>
+            <a:endCxn id="62" idx="2"/>
+          </p:cNvCxnSpPr>
+          <p:nvPr/>
+        </p:nvCxnSpPr>
+        <p:spPr>
+          <a:xfrm>
+            <a:off x="6356619" y="3605873"/>
+            <a:ext cx="1683092" cy="2170623"/>
+          </a:xfrm>
+          <a:prstGeom prst="line">
+            <a:avLst/>
+          </a:prstGeom>
+          <a:ln>
+            <a:solidFill>
+              <a:schemeClr val="tx1"/>
+            </a:solidFill>
+          </a:ln>
+        </p:spPr>
+        <p:style>
+          <a:lnRef idx="1">
+            <a:schemeClr val="accent1"/>
+          </a:lnRef>
+          <a:fillRef idx="0">
+            <a:schemeClr val="accent1"/>
+          </a:fillRef>
+          <a:effectRef idx="0">
+            <a:schemeClr val="accent1"/>
+          </a:effectRef>
+          <a:fontRef idx="minor">
+            <a:schemeClr val="tx1"/>
+          </a:fontRef>
+        </p:style>
+      </p:cxnSp>
+      <p:cxnSp>
+        <p:nvCxnSpPr>
+          <p:cNvPr id="67" name="Straight Connector 66">
+            <a:extLst>
+              <a:ext uri="{FF2B5EF4-FFF2-40B4-BE49-F238E27FC236}">
+                <a16:creationId xmlns:a16="http://schemas.microsoft.com/office/drawing/2014/main" id="{766D2E2F-7CC2-4F41-BB94-F2570C64259C}"/>
+              </a:ext>
+            </a:extLst>
+          </p:cNvPr>
+          <p:cNvCxnSpPr>
+            <a:cxnSpLocks/>
+            <a:stCxn id="57" idx="6"/>
+            <a:endCxn id="60" idx="2"/>
+          </p:cNvCxnSpPr>
+          <p:nvPr/>
+        </p:nvCxnSpPr>
+        <p:spPr>
+          <a:xfrm flipV="1">
+            <a:off x="6356619" y="3605873"/>
+            <a:ext cx="1683092" cy="550654"/>
+          </a:xfrm>
+          <a:prstGeom prst="line">
+            <a:avLst/>
+          </a:prstGeom>
+          <a:ln>
+            <a:solidFill>
+              <a:schemeClr val="tx1"/>
+            </a:solidFill>
+          </a:ln>
+        </p:spPr>
+        <p:style>
+          <a:lnRef idx="1">
+            <a:schemeClr val="accent1"/>
+          </a:lnRef>
+          <a:fillRef idx="0">
+            <a:schemeClr val="accent1"/>
+          </a:fillRef>
+          <a:effectRef idx="0">
+            <a:schemeClr val="accent1"/>
+          </a:effectRef>
+          <a:fontRef idx="minor">
+            <a:schemeClr val="tx1"/>
+          </a:fontRef>
+        </p:style>
+      </p:cxnSp>
+      <p:cxnSp>
+        <p:nvCxnSpPr>
+          <p:cNvPr id="68" name="Straight Connector 67">
+            <a:extLst>
+              <a:ext uri="{FF2B5EF4-FFF2-40B4-BE49-F238E27FC236}">
+                <a16:creationId xmlns:a16="http://schemas.microsoft.com/office/drawing/2014/main" id="{78B88B9C-42A9-2A41-90C1-26FF2F68B955}"/>
+              </a:ext>
+            </a:extLst>
+          </p:cNvPr>
+          <p:cNvCxnSpPr>
+            <a:cxnSpLocks/>
+            <a:stCxn id="57" idx="6"/>
+            <a:endCxn id="61" idx="2"/>
+          </p:cNvCxnSpPr>
+          <p:nvPr/>
+        </p:nvCxnSpPr>
+        <p:spPr>
+          <a:xfrm>
+            <a:off x="6356619" y="4156527"/>
+            <a:ext cx="1683092" cy="0"/>
+          </a:xfrm>
+          <a:prstGeom prst="line">
+            <a:avLst/>
+          </a:prstGeom>
+          <a:ln>
+            <a:solidFill>
+              <a:schemeClr val="tx1"/>
+            </a:solidFill>
+          </a:ln>
+        </p:spPr>
+        <p:style>
+          <a:lnRef idx="1">
+            <a:schemeClr val="accent1"/>
+          </a:lnRef>
+          <a:fillRef idx="0">
+            <a:schemeClr val="accent1"/>
+          </a:fillRef>
+          <a:effectRef idx="0">
+            <a:schemeClr val="accent1"/>
+          </a:effectRef>
+          <a:fontRef idx="minor">
+            <a:schemeClr val="tx1"/>
+          </a:fontRef>
+        </p:style>
+      </p:cxnSp>
+      <p:cxnSp>
+        <p:nvCxnSpPr>
+          <p:cNvPr id="69" name="Straight Connector 68">
+            <a:extLst>
+              <a:ext uri="{FF2B5EF4-FFF2-40B4-BE49-F238E27FC236}">
+                <a16:creationId xmlns:a16="http://schemas.microsoft.com/office/drawing/2014/main" id="{F87DFE83-C8A5-5E45-8A48-68C39F52C1B4}"/>
+              </a:ext>
+            </a:extLst>
+          </p:cNvPr>
+          <p:cNvCxnSpPr>
+            <a:cxnSpLocks/>
+            <a:stCxn id="57" idx="6"/>
+            <a:endCxn id="62" idx="2"/>
+          </p:cNvCxnSpPr>
+          <p:nvPr/>
+        </p:nvCxnSpPr>
+        <p:spPr>
+          <a:xfrm>
+            <a:off x="6356619" y="4156527"/>
+            <a:ext cx="1683092" cy="1619969"/>
+          </a:xfrm>
+          <a:prstGeom prst="line">
+            <a:avLst/>
+          </a:prstGeom>
+          <a:ln>
+            <a:solidFill>
+              <a:schemeClr val="tx1"/>
+            </a:solidFill>
+          </a:ln>
+        </p:spPr>
+        <p:style>
+          <a:lnRef idx="1">
+            <a:schemeClr val="accent1"/>
+          </a:lnRef>
+          <a:fillRef idx="0">
+            <a:schemeClr val="accent1"/>
+          </a:fillRef>
+          <a:effectRef idx="0">
+            <a:schemeClr val="accent1"/>
+          </a:effectRef>
+          <a:fontRef idx="minor">
+            <a:schemeClr val="tx1"/>
+          </a:fontRef>
+        </p:style>
+      </p:cxnSp>
+      <p:cxnSp>
+        <p:nvCxnSpPr>
+          <p:cNvPr id="70" name="Straight Connector 69">
+            <a:extLst>
+              <a:ext uri="{FF2B5EF4-FFF2-40B4-BE49-F238E27FC236}">
+                <a16:creationId xmlns:a16="http://schemas.microsoft.com/office/drawing/2014/main" id="{21C433CE-4A02-D144-ADF9-4D9B6B3F6D44}"/>
+              </a:ext>
+            </a:extLst>
+          </p:cNvPr>
+          <p:cNvCxnSpPr>
+            <a:cxnSpLocks/>
+            <a:stCxn id="58" idx="6"/>
+            <a:endCxn id="60" idx="2"/>
+          </p:cNvCxnSpPr>
+          <p:nvPr/>
+        </p:nvCxnSpPr>
+        <p:spPr>
+          <a:xfrm flipV="1">
+            <a:off x="6356619" y="3605873"/>
+            <a:ext cx="1683092" cy="2170623"/>
+          </a:xfrm>
+          <a:prstGeom prst="line">
+            <a:avLst/>
+          </a:prstGeom>
+          <a:ln>
+            <a:solidFill>
+              <a:schemeClr val="tx1"/>
+            </a:solidFill>
+          </a:ln>
+        </p:spPr>
+        <p:style>
+          <a:lnRef idx="1">
+            <a:schemeClr val="accent1"/>
+          </a:lnRef>
+          <a:fillRef idx="0">
+            <a:schemeClr val="accent1"/>
+          </a:fillRef>
+          <a:effectRef idx="0">
+            <a:schemeClr val="accent1"/>
+          </a:effectRef>
+          <a:fontRef idx="minor">
+            <a:schemeClr val="tx1"/>
+          </a:fontRef>
+        </p:style>
+      </p:cxnSp>
+      <p:cxnSp>
+        <p:nvCxnSpPr>
+          <p:cNvPr id="71" name="Straight Connector 70">
+            <a:extLst>
+              <a:ext uri="{FF2B5EF4-FFF2-40B4-BE49-F238E27FC236}">
+                <a16:creationId xmlns:a16="http://schemas.microsoft.com/office/drawing/2014/main" id="{4BAF828B-5B68-D447-AC7E-E1587A76453E}"/>
+              </a:ext>
+            </a:extLst>
+          </p:cNvPr>
+          <p:cNvCxnSpPr>
+            <a:cxnSpLocks/>
+            <a:stCxn id="58" idx="6"/>
+            <a:endCxn id="61" idx="2"/>
+          </p:cNvCxnSpPr>
+          <p:nvPr/>
+        </p:nvCxnSpPr>
+        <p:spPr>
+          <a:xfrm flipV="1">
+            <a:off x="6356619" y="4156527"/>
+            <a:ext cx="1683092" cy="1619969"/>
+          </a:xfrm>
+          <a:prstGeom prst="line">
+            <a:avLst/>
+          </a:prstGeom>
+          <a:ln>
+            <a:solidFill>
+              <a:schemeClr val="tx1"/>
+            </a:solidFill>
+          </a:ln>
+        </p:spPr>
+        <p:style>
+          <a:lnRef idx="1">
+            <a:schemeClr val="accent1"/>
+          </a:lnRef>
+          <a:fillRef idx="0">
+            <a:schemeClr val="accent1"/>
+          </a:fillRef>
+          <a:effectRef idx="0">
+            <a:schemeClr val="accent1"/>
+          </a:effectRef>
+          <a:fontRef idx="minor">
+            <a:schemeClr val="tx1"/>
+          </a:fontRef>
+        </p:style>
+      </p:cxnSp>
+      <p:cxnSp>
+        <p:nvCxnSpPr>
+          <p:cNvPr id="72" name="Straight Connector 71">
+            <a:extLst>
+              <a:ext uri="{FF2B5EF4-FFF2-40B4-BE49-F238E27FC236}">
+                <a16:creationId xmlns:a16="http://schemas.microsoft.com/office/drawing/2014/main" id="{E2684095-DD0A-5048-B8D7-610D8DA50B15}"/>
+              </a:ext>
+            </a:extLst>
+          </p:cNvPr>
+          <p:cNvCxnSpPr>
+            <a:cxnSpLocks/>
+            <a:stCxn id="58" idx="6"/>
+            <a:endCxn id="62" idx="2"/>
+          </p:cNvCxnSpPr>
+          <p:nvPr/>
+        </p:nvCxnSpPr>
+        <p:spPr>
+          <a:xfrm>
+            <a:off x="6356619" y="5776496"/>
+            <a:ext cx="1683092" cy="0"/>
+          </a:xfrm>
+          <a:prstGeom prst="line">
+            <a:avLst/>
+          </a:prstGeom>
+          <a:ln>
+            <a:solidFill>
+              <a:schemeClr val="tx1"/>
+            </a:solidFill>
+          </a:ln>
+        </p:spPr>
+        <p:style>
+          <a:lnRef idx="1">
+            <a:schemeClr val="accent1"/>
+          </a:lnRef>
+          <a:fillRef idx="0">
+            <a:schemeClr val="accent1"/>
+          </a:fillRef>
+          <a:effectRef idx="0">
+            <a:schemeClr val="accent1"/>
+          </a:effectRef>
+          <a:fontRef idx="minor">
+            <a:schemeClr val="tx1"/>
+          </a:fontRef>
+        </p:style>
+      </p:cxnSp>
+      <p:sp>
+        <p:nvSpPr>
+          <p:cNvPr id="73" name="Rectangle 72">
+            <a:extLst>
+              <a:ext uri="{FF2B5EF4-FFF2-40B4-BE49-F238E27FC236}">
+                <a16:creationId xmlns:a16="http://schemas.microsoft.com/office/drawing/2014/main" id="{F545C757-9A9F-EA47-87F4-5AE51F71E1CB}"/>
+              </a:ext>
+            </a:extLst>
+          </p:cNvPr>
+          <p:cNvSpPr/>
+          <p:nvPr/>
+        </p:nvSpPr>
+        <p:spPr>
+          <a:xfrm>
+            <a:off x="5912235" y="2722074"/>
+            <a:ext cx="431528" cy="338554"/>
+          </a:xfrm>
+          <a:prstGeom prst="rect">
+            <a:avLst/>
+          </a:prstGeom>
+        </p:spPr>
+        <p:txBody>
+          <a:bodyPr wrap="none">
+            <a:spAutoFit/>
+          </a:bodyPr>
+          <a:lstStyle/>
+          <a:p>
+            <a:r>
+              <a:rPr lang="en-US" altLang="zh-TW" sz="1600" dirty="0">
+                <a:solidFill>
+                  <a:srgbClr val="1A1A1A"/>
+                </a:solidFill>
+                <a:latin typeface="PingFang TC" panose="020B0400000000000000" pitchFamily="34" charset="-120"/>
+                <a:ea typeface="PingFang TC" panose="020B0400000000000000" pitchFamily="34" charset="-120"/>
+              </a:rPr>
+              <a:t>25</a:t>
+            </a:r>
+            <a:endParaRPr lang="en-US" sz="1600" dirty="0"/>
+          </a:p>
+        </p:txBody>
+      </p:sp>
+      <p:sp>
+        <p:nvSpPr>
+          <p:cNvPr id="74" name="Rectangle 73">
+            <a:extLst>
+              <a:ext uri="{FF2B5EF4-FFF2-40B4-BE49-F238E27FC236}">
+                <a16:creationId xmlns:a16="http://schemas.microsoft.com/office/drawing/2014/main" id="{091E7EC1-FB21-A945-803E-1849DBAD2934}"/>
+              </a:ext>
+            </a:extLst>
+          </p:cNvPr>
+          <p:cNvSpPr/>
+          <p:nvPr/>
+        </p:nvSpPr>
+        <p:spPr>
+          <a:xfrm>
+            <a:off x="8055876" y="2726454"/>
+            <a:ext cx="431528" cy="338554"/>
+          </a:xfrm>
+          <a:prstGeom prst="rect">
+            <a:avLst/>
+          </a:prstGeom>
+        </p:spPr>
+        <p:txBody>
+          <a:bodyPr wrap="none">
+            <a:spAutoFit/>
+          </a:bodyPr>
+          <a:lstStyle/>
+          <a:p>
+            <a:r>
+              <a:rPr lang="en-US" altLang="zh-TW" sz="1600" dirty="0">
+                <a:solidFill>
+                  <a:srgbClr val="1A1A1A"/>
+                </a:solidFill>
+                <a:latin typeface="PingFang TC" panose="020B0400000000000000" pitchFamily="34" charset="-120"/>
+                <a:ea typeface="PingFang TC" panose="020B0400000000000000" pitchFamily="34" charset="-120"/>
+              </a:rPr>
+              <a:t>25</a:t>
+            </a:r>
+            <a:endParaRPr lang="en-US" sz="1600" dirty="0"/>
+          </a:p>
+        </p:txBody>
+      </p:sp>
+      <p:sp>
+        <p:nvSpPr>
+          <p:cNvPr id="75" name="Rectangle 74">
+            <a:extLst>
+              <a:ext uri="{FF2B5EF4-FFF2-40B4-BE49-F238E27FC236}">
+                <a16:creationId xmlns:a16="http://schemas.microsoft.com/office/drawing/2014/main" id="{B7D0D1C0-0112-A54D-822D-7BCFEF6AAF2B}"/>
+              </a:ext>
+            </a:extLst>
+          </p:cNvPr>
+          <p:cNvSpPr/>
+          <p:nvPr/>
+        </p:nvSpPr>
+        <p:spPr>
+          <a:xfrm>
+            <a:off x="6752087" y="2861872"/>
+            <a:ext cx="899605" cy="307777"/>
+          </a:xfrm>
+          <a:prstGeom prst="rect">
+            <a:avLst/>
+          </a:prstGeom>
+        </p:spPr>
+        <p:txBody>
+          <a:bodyPr wrap="none">
+            <a:spAutoFit/>
+          </a:bodyPr>
+          <a:lstStyle/>
+          <a:p>
+            <a:r>
+              <a:rPr lang="en-US" altLang="zh-TW" sz="1400" dirty="0">
+                <a:solidFill>
+                  <a:srgbClr val="1A1A1A"/>
+                </a:solidFill>
+                <a:latin typeface="PingFang TC" panose="020B0400000000000000" pitchFamily="34" charset="-120"/>
+                <a:ea typeface="PingFang TC" panose="020B0400000000000000" pitchFamily="34" charset="-120"/>
+              </a:rPr>
+              <a:t>(25 , 25)</a:t>
+            </a:r>
+            <a:endParaRPr lang="en-US" sz="1400" dirty="0"/>
+          </a:p>
+        </p:txBody>
+      </p:sp>
+      <p:cxnSp>
+        <p:nvCxnSpPr>
+          <p:cNvPr id="76" name="Straight Connector 75">
+            <a:extLst>
+              <a:ext uri="{FF2B5EF4-FFF2-40B4-BE49-F238E27FC236}">
+                <a16:creationId xmlns:a16="http://schemas.microsoft.com/office/drawing/2014/main" id="{39D172C2-4133-8442-BE8F-409FE9D4A31B}"/>
+              </a:ext>
+            </a:extLst>
+          </p:cNvPr>
+          <p:cNvCxnSpPr>
+            <a:cxnSpLocks/>
+          </p:cNvCxnSpPr>
+          <p:nvPr/>
+        </p:nvCxnSpPr>
+        <p:spPr>
+          <a:xfrm>
+            <a:off x="4200265" y="3578902"/>
+            <a:ext cx="1683092" cy="0"/>
+          </a:xfrm>
+          <a:prstGeom prst="line">
+            <a:avLst/>
+          </a:prstGeom>
+          <a:ln>
+            <a:solidFill>
+              <a:schemeClr val="tx1"/>
+            </a:solidFill>
+          </a:ln>
+        </p:spPr>
+        <p:style>
+          <a:lnRef idx="1">
+            <a:schemeClr val="accent1"/>
+          </a:lnRef>
+          <a:fillRef idx="0">
+            <a:schemeClr val="accent1"/>
+          </a:fillRef>
+          <a:effectRef idx="0">
+            <a:schemeClr val="accent1"/>
+          </a:effectRef>
+          <a:fontRef idx="minor">
+            <a:schemeClr val="tx1"/>
+          </a:fontRef>
+        </p:style>
+      </p:cxnSp>
+      <p:cxnSp>
+        <p:nvCxnSpPr>
+          <p:cNvPr id="77" name="Straight Connector 76">
+            <a:extLst>
+              <a:ext uri="{FF2B5EF4-FFF2-40B4-BE49-F238E27FC236}">
+                <a16:creationId xmlns:a16="http://schemas.microsoft.com/office/drawing/2014/main" id="{7B44B785-0B1D-F14C-9202-D4EED55FF550}"/>
+              </a:ext>
+            </a:extLst>
+          </p:cNvPr>
+          <p:cNvCxnSpPr>
+            <a:cxnSpLocks/>
+          </p:cNvCxnSpPr>
+          <p:nvPr/>
+        </p:nvCxnSpPr>
+        <p:spPr>
+          <a:xfrm>
+            <a:off x="4200265" y="3578902"/>
+            <a:ext cx="1683092" cy="550654"/>
+          </a:xfrm>
+          <a:prstGeom prst="line">
+            <a:avLst/>
+          </a:prstGeom>
+          <a:ln>
+            <a:solidFill>
+              <a:schemeClr val="tx1"/>
+            </a:solidFill>
+          </a:ln>
+        </p:spPr>
+        <p:style>
+          <a:lnRef idx="1">
+            <a:schemeClr val="accent1"/>
+          </a:lnRef>
+          <a:fillRef idx="0">
+            <a:schemeClr val="accent1"/>
+          </a:fillRef>
+          <a:effectRef idx="0">
+            <a:schemeClr val="accent1"/>
+          </a:effectRef>
+          <a:fontRef idx="minor">
+            <a:schemeClr val="tx1"/>
+          </a:fontRef>
+        </p:style>
+      </p:cxnSp>
+      <p:cxnSp>
+        <p:nvCxnSpPr>
+          <p:cNvPr id="78" name="Straight Connector 77">
+            <a:extLst>
+              <a:ext uri="{FF2B5EF4-FFF2-40B4-BE49-F238E27FC236}">
+                <a16:creationId xmlns:a16="http://schemas.microsoft.com/office/drawing/2014/main" id="{988A00F2-AC20-4841-9846-89735C064DCC}"/>
+              </a:ext>
+            </a:extLst>
+          </p:cNvPr>
+          <p:cNvCxnSpPr>
+            <a:cxnSpLocks/>
+          </p:cNvCxnSpPr>
+          <p:nvPr/>
+        </p:nvCxnSpPr>
+        <p:spPr>
+          <a:xfrm>
+            <a:off x="4200265" y="3578902"/>
+            <a:ext cx="1683092" cy="2170623"/>
+          </a:xfrm>
+          <a:prstGeom prst="line">
+            <a:avLst/>
+          </a:prstGeom>
+          <a:ln>
+            <a:solidFill>
+              <a:schemeClr val="tx1"/>
+            </a:solidFill>
+          </a:ln>
+        </p:spPr>
+        <p:style>
+          <a:lnRef idx="1">
+            <a:schemeClr val="accent1"/>
+          </a:lnRef>
+          <a:fillRef idx="0">
+            <a:schemeClr val="accent1"/>
+          </a:fillRef>
+          <a:effectRef idx="0">
+            <a:schemeClr val="accent1"/>
+          </a:effectRef>
+          <a:fontRef idx="minor">
+            <a:schemeClr val="tx1"/>
+          </a:fontRef>
+        </p:style>
+      </p:cxnSp>
+      <p:cxnSp>
+        <p:nvCxnSpPr>
+          <p:cNvPr id="79" name="Straight Connector 78">
+            <a:extLst>
+              <a:ext uri="{FF2B5EF4-FFF2-40B4-BE49-F238E27FC236}">
+                <a16:creationId xmlns:a16="http://schemas.microsoft.com/office/drawing/2014/main" id="{B545DC9A-2256-4D41-8C08-B12AD94612A5}"/>
+              </a:ext>
+            </a:extLst>
+          </p:cNvPr>
+          <p:cNvCxnSpPr>
+            <a:cxnSpLocks/>
+          </p:cNvCxnSpPr>
+          <p:nvPr/>
+        </p:nvCxnSpPr>
+        <p:spPr>
+          <a:xfrm flipV="1">
+            <a:off x="4200265" y="3578902"/>
+            <a:ext cx="1683092" cy="550654"/>
+          </a:xfrm>
+          <a:prstGeom prst="line">
+            <a:avLst/>
+          </a:prstGeom>
+          <a:ln>
+            <a:solidFill>
+              <a:schemeClr val="tx1"/>
+            </a:solidFill>
+          </a:ln>
+        </p:spPr>
+        <p:style>
+          <a:lnRef idx="1">
+            <a:schemeClr val="accent1"/>
+          </a:lnRef>
+          <a:fillRef idx="0">
+            <a:schemeClr val="accent1"/>
+          </a:fillRef>
+          <a:effectRef idx="0">
+            <a:schemeClr val="accent1"/>
+          </a:effectRef>
+          <a:fontRef idx="minor">
+            <a:schemeClr val="tx1"/>
+          </a:fontRef>
+        </p:style>
+      </p:cxnSp>
+      <p:cxnSp>
+        <p:nvCxnSpPr>
+          <p:cNvPr id="80" name="Straight Connector 79">
+            <a:extLst>
+              <a:ext uri="{FF2B5EF4-FFF2-40B4-BE49-F238E27FC236}">
+                <a16:creationId xmlns:a16="http://schemas.microsoft.com/office/drawing/2014/main" id="{C9EFBE83-09A3-704D-8B60-7D7F99872C7D}"/>
+              </a:ext>
+            </a:extLst>
+          </p:cNvPr>
+          <p:cNvCxnSpPr>
+            <a:cxnSpLocks/>
+          </p:cNvCxnSpPr>
+          <p:nvPr/>
+        </p:nvCxnSpPr>
+        <p:spPr>
+          <a:xfrm>
+            <a:off x="4200265" y="4129556"/>
+            <a:ext cx="1683092" cy="0"/>
+          </a:xfrm>
+          <a:prstGeom prst="line">
+            <a:avLst/>
+          </a:prstGeom>
+          <a:ln>
+            <a:solidFill>
+              <a:schemeClr val="tx1"/>
+            </a:solidFill>
+          </a:ln>
+        </p:spPr>
+        <p:style>
+          <a:lnRef idx="1">
+            <a:schemeClr val="accent1"/>
+          </a:lnRef>
+          <a:fillRef idx="0">
+            <a:schemeClr val="accent1"/>
+          </a:fillRef>
+          <a:effectRef idx="0">
+            <a:schemeClr val="accent1"/>
+          </a:effectRef>
+          <a:fontRef idx="minor">
+            <a:schemeClr val="tx1"/>
+          </a:fontRef>
+        </p:style>
+      </p:cxnSp>
+      <p:cxnSp>
+        <p:nvCxnSpPr>
+          <p:cNvPr id="81" name="Straight Connector 80">
+            <a:extLst>
+              <a:ext uri="{FF2B5EF4-FFF2-40B4-BE49-F238E27FC236}">
+                <a16:creationId xmlns:a16="http://schemas.microsoft.com/office/drawing/2014/main" id="{F0B06C91-29D0-4C49-A767-03958E471651}"/>
+              </a:ext>
+            </a:extLst>
+          </p:cNvPr>
+          <p:cNvCxnSpPr>
+            <a:cxnSpLocks/>
+          </p:cNvCxnSpPr>
+          <p:nvPr/>
+        </p:nvCxnSpPr>
+        <p:spPr>
+          <a:xfrm>
+            <a:off x="4200265" y="4129556"/>
+            <a:ext cx="1683092" cy="1619969"/>
+          </a:xfrm>
+          <a:prstGeom prst="line">
+            <a:avLst/>
+          </a:prstGeom>
+          <a:ln>
+            <a:solidFill>
+              <a:schemeClr val="tx1"/>
+            </a:solidFill>
+          </a:ln>
+        </p:spPr>
+        <p:style>
+          <a:lnRef idx="1">
+            <a:schemeClr val="accent1"/>
+          </a:lnRef>
+          <a:fillRef idx="0">
+            <a:schemeClr val="accent1"/>
+          </a:fillRef>
+          <a:effectRef idx="0">
+            <a:schemeClr val="accent1"/>
+          </a:effectRef>
+          <a:fontRef idx="minor">
+            <a:schemeClr val="tx1"/>
+          </a:fontRef>
+        </p:style>
+      </p:cxnSp>
+      <p:cxnSp>
+        <p:nvCxnSpPr>
+          <p:cNvPr id="82" name="Straight Connector 81">
+            <a:extLst>
+              <a:ext uri="{FF2B5EF4-FFF2-40B4-BE49-F238E27FC236}">
+                <a16:creationId xmlns:a16="http://schemas.microsoft.com/office/drawing/2014/main" id="{944A7FF3-9762-5C47-B2E8-524E445B25EC}"/>
+              </a:ext>
+            </a:extLst>
+          </p:cNvPr>
+          <p:cNvCxnSpPr>
+            <a:cxnSpLocks/>
+          </p:cNvCxnSpPr>
+          <p:nvPr/>
+        </p:nvCxnSpPr>
+        <p:spPr>
+          <a:xfrm flipV="1">
+            <a:off x="4200265" y="3578902"/>
+            <a:ext cx="1683092" cy="2170623"/>
+          </a:xfrm>
+          <a:prstGeom prst="line">
+            <a:avLst/>
+          </a:prstGeom>
+          <a:ln>
+            <a:solidFill>
+              <a:schemeClr val="tx1"/>
+            </a:solidFill>
+          </a:ln>
+        </p:spPr>
+        <p:style>
+          <a:lnRef idx="1">
+            <a:schemeClr val="accent1"/>
+          </a:lnRef>
+          <a:fillRef idx="0">
+            <a:schemeClr val="accent1"/>
+          </a:fillRef>
+          <a:effectRef idx="0">
+            <a:schemeClr val="accent1"/>
+          </a:effectRef>
+          <a:fontRef idx="minor">
+            <a:schemeClr val="tx1"/>
+          </a:fontRef>
+        </p:style>
+      </p:cxnSp>
+      <p:cxnSp>
+        <p:nvCxnSpPr>
+          <p:cNvPr id="83" name="Straight Connector 82">
+            <a:extLst>
+              <a:ext uri="{FF2B5EF4-FFF2-40B4-BE49-F238E27FC236}">
+                <a16:creationId xmlns:a16="http://schemas.microsoft.com/office/drawing/2014/main" id="{B3C259F3-94E4-C648-81F7-4668EADB7A9D}"/>
+              </a:ext>
+            </a:extLst>
+          </p:cNvPr>
+          <p:cNvCxnSpPr>
+            <a:cxnSpLocks/>
+          </p:cNvCxnSpPr>
+          <p:nvPr/>
+        </p:nvCxnSpPr>
+        <p:spPr>
+          <a:xfrm flipV="1">
+            <a:off x="4200265" y="4129556"/>
+            <a:ext cx="1683092" cy="1619969"/>
+          </a:xfrm>
+          <a:prstGeom prst="line">
+            <a:avLst/>
+          </a:prstGeom>
+          <a:ln>
+            <a:solidFill>
+              <a:schemeClr val="tx1"/>
+            </a:solidFill>
+          </a:ln>
+        </p:spPr>
+        <p:style>
+          <a:lnRef idx="1">
+            <a:schemeClr val="accent1"/>
+          </a:lnRef>
+          <a:fillRef idx="0">
+            <a:schemeClr val="accent1"/>
+          </a:fillRef>
+          <a:effectRef idx="0">
+            <a:schemeClr val="accent1"/>
+          </a:effectRef>
+          <a:fontRef idx="minor">
+            <a:schemeClr val="tx1"/>
+          </a:fontRef>
+        </p:style>
+      </p:cxnSp>
+      <p:cxnSp>
+        <p:nvCxnSpPr>
+          <p:cNvPr id="84" name="Straight Connector 83">
+            <a:extLst>
+              <a:ext uri="{FF2B5EF4-FFF2-40B4-BE49-F238E27FC236}">
+                <a16:creationId xmlns:a16="http://schemas.microsoft.com/office/drawing/2014/main" id="{6E763188-61CE-214C-96EB-E7006D0232AB}"/>
+              </a:ext>
+            </a:extLst>
+          </p:cNvPr>
+          <p:cNvCxnSpPr>
+            <a:cxnSpLocks/>
+          </p:cNvCxnSpPr>
+          <p:nvPr/>
+        </p:nvCxnSpPr>
+        <p:spPr>
+          <a:xfrm>
+            <a:off x="4200265" y="5749525"/>
+            <a:ext cx="1683092" cy="0"/>
+          </a:xfrm>
+          <a:prstGeom prst="line">
+            <a:avLst/>
+          </a:prstGeom>
+          <a:ln>
+            <a:solidFill>
+              <a:schemeClr val="tx1"/>
+            </a:solidFill>
+          </a:ln>
+        </p:spPr>
+        <p:style>
+          <a:lnRef idx="1">
+            <a:schemeClr val="accent1"/>
+          </a:lnRef>
+          <a:fillRef idx="0">
+            <a:schemeClr val="accent1"/>
+          </a:fillRef>
+          <a:effectRef idx="0">
+            <a:schemeClr val="accent1"/>
+          </a:effectRef>
+          <a:fontRef idx="minor">
+            <a:schemeClr val="tx1"/>
+          </a:fontRef>
+        </p:style>
+      </p:cxnSp>
+      <p:sp>
+        <p:nvSpPr>
+          <p:cNvPr id="85" name="Rectangle 84">
+            <a:extLst>
+              <a:ext uri="{FF2B5EF4-FFF2-40B4-BE49-F238E27FC236}">
+                <a16:creationId xmlns:a16="http://schemas.microsoft.com/office/drawing/2014/main" id="{39B47BA1-6676-874B-982A-507C58D97353}"/>
+              </a:ext>
+            </a:extLst>
+          </p:cNvPr>
+          <p:cNvSpPr/>
+          <p:nvPr/>
+        </p:nvSpPr>
+        <p:spPr>
+          <a:xfrm>
+            <a:off x="4632574" y="2854474"/>
+            <a:ext cx="899605" cy="307777"/>
+          </a:xfrm>
+          <a:prstGeom prst="rect">
+            <a:avLst/>
+          </a:prstGeom>
+        </p:spPr>
+        <p:txBody>
+          <a:bodyPr wrap="none">
+            <a:spAutoFit/>
+          </a:bodyPr>
+          <a:lstStyle/>
+          <a:p>
+            <a:r>
+              <a:rPr lang="en-US" altLang="zh-TW" sz="1400" dirty="0">
+                <a:solidFill>
+                  <a:srgbClr val="1A1A1A"/>
+                </a:solidFill>
+                <a:latin typeface="PingFang TC" panose="020B0400000000000000" pitchFamily="34" charset="-120"/>
+                <a:ea typeface="PingFang TC" panose="020B0400000000000000" pitchFamily="34" charset="-120"/>
+              </a:rPr>
+              <a:t>(25 , 25)</a:t>
+            </a:r>
+            <a:endParaRPr lang="en-US" sz="1400" dirty="0"/>
+          </a:p>
+        </p:txBody>
+      </p:sp>
     </p:spTree>
     <p:extLst>
       <p:ext uri="{BB962C8B-B14F-4D97-AF65-F5344CB8AC3E}">
